--- a/predavanja/prezentacije/UVIT04-01-CSS.pptx
+++ b/predavanja/prezentacije/UVIT04-01-CSS.pptx
@@ -5,14 +5,22 @@
     <p:sldMasterId id="2147483750" r:id="rId1"/>
   </p:sldMasterIdLst>
   <p:notesMasterIdLst>
-    <p:notesMasterId r:id="rId7"/>
+    <p:notesMasterId r:id="rId15"/>
   </p:notesMasterIdLst>
   <p:sldIdLst>
     <p:sldId id="296" r:id="rId2"/>
     <p:sldId id="297" r:id="rId3"/>
-    <p:sldId id="306" r:id="rId4"/>
-    <p:sldId id="308" r:id="rId5"/>
-    <p:sldId id="307" r:id="rId6"/>
+    <p:sldId id="309" r:id="rId4"/>
+    <p:sldId id="310" r:id="rId5"/>
+    <p:sldId id="311" r:id="rId6"/>
+    <p:sldId id="312" r:id="rId7"/>
+    <p:sldId id="313" r:id="rId8"/>
+    <p:sldId id="314" r:id="rId9"/>
+    <p:sldId id="315" r:id="rId10"/>
+    <p:sldId id="316" r:id="rId11"/>
+    <p:sldId id="317" r:id="rId12"/>
+    <p:sldId id="318" r:id="rId13"/>
+    <p:sldId id="307" r:id="rId14"/>
   </p:sldIdLst>
   <p:sldSz cx="9144000" cy="6858000" type="screen4x3"/>
   <p:notesSz cx="6858000" cy="9144000"/>
@@ -226,7 +234,7 @@
           <a:p>
             <a:fld id="{6B3683FA-0560-4266-A2CA-8A7D404C35FD}" type="datetimeFigureOut">
               <a:rPr lang="en-US" smtClean="0"/>
-              <a:t>10/2/2016</a:t>
+              <a:t>10/17/2018</a:t>
             </a:fld>
             <a:endParaRPr lang="en-US"/>
           </a:p>
@@ -1840,8 +1848,8 @@
         </p:nvSpPr>
         <p:spPr bwMode="auto">
           <a:xfrm>
-            <a:off x="8518769" y="274072"/>
-            <a:ext cx="409087" cy="215444"/>
+            <a:off x="8493121" y="274072"/>
+            <a:ext cx="460383" cy="215444"/>
           </a:xfrm>
           <a:prstGeom prst="rect">
             <a:avLst/>
@@ -2035,7 +2043,7 @@
                 <a:latin typeface="Times New Roman" pitchFamily="18" charset="0"/>
                 <a:cs typeface="Arial" charset="0"/>
               </a:rPr>
-              <a:t>5</a:t>
+              <a:t>13</a:t>
             </a:r>
             <a:endParaRPr lang="en-US" sz="800" dirty="0" smtClean="0">
               <a:solidFill>
@@ -3301,6 +3309,3059 @@
 </p:sld>
 </file>
 
+<file path=ppt/slides/slide10.xml><?xml version="1.0" encoding="utf-8"?>
+<p:sld xmlns:a="http://schemas.openxmlformats.org/drawingml/2006/main" xmlns:r="http://schemas.openxmlformats.org/officeDocument/2006/relationships" xmlns:p="http://schemas.openxmlformats.org/presentationml/2006/main">
+  <p:cSld>
+    <p:spTree>
+      <p:nvGrpSpPr>
+        <p:cNvPr id="1" name=""/>
+        <p:cNvGrpSpPr/>
+        <p:nvPr/>
+      </p:nvGrpSpPr>
+      <p:grpSpPr>
+        <a:xfrm>
+          <a:off x="0" y="0"/>
+          <a:ext cx="0" cy="0"/>
+          <a:chOff x="0" y="0"/>
+          <a:chExt cx="0" cy="0"/>
+        </a:xfrm>
+      </p:grpSpPr>
+      <p:sp>
+        <p:nvSpPr>
+          <p:cNvPr id="92162" name="Rectangle 2"/>
+          <p:cNvSpPr>
+            <a:spLocks noGrp="1" noChangeArrowheads="1"/>
+          </p:cNvSpPr>
+          <p:nvPr>
+            <p:ph type="title"/>
+          </p:nvPr>
+        </p:nvSpPr>
+        <p:spPr/>
+        <p:txBody>
+          <a:bodyPr/>
+          <a:lstStyle/>
+          <a:p>
+            <a:r>
+              <a:rPr lang="fi-FI" dirty="0" err="1"/>
+              <a:t>Kaskada</a:t>
+            </a:r>
+            <a:r>
+              <a:rPr lang="fi-FI" dirty="0"/>
+              <a:t> </a:t>
+            </a:r>
+            <a:r>
+              <a:rPr lang="fi-FI" dirty="0" err="1"/>
+              <a:t>stilskih</a:t>
+            </a:r>
+            <a:r>
+              <a:rPr lang="fi-FI" dirty="0"/>
+              <a:t> </a:t>
+            </a:r>
+            <a:r>
+              <a:rPr lang="fi-FI" dirty="0" err="1"/>
+              <a:t>opisa</a:t>
+            </a:r>
+            <a:endParaRPr lang="sr-Latn-RS" dirty="0"/>
+          </a:p>
+        </p:txBody>
+      </p:sp>
+      <p:sp>
+        <p:nvSpPr>
+          <p:cNvPr id="92163" name="Rectangle 3"/>
+          <p:cNvSpPr>
+            <a:spLocks noGrp="1" noChangeArrowheads="1"/>
+          </p:cNvSpPr>
+          <p:nvPr>
+            <p:ph idx="1"/>
+          </p:nvPr>
+        </p:nvSpPr>
+        <p:spPr>
+          <a:xfrm>
+            <a:off x="457200" y="1600200"/>
+            <a:ext cx="8579296" cy="5257800"/>
+          </a:xfrm>
+        </p:spPr>
+        <p:txBody>
+          <a:bodyPr/>
+          <a:lstStyle/>
+          <a:p>
+            <a:pPr lvl="0">
+              <a:spcBef>
+                <a:spcPts val="1200"/>
+              </a:spcBef>
+            </a:pPr>
+            <a:r>
+              <a:rPr lang="en-GB" dirty="0" err="1"/>
+              <a:t>Stilske</a:t>
+            </a:r>
+            <a:r>
+              <a:rPr lang="en-GB" dirty="0"/>
+              <a:t> </a:t>
+            </a:r>
+            <a:r>
+              <a:rPr lang="en-GB" dirty="0" err="1"/>
+              <a:t>opise</a:t>
+            </a:r>
+            <a:r>
+              <a:rPr lang="en-GB" dirty="0"/>
+              <a:t> </a:t>
+            </a:r>
+            <a:r>
+              <a:rPr lang="en-GB" dirty="0" err="1" smtClean="0"/>
+              <a:t>mogu</a:t>
+            </a:r>
+            <a:r>
+              <a:rPr lang="sr-Latn-RS" dirty="0"/>
+              <a:t>ć</a:t>
+            </a:r>
+            <a:r>
+              <a:rPr lang="en-GB" dirty="0" smtClean="0"/>
+              <a:t>e </a:t>
+            </a:r>
+            <a:r>
+              <a:rPr lang="en-GB" dirty="0"/>
+              <a:t>je </a:t>
+            </a:r>
+            <a:r>
+              <a:rPr lang="en-GB" dirty="0" err="1"/>
+              <a:t>istovremeno</a:t>
+            </a:r>
+            <a:r>
+              <a:rPr lang="en-GB" dirty="0"/>
+              <a:t> </a:t>
+            </a:r>
+            <a:r>
+              <a:rPr lang="en-GB" dirty="0" err="1"/>
+              <a:t>navesti</a:t>
+            </a:r>
+            <a:r>
+              <a:rPr lang="en-GB" dirty="0"/>
+              <a:t> </a:t>
+            </a:r>
+            <a:r>
+              <a:rPr lang="en-GB" dirty="0" err="1"/>
+              <a:t>na</a:t>
+            </a:r>
+            <a:r>
+              <a:rPr lang="en-GB" dirty="0"/>
+              <a:t> </a:t>
+            </a:r>
+            <a:r>
+              <a:rPr lang="en-GB" dirty="0" err="1"/>
+              <a:t>nekoliko</a:t>
+            </a:r>
+            <a:r>
+              <a:rPr lang="en-GB" dirty="0"/>
+              <a:t> </a:t>
+            </a:r>
+            <a:r>
+              <a:rPr lang="en-GB" dirty="0" err="1" smtClean="0"/>
+              <a:t>razli</a:t>
+            </a:r>
+            <a:r>
+              <a:rPr lang="sr-Latn-RS" dirty="0"/>
+              <a:t>č</a:t>
+            </a:r>
+            <a:r>
+              <a:rPr lang="en-GB" dirty="0" err="1" smtClean="0"/>
+              <a:t>itih</a:t>
+            </a:r>
+            <a:r>
+              <a:rPr lang="sr-Latn-RS" dirty="0" smtClean="0"/>
+              <a:t> </a:t>
+            </a:r>
+            <a:r>
+              <a:rPr lang="en-GB" dirty="0" err="1" smtClean="0"/>
+              <a:t>mesta</a:t>
+            </a:r>
+            <a:r>
+              <a:rPr lang="sr-Latn-RS" dirty="0" smtClean="0"/>
+              <a:t>.  </a:t>
+            </a:r>
+            <a:endParaRPr lang="en-GB" dirty="0"/>
+          </a:p>
+          <a:p>
+            <a:pPr lvl="0">
+              <a:spcBef>
+                <a:spcPts val="1200"/>
+              </a:spcBef>
+            </a:pPr>
+            <a:r>
+              <a:rPr lang="en-GB" dirty="0" err="1"/>
+              <a:t>Razlikujemo</a:t>
+            </a:r>
+            <a:r>
+              <a:rPr lang="en-GB" dirty="0"/>
+              <a:t>:</a:t>
+            </a:r>
+          </a:p>
+          <a:p>
+            <a:pPr marL="914400" lvl="1" indent="-457200">
+              <a:spcBef>
+                <a:spcPts val="1200"/>
+              </a:spcBef>
+              <a:buFont typeface="+mj-lt"/>
+              <a:buAutoNum type="arabicPeriod"/>
+            </a:pPr>
+            <a:r>
+              <a:rPr lang="en-GB" dirty="0" err="1"/>
+              <a:t>stilske</a:t>
+            </a:r>
+            <a:r>
+              <a:rPr lang="en-GB" dirty="0"/>
+              <a:t> </a:t>
+            </a:r>
+            <a:r>
+              <a:rPr lang="en-GB" dirty="0" err="1"/>
+              <a:t>listove</a:t>
+            </a:r>
+            <a:r>
+              <a:rPr lang="en-GB" dirty="0"/>
+              <a:t> </a:t>
+            </a:r>
+            <a:r>
+              <a:rPr lang="en-GB" dirty="0" err="1"/>
+              <a:t>autora</a:t>
+            </a:r>
+            <a:r>
+              <a:rPr lang="en-GB" dirty="0"/>
+              <a:t> </a:t>
+            </a:r>
+            <a:r>
+              <a:rPr lang="en-GB" dirty="0" err="1" smtClean="0"/>
+              <a:t>veb</a:t>
+            </a:r>
+            <a:r>
+              <a:rPr lang="sr-Latn-RS" dirty="0" smtClean="0"/>
+              <a:t> </a:t>
+            </a:r>
+            <a:r>
+              <a:rPr lang="en-GB" dirty="0" err="1" smtClean="0"/>
+              <a:t>strane</a:t>
+            </a:r>
+            <a:r>
+              <a:rPr lang="en-GB" dirty="0" smtClean="0"/>
+              <a:t> </a:t>
+            </a:r>
+            <a:r>
+              <a:rPr lang="en-GB" dirty="0"/>
+              <a:t>(date </a:t>
+            </a:r>
+            <a:r>
+              <a:rPr lang="en-GB" dirty="0" err="1"/>
+              <a:t>na</a:t>
+            </a:r>
+            <a:r>
+              <a:rPr lang="en-GB" dirty="0"/>
+              <a:t> </a:t>
+            </a:r>
+            <a:r>
+              <a:rPr lang="en-GB" dirty="0" err="1"/>
+              <a:t>neki</a:t>
+            </a:r>
+            <a:r>
+              <a:rPr lang="en-GB" dirty="0"/>
+              <a:t> od </a:t>
+            </a:r>
+            <a:r>
+              <a:rPr lang="en-GB" dirty="0" err="1"/>
+              <a:t>prethodna</a:t>
+            </a:r>
+            <a:r>
+              <a:rPr lang="en-GB" dirty="0"/>
+              <a:t> tri </a:t>
+            </a:r>
+            <a:r>
+              <a:rPr lang="en-GB" dirty="0" err="1" smtClean="0"/>
+              <a:t>na</a:t>
+            </a:r>
+            <a:r>
+              <a:rPr lang="sr-Latn-RS" dirty="0"/>
+              <a:t>č</a:t>
+            </a:r>
+            <a:r>
+              <a:rPr lang="en-GB" dirty="0" err="1" smtClean="0"/>
+              <a:t>ina</a:t>
+            </a:r>
+            <a:r>
+              <a:rPr lang="en-GB" dirty="0"/>
+              <a:t>)</a:t>
+            </a:r>
+          </a:p>
+          <a:p>
+            <a:pPr marL="914400" lvl="1" indent="-457200">
+              <a:spcBef>
+                <a:spcPts val="1200"/>
+              </a:spcBef>
+              <a:buFont typeface="+mj-lt"/>
+              <a:buAutoNum type="arabicPeriod"/>
+            </a:pPr>
+            <a:r>
+              <a:rPr lang="en-GB" dirty="0" err="1"/>
+              <a:t>stilske</a:t>
+            </a:r>
+            <a:r>
+              <a:rPr lang="en-GB" dirty="0"/>
+              <a:t> </a:t>
+            </a:r>
+            <a:r>
+              <a:rPr lang="en-GB" dirty="0" err="1"/>
+              <a:t>listove</a:t>
+            </a:r>
+            <a:r>
+              <a:rPr lang="en-GB" dirty="0"/>
+              <a:t> </a:t>
+            </a:r>
+            <a:r>
+              <a:rPr lang="en-GB" dirty="0" err="1"/>
+              <a:t>korisnika</a:t>
+            </a:r>
+            <a:r>
+              <a:rPr lang="en-GB" dirty="0"/>
+              <a:t> (</a:t>
+            </a:r>
+            <a:r>
+              <a:rPr lang="en-GB" dirty="0" err="1"/>
+              <a:t>zadaju</a:t>
+            </a:r>
+            <a:r>
+              <a:rPr lang="en-GB" dirty="0"/>
+              <a:t> se </a:t>
+            </a:r>
+            <a:r>
+              <a:rPr lang="en-GB" dirty="0" err="1" smtClean="0"/>
+              <a:t>pode</a:t>
+            </a:r>
+            <a:r>
+              <a:rPr lang="sr-Latn-RS" dirty="0"/>
+              <a:t>š</a:t>
+            </a:r>
+            <a:r>
+              <a:rPr lang="en-GB" dirty="0" err="1" smtClean="0"/>
+              <a:t>avanjima</a:t>
+            </a:r>
+            <a:r>
+              <a:rPr lang="en-GB" dirty="0" smtClean="0"/>
+              <a:t> </a:t>
+            </a:r>
+            <a:r>
+              <a:rPr lang="sr-Latn-RS" dirty="0" smtClean="0"/>
+              <a:t>veb </a:t>
+            </a:r>
+            <a:r>
+              <a:rPr lang="en-GB" dirty="0" err="1" smtClean="0"/>
+              <a:t>pregleda</a:t>
+            </a:r>
+            <a:r>
+              <a:rPr lang="sr-Latn-RS" dirty="0"/>
+              <a:t>č</a:t>
+            </a:r>
+            <a:r>
+              <a:rPr lang="en-GB" dirty="0" smtClean="0"/>
+              <a:t>a)</a:t>
+            </a:r>
+            <a:endParaRPr lang="en-GB" dirty="0"/>
+          </a:p>
+          <a:p>
+            <a:pPr marL="914400" lvl="1" indent="-457200">
+              <a:spcBef>
+                <a:spcPts val="1200"/>
+              </a:spcBef>
+              <a:buFont typeface="+mj-lt"/>
+              <a:buAutoNum type="arabicPeriod"/>
+            </a:pPr>
+            <a:r>
+              <a:rPr lang="en-GB" dirty="0" err="1"/>
+              <a:t>podrazumevane</a:t>
+            </a:r>
+            <a:r>
+              <a:rPr lang="en-GB" dirty="0"/>
+              <a:t> </a:t>
+            </a:r>
+            <a:r>
+              <a:rPr lang="en-GB" dirty="0" err="1"/>
+              <a:t>stilske</a:t>
+            </a:r>
+            <a:r>
+              <a:rPr lang="en-GB" dirty="0"/>
+              <a:t> </a:t>
+            </a:r>
+            <a:r>
+              <a:rPr lang="en-GB" dirty="0" err="1"/>
+              <a:t>listove</a:t>
+            </a:r>
+            <a:r>
+              <a:rPr lang="en-GB" dirty="0"/>
+              <a:t> </a:t>
+            </a:r>
+            <a:r>
+              <a:rPr lang="sr-Latn-RS" dirty="0" smtClean="0"/>
+              <a:t>veb </a:t>
+            </a:r>
+            <a:r>
+              <a:rPr lang="en-GB" dirty="0" err="1" smtClean="0"/>
+              <a:t>pregleda</a:t>
+            </a:r>
+            <a:r>
+              <a:rPr lang="sr-Latn-RS" dirty="0" smtClean="0"/>
+              <a:t>č</a:t>
+            </a:r>
+            <a:r>
+              <a:rPr lang="en-GB" dirty="0" smtClean="0"/>
+              <a:t>a</a:t>
+            </a:r>
+            <a:endParaRPr lang="en-GB" dirty="0"/>
+          </a:p>
+          <a:p>
+            <a:pPr lvl="0">
+              <a:spcBef>
+                <a:spcPts val="1200"/>
+              </a:spcBef>
+            </a:pPr>
+            <a:r>
+              <a:rPr lang="en-GB" dirty="0" err="1" smtClean="0"/>
+              <a:t>Razli</a:t>
+            </a:r>
+            <a:r>
+              <a:rPr lang="sr-Latn-RS" dirty="0"/>
+              <a:t>č</a:t>
+            </a:r>
+            <a:r>
+              <a:rPr lang="en-GB" dirty="0" err="1" smtClean="0"/>
+              <a:t>iti</a:t>
+            </a:r>
+            <a:r>
+              <a:rPr lang="en-GB" dirty="0" smtClean="0"/>
+              <a:t> </a:t>
+            </a:r>
+            <a:r>
+              <a:rPr lang="en-GB" dirty="0" err="1"/>
+              <a:t>opisi</a:t>
+            </a:r>
+            <a:r>
+              <a:rPr lang="en-GB" dirty="0"/>
+              <a:t> </a:t>
+            </a:r>
+            <a:r>
+              <a:rPr lang="en-GB" dirty="0" err="1"/>
+              <a:t>za</a:t>
+            </a:r>
+            <a:r>
+              <a:rPr lang="en-GB" dirty="0"/>
+              <a:t> </a:t>
+            </a:r>
+            <a:r>
+              <a:rPr lang="en-GB" dirty="0" err="1"/>
+              <a:t>neki</a:t>
+            </a:r>
+            <a:r>
+              <a:rPr lang="en-GB" dirty="0"/>
+              <a:t> element se </a:t>
+            </a:r>
+            <a:r>
+              <a:rPr lang="sr-Latn-RS" dirty="0" smtClean="0"/>
+              <a:t>kumulativno obrađuju</a:t>
+            </a:r>
+            <a:r>
+              <a:rPr lang="en-GB" dirty="0" smtClean="0"/>
+              <a:t>; </a:t>
+            </a:r>
+            <a:r>
+              <a:rPr lang="en-GB" dirty="0" err="1"/>
+              <a:t>ako</a:t>
+            </a:r>
+            <a:r>
+              <a:rPr lang="en-GB" dirty="0"/>
+              <a:t> </a:t>
+            </a:r>
+            <a:r>
+              <a:rPr lang="en-GB" dirty="0" smtClean="0"/>
+              <a:t>do</a:t>
+            </a:r>
+            <a:r>
+              <a:rPr lang="sr-Latn-RS" dirty="0" smtClean="0"/>
+              <a:t>đ</a:t>
+            </a:r>
+            <a:r>
+              <a:rPr lang="en-GB" dirty="0" smtClean="0"/>
+              <a:t></a:t>
+            </a:r>
+            <a:r>
+              <a:rPr lang="en-GB" dirty="0"/>
+              <a:t>e do </a:t>
+            </a:r>
+            <a:r>
+              <a:rPr lang="en-GB" dirty="0" err="1" smtClean="0"/>
+              <a:t>kon</a:t>
+            </a:r>
+            <a:r>
+              <a:rPr lang="sr-Latn-RS" dirty="0" err="1" smtClean="0"/>
+              <a:t>fl</a:t>
+            </a:r>
+            <a:r>
+              <a:rPr lang="en-GB" dirty="0" err="1" smtClean="0"/>
+              <a:t>ikta</a:t>
+            </a:r>
+            <a:r>
+              <a:rPr lang="sr-Latn-RS" dirty="0" smtClean="0"/>
+              <a:t>, </a:t>
+            </a:r>
+            <a:r>
+              <a:rPr lang="en-GB" dirty="0" err="1" smtClean="0"/>
+              <a:t>prednost</a:t>
+            </a:r>
+            <a:r>
+              <a:rPr lang="en-GB" dirty="0" smtClean="0"/>
+              <a:t> </a:t>
+            </a:r>
+            <a:r>
+              <a:rPr lang="en-GB" dirty="0"/>
+              <a:t>se </a:t>
+            </a:r>
+            <a:r>
+              <a:rPr lang="en-GB" dirty="0" err="1"/>
+              <a:t>daje</a:t>
+            </a:r>
+            <a:r>
+              <a:rPr lang="en-GB" dirty="0"/>
+              <a:t> u </a:t>
+            </a:r>
+            <a:r>
+              <a:rPr lang="en-GB" dirty="0" err="1" smtClean="0"/>
+              <a:t>opadaju</a:t>
+            </a:r>
+            <a:r>
+              <a:rPr lang="sr-Latn-RS" dirty="0"/>
+              <a:t>ć</a:t>
+            </a:r>
+            <a:r>
+              <a:rPr lang="en-GB" dirty="0" err="1" smtClean="0"/>
+              <a:t>em</a:t>
+            </a:r>
+            <a:r>
+              <a:rPr lang="en-GB" dirty="0" smtClean="0"/>
+              <a:t> </a:t>
+            </a:r>
+            <a:r>
+              <a:rPr lang="en-GB" dirty="0" err="1"/>
+              <a:t>prioritetu</a:t>
+            </a:r>
+            <a:r>
+              <a:rPr lang="en-GB" dirty="0"/>
+              <a:t> gore </a:t>
+            </a:r>
+            <a:r>
+              <a:rPr lang="en-GB" dirty="0" err="1"/>
+              <a:t>navedenih</a:t>
+            </a:r>
+            <a:r>
+              <a:rPr lang="en-GB" dirty="0"/>
+              <a:t> </a:t>
+            </a:r>
+            <a:r>
+              <a:rPr lang="en-GB" dirty="0" err="1" smtClean="0"/>
+              <a:t>na</a:t>
+            </a:r>
+            <a:r>
+              <a:rPr lang="sr-Latn-RS" dirty="0"/>
+              <a:t>č</a:t>
+            </a:r>
+            <a:r>
+              <a:rPr lang="en-GB" dirty="0" err="1" smtClean="0"/>
+              <a:t>ina</a:t>
+            </a:r>
+            <a:r>
+              <a:rPr lang="sr-Latn-RS" dirty="0" smtClean="0"/>
+              <a:t> </a:t>
+            </a:r>
+            <a:r>
+              <a:rPr lang="en-GB" dirty="0" err="1" smtClean="0"/>
+              <a:t>zadavanja</a:t>
+            </a:r>
+            <a:r>
+              <a:rPr lang="en-GB" dirty="0" smtClean="0"/>
+              <a:t> </a:t>
+            </a:r>
+            <a:r>
+              <a:rPr lang="en-GB" dirty="0" err="1"/>
+              <a:t>stilskih</a:t>
+            </a:r>
+            <a:r>
+              <a:rPr lang="en-GB" dirty="0"/>
+              <a:t> </a:t>
+            </a:r>
+            <a:r>
+              <a:rPr lang="en-GB" dirty="0" err="1"/>
+              <a:t>listova</a:t>
+            </a:r>
+            <a:endParaRPr lang="en-GB" dirty="0"/>
+          </a:p>
+          <a:p>
+            <a:pPr lvl="0">
+              <a:spcBef>
+                <a:spcPts val="1200"/>
+              </a:spcBef>
+            </a:pPr>
+            <a:r>
+              <a:rPr lang="en-GB" dirty="0" err="1"/>
+              <a:t>Ako</a:t>
+            </a:r>
+            <a:r>
+              <a:rPr lang="en-GB" dirty="0"/>
+              <a:t> do </a:t>
+            </a:r>
+            <a:r>
+              <a:rPr lang="en-GB" dirty="0" err="1" smtClean="0"/>
+              <a:t>kon</a:t>
+            </a:r>
+            <a:r>
+              <a:rPr lang="sr-Latn-RS" dirty="0" err="1" smtClean="0"/>
+              <a:t>fli</a:t>
+            </a:r>
+            <a:r>
+              <a:rPr lang="en-GB" dirty="0" err="1" smtClean="0"/>
+              <a:t>kta</a:t>
+            </a:r>
+            <a:r>
+              <a:rPr lang="en-GB" dirty="0" smtClean="0"/>
+              <a:t> do</a:t>
+            </a:r>
+            <a:r>
+              <a:rPr lang="sr-Latn-RS" dirty="0" smtClean="0"/>
+              <a:t>đ</a:t>
+            </a:r>
+            <a:r>
+              <a:rPr lang="en-GB" dirty="0" smtClean="0"/>
+              <a:t></a:t>
+            </a:r>
+            <a:r>
+              <a:rPr lang="en-GB" dirty="0"/>
+              <a:t>e </a:t>
+            </a:r>
+            <a:r>
+              <a:rPr lang="en-GB" dirty="0" err="1"/>
+              <a:t>na</a:t>
+            </a:r>
+            <a:r>
+              <a:rPr lang="en-GB" dirty="0"/>
+              <a:t> </a:t>
+            </a:r>
+            <a:r>
+              <a:rPr lang="en-GB" dirty="0" err="1"/>
+              <a:t>nivou</a:t>
+            </a:r>
+            <a:r>
+              <a:rPr lang="en-GB" dirty="0"/>
+              <a:t> </a:t>
+            </a:r>
+            <a:r>
+              <a:rPr lang="en-GB" dirty="0" err="1"/>
+              <a:t>stilskih</a:t>
+            </a:r>
+            <a:r>
+              <a:rPr lang="en-GB" dirty="0"/>
+              <a:t> </a:t>
+            </a:r>
+            <a:r>
+              <a:rPr lang="en-GB" dirty="0" err="1"/>
+              <a:t>opisa</a:t>
+            </a:r>
+            <a:r>
+              <a:rPr lang="en-GB" dirty="0"/>
+              <a:t> </a:t>
+            </a:r>
+            <a:r>
+              <a:rPr lang="en-GB" dirty="0" err="1"/>
+              <a:t>autora</a:t>
+            </a:r>
+            <a:r>
+              <a:rPr lang="en-GB" dirty="0"/>
+              <a:t>, </a:t>
+            </a:r>
+            <a:r>
+              <a:rPr lang="en-GB" dirty="0" err="1" smtClean="0"/>
+              <a:t>najve</a:t>
+            </a:r>
+            <a:r>
+              <a:rPr lang="sr-Latn-RS" dirty="0"/>
+              <a:t>ć</a:t>
+            </a:r>
+            <a:r>
+              <a:rPr lang="en-GB" dirty="0" err="1" smtClean="0"/>
+              <a:t>i</a:t>
+            </a:r>
+            <a:r>
+              <a:rPr lang="en-GB" dirty="0" smtClean="0"/>
+              <a:t> </a:t>
+            </a:r>
+            <a:r>
+              <a:rPr lang="en-GB" dirty="0" err="1" smtClean="0"/>
+              <a:t>prioritet</a:t>
+            </a:r>
+            <a:r>
+              <a:rPr lang="sr-Latn-RS" dirty="0" smtClean="0"/>
+              <a:t> </a:t>
+            </a:r>
+            <a:r>
+              <a:rPr lang="en-GB" dirty="0" err="1" smtClean="0"/>
+              <a:t>imaju</a:t>
+            </a:r>
+            <a:r>
+              <a:rPr lang="en-GB" dirty="0" smtClean="0"/>
+              <a:t> </a:t>
+            </a:r>
+            <a:r>
+              <a:rPr lang="en-GB" dirty="0" err="1"/>
+              <a:t>pravila</a:t>
+            </a:r>
+            <a:r>
+              <a:rPr lang="en-GB" dirty="0"/>
+              <a:t> </a:t>
+            </a:r>
+            <a:r>
+              <a:rPr lang="en-GB" dirty="0" err="1"/>
+              <a:t>navedena</a:t>
+            </a:r>
+            <a:r>
+              <a:rPr lang="en-GB" dirty="0"/>
+              <a:t> </a:t>
+            </a:r>
+            <a:r>
+              <a:rPr lang="en-GB" dirty="0" err="1"/>
+              <a:t>na</a:t>
+            </a:r>
+            <a:r>
+              <a:rPr lang="en-GB" dirty="0"/>
+              <a:t> </a:t>
+            </a:r>
+            <a:r>
+              <a:rPr lang="en-GB" dirty="0" err="1"/>
+              <a:t>nivou</a:t>
+            </a:r>
+            <a:r>
+              <a:rPr lang="en-GB" dirty="0"/>
+              <a:t> </a:t>
+            </a:r>
+            <a:r>
+              <a:rPr lang="en-GB" dirty="0" err="1"/>
+              <a:t>elementa</a:t>
+            </a:r>
+            <a:r>
+              <a:rPr lang="en-GB" dirty="0"/>
+              <a:t>, </a:t>
+            </a:r>
+            <a:r>
+              <a:rPr lang="en-GB" dirty="0" err="1"/>
+              <a:t>zatim</a:t>
+            </a:r>
+            <a:r>
+              <a:rPr lang="en-GB" dirty="0"/>
+              <a:t> </a:t>
+            </a:r>
+            <a:r>
+              <a:rPr lang="en-GB" dirty="0" err="1"/>
+              <a:t>na</a:t>
+            </a:r>
+            <a:r>
+              <a:rPr lang="en-GB" dirty="0"/>
+              <a:t> </a:t>
+            </a:r>
+            <a:r>
+              <a:rPr lang="en-GB" dirty="0" err="1" smtClean="0"/>
+              <a:t>nivou</a:t>
+            </a:r>
+            <a:r>
+              <a:rPr lang="sr-Latn-RS" dirty="0" smtClean="0"/>
+              <a:t> </a:t>
+            </a:r>
+            <a:r>
+              <a:rPr lang="en-GB" dirty="0" err="1" smtClean="0"/>
+              <a:t>dokumenta</a:t>
+            </a:r>
+            <a:r>
+              <a:rPr lang="en-GB" dirty="0"/>
+              <a:t>, a </a:t>
+            </a:r>
+            <a:r>
+              <a:rPr lang="en-GB" dirty="0" err="1"/>
+              <a:t>najmanji</a:t>
+            </a:r>
+            <a:r>
+              <a:rPr lang="en-GB" dirty="0"/>
+              <a:t> </a:t>
+            </a:r>
+            <a:r>
+              <a:rPr lang="en-GB" dirty="0" err="1"/>
+              <a:t>pravila</a:t>
+            </a:r>
+            <a:r>
+              <a:rPr lang="en-GB" dirty="0"/>
+              <a:t> u </a:t>
+            </a:r>
+            <a:r>
+              <a:rPr lang="en-GB" dirty="0" err="1" smtClean="0"/>
+              <a:t>spolja</a:t>
+            </a:r>
+            <a:r>
+              <a:rPr lang="sr-Latn-RS" dirty="0"/>
+              <a:t>š</a:t>
+            </a:r>
+            <a:r>
+              <a:rPr lang="en-GB" dirty="0" err="1" smtClean="0"/>
+              <a:t>njim</a:t>
+            </a:r>
+            <a:r>
+              <a:rPr lang="en-GB" dirty="0" smtClean="0"/>
+              <a:t> </a:t>
+            </a:r>
+            <a:r>
+              <a:rPr lang="en-GB" dirty="0" err="1"/>
+              <a:t>listovima</a:t>
+            </a:r>
+            <a:endParaRPr lang="sr-Latn-CS" altLang="en-US" sz="1200" dirty="0">
+              <a:solidFill>
+                <a:srgbClr val="000000"/>
+              </a:solidFill>
+            </a:endParaRPr>
+          </a:p>
+          <a:p>
+            <a:pPr marL="0" indent="0">
+              <a:buFont typeface="Wingdings" pitchFamily="2" charset="2"/>
+              <a:buNone/>
+            </a:pPr>
+            <a:endParaRPr lang="sr-Latn-CS" altLang="en-US" sz="1200" dirty="0" smtClean="0"/>
+          </a:p>
+          <a:p>
+            <a:pPr marL="0" indent="0">
+              <a:buFont typeface="Wingdings" pitchFamily="2" charset="2"/>
+              <a:buNone/>
+            </a:pPr>
+            <a:endParaRPr lang="sr-Latn-CS" altLang="en-US" dirty="0" smtClean="0"/>
+          </a:p>
+        </p:txBody>
+      </p:sp>
+    </p:spTree>
+    <p:extLst>
+      <p:ext uri="{BB962C8B-B14F-4D97-AF65-F5344CB8AC3E}">
+        <p14:creationId xmlns:p14="http://schemas.microsoft.com/office/powerpoint/2010/main" val="214151062"/>
+      </p:ext>
+    </p:extLst>
+  </p:cSld>
+  <p:clrMapOvr>
+    <a:masterClrMapping/>
+  </p:clrMapOvr>
+  <p:timing>
+    <p:tnLst>
+      <p:par>
+        <p:cTn id="1" dur="indefinite" restart="never" nodeType="tmRoot"/>
+      </p:par>
+    </p:tnLst>
+  </p:timing>
+</p:sld>
+</file>
+
+<file path=ppt/slides/slide11.xml><?xml version="1.0" encoding="utf-8"?>
+<p:sld xmlns:a="http://schemas.openxmlformats.org/drawingml/2006/main" xmlns:r="http://schemas.openxmlformats.org/officeDocument/2006/relationships" xmlns:p="http://schemas.openxmlformats.org/presentationml/2006/main">
+  <p:cSld>
+    <p:spTree>
+      <p:nvGrpSpPr>
+        <p:cNvPr id="1" name=""/>
+        <p:cNvGrpSpPr/>
+        <p:nvPr/>
+      </p:nvGrpSpPr>
+      <p:grpSpPr>
+        <a:xfrm>
+          <a:off x="0" y="0"/>
+          <a:ext cx="0" cy="0"/>
+          <a:chOff x="0" y="0"/>
+          <a:chExt cx="0" cy="0"/>
+        </a:xfrm>
+      </p:grpSpPr>
+      <p:sp>
+        <p:nvSpPr>
+          <p:cNvPr id="92162" name="Rectangle 2"/>
+          <p:cNvSpPr>
+            <a:spLocks noGrp="1" noChangeArrowheads="1"/>
+          </p:cNvSpPr>
+          <p:nvPr>
+            <p:ph type="title"/>
+          </p:nvPr>
+        </p:nvSpPr>
+        <p:spPr/>
+        <p:txBody>
+          <a:bodyPr/>
+          <a:lstStyle/>
+          <a:p>
+            <a:r>
+              <a:rPr lang="sr-Latn-RS" dirty="0" smtClean="0"/>
+              <a:t>Selektori</a:t>
+            </a:r>
+            <a:endParaRPr lang="sr-Latn-RS" dirty="0"/>
+          </a:p>
+        </p:txBody>
+      </p:sp>
+      <p:sp>
+        <p:nvSpPr>
+          <p:cNvPr id="92163" name="Rectangle 3"/>
+          <p:cNvSpPr>
+            <a:spLocks noGrp="1" noChangeArrowheads="1"/>
+          </p:cNvSpPr>
+          <p:nvPr>
+            <p:ph idx="1"/>
+          </p:nvPr>
+        </p:nvSpPr>
+        <p:spPr>
+          <a:xfrm>
+            <a:off x="457200" y="1600200"/>
+            <a:ext cx="8391525" cy="5257800"/>
+          </a:xfrm>
+        </p:spPr>
+        <p:txBody>
+          <a:bodyPr/>
+          <a:lstStyle/>
+          <a:p>
+            <a:pPr>
+              <a:spcBef>
+                <a:spcPts val="1200"/>
+              </a:spcBef>
+            </a:pPr>
+            <a:r>
+              <a:rPr lang="pl-PL" dirty="0" err="1">
+                <a:solidFill>
+                  <a:srgbClr val="000000"/>
+                </a:solidFill>
+              </a:rPr>
+              <a:t>Najjednostavniji</a:t>
+            </a:r>
+            <a:r>
+              <a:rPr lang="pl-PL" dirty="0">
+                <a:solidFill>
+                  <a:srgbClr val="000000"/>
+                </a:solidFill>
+              </a:rPr>
+              <a:t> selektor je </a:t>
+            </a:r>
+            <a:r>
+              <a:rPr lang="pl-PL" dirty="0" err="1">
+                <a:solidFill>
+                  <a:schemeClr val="accent5">
+                    <a:lumMod val="50000"/>
+                  </a:schemeClr>
+                </a:solidFill>
+              </a:rPr>
+              <a:t>naziv</a:t>
+            </a:r>
+            <a:r>
+              <a:rPr lang="pl-PL" dirty="0">
+                <a:solidFill>
+                  <a:schemeClr val="accent5">
+                    <a:lumMod val="50000"/>
+                  </a:schemeClr>
+                </a:solidFill>
+              </a:rPr>
+              <a:t> </a:t>
+            </a:r>
+            <a:r>
+              <a:rPr lang="pl-PL" dirty="0" err="1">
+                <a:solidFill>
+                  <a:schemeClr val="accent5">
+                    <a:lumMod val="50000"/>
+                  </a:schemeClr>
+                </a:solidFill>
+              </a:rPr>
+              <a:t>elementa</a:t>
+            </a:r>
+            <a:r>
+              <a:rPr lang="sr-Latn-RS" dirty="0" smtClean="0">
+                <a:solidFill>
+                  <a:srgbClr val="000000"/>
+                </a:solidFill>
+              </a:rPr>
+              <a:t/>
+            </a:r>
+            <a:br>
+              <a:rPr lang="sr-Latn-RS" dirty="0" smtClean="0">
+                <a:solidFill>
+                  <a:srgbClr val="000000"/>
+                </a:solidFill>
+              </a:rPr>
+            </a:br>
+            <a:r>
+              <a:rPr lang="en-US" sz="1800" b="1" dirty="0">
+                <a:solidFill>
+                  <a:srgbClr val="005828"/>
+                </a:solidFill>
+                <a:latin typeface="Courier New" panose="02070309020205020404" pitchFamily="49" charset="0"/>
+                <a:cs typeface="Courier New" panose="02070309020205020404" pitchFamily="49" charset="0"/>
+              </a:rPr>
+              <a:t>p { color : blue; }</a:t>
+            </a:r>
+            <a:endParaRPr lang="sr-Cyrl-RS" altLang="en-US" sz="1800" b="1" dirty="0" smtClean="0">
+              <a:solidFill>
+                <a:srgbClr val="005828"/>
+              </a:solidFill>
+              <a:latin typeface="Courier New" panose="02070309020205020404" pitchFamily="49" charset="0"/>
+              <a:cs typeface="Courier New" panose="02070309020205020404" pitchFamily="49" charset="0"/>
+            </a:endParaRPr>
+          </a:p>
+          <a:p>
+            <a:pPr>
+              <a:spcBef>
+                <a:spcPts val="1200"/>
+              </a:spcBef>
+            </a:pPr>
+            <a:r>
+              <a:rPr lang="en-GB" dirty="0">
+                <a:solidFill>
+                  <a:srgbClr val="000000"/>
+                </a:solidFill>
+              </a:rPr>
+              <a:t>Kao </a:t>
+            </a:r>
+            <a:r>
+              <a:rPr lang="en-GB" dirty="0" err="1">
+                <a:solidFill>
+                  <a:srgbClr val="000000"/>
+                </a:solidFill>
+              </a:rPr>
+              <a:t>selektor</a:t>
+            </a:r>
+            <a:r>
+              <a:rPr lang="en-GB" dirty="0">
+                <a:solidFill>
+                  <a:srgbClr val="000000"/>
+                </a:solidFill>
+              </a:rPr>
+              <a:t> se </a:t>
+            </a:r>
+            <a:r>
+              <a:rPr lang="en-GB" dirty="0" err="1" smtClean="0">
+                <a:solidFill>
+                  <a:srgbClr val="000000"/>
+                </a:solidFill>
+              </a:rPr>
+              <a:t>mo</a:t>
+            </a:r>
+            <a:r>
+              <a:rPr lang="sr-Latn-RS" dirty="0" err="1" smtClean="0">
+                <a:solidFill>
+                  <a:srgbClr val="000000"/>
+                </a:solidFill>
+              </a:rPr>
+              <a:t>že</a:t>
+            </a:r>
+            <a:r>
+              <a:rPr lang="en-GB" dirty="0" smtClean="0">
+                <a:solidFill>
+                  <a:srgbClr val="000000"/>
+                </a:solidFill>
+              </a:rPr>
+              <a:t>e </a:t>
+            </a:r>
+            <a:r>
+              <a:rPr lang="en-GB" dirty="0" err="1">
+                <a:solidFill>
+                  <a:srgbClr val="000000"/>
+                </a:solidFill>
+              </a:rPr>
+              <a:t>koristiti</a:t>
+            </a:r>
+            <a:r>
+              <a:rPr lang="en-GB" dirty="0">
+                <a:solidFill>
+                  <a:srgbClr val="000000"/>
+                </a:solidFill>
+              </a:rPr>
+              <a:t> </a:t>
+            </a:r>
+            <a:r>
+              <a:rPr lang="en-GB" dirty="0" err="1">
+                <a:solidFill>
+                  <a:schemeClr val="accent5">
+                    <a:lumMod val="50000"/>
+                  </a:schemeClr>
+                </a:solidFill>
+              </a:rPr>
+              <a:t>jedinstveni</a:t>
+            </a:r>
+            <a:r>
+              <a:rPr lang="en-GB" dirty="0">
+                <a:solidFill>
+                  <a:schemeClr val="accent5">
+                    <a:lumMod val="50000"/>
+                  </a:schemeClr>
+                </a:solidFill>
+              </a:rPr>
+              <a:t> </a:t>
+            </a:r>
+            <a:r>
+              <a:rPr lang="en-GB" dirty="0" err="1" smtClean="0">
+                <a:solidFill>
+                  <a:schemeClr val="accent5">
+                    <a:lumMod val="50000"/>
+                  </a:schemeClr>
+                </a:solidFill>
+              </a:rPr>
+              <a:t>identi</a:t>
+            </a:r>
+            <a:r>
+              <a:rPr lang="sr-Latn-RS" dirty="0" err="1" smtClean="0">
+                <a:solidFill>
+                  <a:schemeClr val="accent5">
+                    <a:lumMod val="50000"/>
+                  </a:schemeClr>
+                </a:solidFill>
+              </a:rPr>
+              <a:t>fi</a:t>
+            </a:r>
+            <a:r>
+              <a:rPr lang="en-GB" dirty="0" err="1" smtClean="0">
+                <a:solidFill>
+                  <a:schemeClr val="accent5">
+                    <a:lumMod val="50000"/>
+                  </a:schemeClr>
+                </a:solidFill>
+              </a:rPr>
+              <a:t>kator</a:t>
+            </a:r>
+            <a:r>
+              <a:rPr lang="en-GB" dirty="0" smtClean="0">
+                <a:solidFill>
+                  <a:schemeClr val="accent5">
+                    <a:lumMod val="50000"/>
+                  </a:schemeClr>
+                </a:solidFill>
+              </a:rPr>
+              <a:t> </a:t>
+            </a:r>
+            <a:r>
+              <a:rPr lang="en-GB" dirty="0" err="1">
+                <a:solidFill>
+                  <a:schemeClr val="accent5">
+                    <a:lumMod val="50000"/>
+                  </a:schemeClr>
+                </a:solidFill>
+              </a:rPr>
+              <a:t>elementa</a:t>
+            </a:r>
+            <a:r>
+              <a:rPr lang="en-GB" dirty="0" smtClean="0">
+                <a:solidFill>
+                  <a:srgbClr val="000000"/>
+                </a:solidFill>
+              </a:rPr>
+              <a:t>:</a:t>
+            </a:r>
+            <a:r>
+              <a:rPr lang="sr-Latn-RS" dirty="0" smtClean="0">
+                <a:solidFill>
+                  <a:srgbClr val="000000"/>
+                </a:solidFill>
+              </a:rPr>
+              <a:t> </a:t>
+            </a:r>
+            <a:r>
+              <a:rPr lang="en-GB" dirty="0" err="1" smtClean="0">
+                <a:solidFill>
+                  <a:srgbClr val="000000"/>
+                </a:solidFill>
+              </a:rPr>
+              <a:t>elementu</a:t>
+            </a:r>
+            <a:r>
+              <a:rPr lang="en-GB" dirty="0" smtClean="0">
+                <a:solidFill>
+                  <a:srgbClr val="000000"/>
+                </a:solidFill>
+              </a:rPr>
+              <a:t> </a:t>
+            </a:r>
+            <a:r>
+              <a:rPr lang="en-GB" dirty="0" err="1" smtClean="0">
+                <a:solidFill>
+                  <a:srgbClr val="000000"/>
+                </a:solidFill>
+              </a:rPr>
+              <a:t>pridru</a:t>
+            </a:r>
+            <a:r>
+              <a:rPr lang="sr-Latn-RS" dirty="0">
+                <a:solidFill>
+                  <a:srgbClr val="000000"/>
+                </a:solidFill>
+              </a:rPr>
+              <a:t>ž</a:t>
+            </a:r>
+            <a:r>
+              <a:rPr lang="en-GB" dirty="0" err="1" smtClean="0">
+                <a:solidFill>
+                  <a:srgbClr val="000000"/>
+                </a:solidFill>
+              </a:rPr>
+              <a:t>ujemo</a:t>
+            </a:r>
+            <a:r>
+              <a:rPr lang="en-GB" dirty="0" smtClean="0">
+                <a:solidFill>
+                  <a:srgbClr val="000000"/>
+                </a:solidFill>
+              </a:rPr>
+              <a:t> </a:t>
+            </a:r>
+            <a:r>
+              <a:rPr lang="en-GB" dirty="0" err="1" smtClean="0">
+                <a:solidFill>
+                  <a:srgbClr val="000000"/>
+                </a:solidFill>
+              </a:rPr>
+              <a:t>identi</a:t>
+            </a:r>
+            <a:r>
+              <a:rPr lang="sr-Latn-RS" dirty="0" err="1" smtClean="0">
+                <a:solidFill>
+                  <a:srgbClr val="000000"/>
+                </a:solidFill>
+              </a:rPr>
+              <a:t>fi</a:t>
+            </a:r>
+            <a:r>
+              <a:rPr lang="en-GB" dirty="0" err="1" smtClean="0">
+                <a:solidFill>
+                  <a:srgbClr val="000000"/>
+                </a:solidFill>
+              </a:rPr>
+              <a:t>kator</a:t>
+            </a:r>
+            <a:r>
+              <a:rPr lang="en-GB" dirty="0" smtClean="0">
+                <a:solidFill>
+                  <a:srgbClr val="000000"/>
+                </a:solidFill>
+              </a:rPr>
+              <a:t> </a:t>
+            </a:r>
+            <a:r>
+              <a:rPr lang="en-GB" dirty="0" err="1" smtClean="0">
+                <a:solidFill>
+                  <a:srgbClr val="000000"/>
+                </a:solidFill>
+              </a:rPr>
+              <a:t>kori</a:t>
+            </a:r>
+            <a:r>
+              <a:rPr lang="sr-Latn-RS" dirty="0" err="1" smtClean="0">
+                <a:solidFill>
+                  <a:srgbClr val="000000"/>
+                </a:solidFill>
+              </a:rPr>
+              <a:t>šć</a:t>
+            </a:r>
+            <a:r>
+              <a:rPr lang="en-GB" dirty="0" err="1" smtClean="0">
+                <a:solidFill>
+                  <a:srgbClr val="000000"/>
+                </a:solidFill>
+              </a:rPr>
+              <a:t>enjem</a:t>
+            </a:r>
+            <a:r>
+              <a:rPr lang="en-GB" dirty="0" smtClean="0">
+                <a:solidFill>
+                  <a:srgbClr val="000000"/>
+                </a:solidFill>
+              </a:rPr>
+              <a:t> </a:t>
+            </a:r>
+            <a:r>
+              <a:rPr lang="en-GB" dirty="0" err="1">
+                <a:solidFill>
+                  <a:srgbClr val="000000"/>
+                </a:solidFill>
+              </a:rPr>
+              <a:t>atributa</a:t>
+            </a:r>
+            <a:r>
+              <a:rPr lang="en-GB" dirty="0">
+                <a:solidFill>
+                  <a:srgbClr val="000000"/>
+                </a:solidFill>
+              </a:rPr>
+              <a:t> </a:t>
+            </a:r>
+            <a:r>
+              <a:rPr lang="en-GB" dirty="0">
+                <a:solidFill>
+                  <a:srgbClr val="005828"/>
+                </a:solidFill>
+              </a:rPr>
+              <a:t>id</a:t>
+            </a:r>
+            <a:r>
+              <a:rPr lang="en-GB" dirty="0">
+                <a:solidFill>
+                  <a:srgbClr val="000000"/>
+                </a:solidFill>
+              </a:rPr>
+              <a:t>, a </a:t>
+            </a:r>
+            <a:r>
+              <a:rPr lang="en-GB" dirty="0" err="1" smtClean="0">
+                <a:solidFill>
+                  <a:srgbClr val="000000"/>
+                </a:solidFill>
+              </a:rPr>
+              <a:t>zatim</a:t>
+            </a:r>
+            <a:r>
+              <a:rPr lang="sr-Latn-RS" dirty="0" smtClean="0">
+                <a:solidFill>
+                  <a:srgbClr val="000000"/>
+                </a:solidFill>
+              </a:rPr>
+              <a:t> </a:t>
+            </a:r>
+            <a:r>
+              <a:rPr lang="en-GB" dirty="0" err="1" smtClean="0">
+                <a:solidFill>
+                  <a:srgbClr val="000000"/>
+                </a:solidFill>
+              </a:rPr>
+              <a:t>ga</a:t>
+            </a:r>
+            <a:r>
+              <a:rPr lang="en-GB" dirty="0" smtClean="0">
+                <a:solidFill>
+                  <a:srgbClr val="000000"/>
+                </a:solidFill>
+              </a:rPr>
+              <a:t> </a:t>
+            </a:r>
+            <a:r>
+              <a:rPr lang="en-GB" dirty="0" err="1">
+                <a:solidFill>
+                  <a:srgbClr val="000000"/>
+                </a:solidFill>
+              </a:rPr>
+              <a:t>koristimo</a:t>
+            </a:r>
+            <a:r>
+              <a:rPr lang="en-GB" dirty="0">
+                <a:solidFill>
+                  <a:srgbClr val="000000"/>
+                </a:solidFill>
+              </a:rPr>
+              <a:t> </a:t>
+            </a:r>
+            <a:r>
+              <a:rPr lang="en-GB" dirty="0" err="1">
+                <a:solidFill>
+                  <a:srgbClr val="000000"/>
+                </a:solidFill>
+              </a:rPr>
+              <a:t>kao</a:t>
+            </a:r>
+            <a:r>
+              <a:rPr lang="en-GB" dirty="0">
+                <a:solidFill>
+                  <a:srgbClr val="000000"/>
+                </a:solidFill>
+              </a:rPr>
+              <a:t> </a:t>
+            </a:r>
+            <a:r>
+              <a:rPr lang="en-GB" dirty="0" err="1">
+                <a:solidFill>
+                  <a:srgbClr val="000000"/>
+                </a:solidFill>
+              </a:rPr>
+              <a:t>selektor</a:t>
+            </a:r>
+            <a:r>
+              <a:rPr lang="en-GB" dirty="0">
+                <a:solidFill>
+                  <a:srgbClr val="000000"/>
+                </a:solidFill>
+              </a:rPr>
+              <a:t> </a:t>
+            </a:r>
+            <a:r>
+              <a:rPr lang="en-GB" dirty="0" err="1">
+                <a:solidFill>
+                  <a:srgbClr val="000000"/>
+                </a:solidFill>
+              </a:rPr>
+              <a:t>oblika</a:t>
+            </a:r>
+            <a:r>
+              <a:rPr lang="en-GB" dirty="0">
+                <a:solidFill>
+                  <a:srgbClr val="000000"/>
+                </a:solidFill>
+              </a:rPr>
+              <a:t> </a:t>
+            </a:r>
+            <a:r>
+              <a:rPr lang="en-GB" dirty="0">
+                <a:solidFill>
+                  <a:srgbClr val="005828"/>
+                </a:solidFill>
+              </a:rPr>
+              <a:t>#</a:t>
+            </a:r>
+            <a:r>
+              <a:rPr lang="en-GB" dirty="0" smtClean="0">
+                <a:solidFill>
+                  <a:srgbClr val="005828"/>
+                </a:solidFill>
+              </a:rPr>
+              <a:t>id</a:t>
+            </a:r>
+            <a:endParaRPr lang="sr-Latn-RS" dirty="0" smtClean="0">
+              <a:solidFill>
+                <a:srgbClr val="005828"/>
+              </a:solidFill>
+            </a:endParaRPr>
+          </a:p>
+          <a:p>
+            <a:pPr>
+              <a:spcBef>
+                <a:spcPts val="1200"/>
+              </a:spcBef>
+            </a:pPr>
+            <a:r>
+              <a:rPr lang="sr-Latn-RS" dirty="0" smtClean="0"/>
+              <a:t>Primer:</a:t>
+            </a:r>
+            <a:br>
+              <a:rPr lang="sr-Latn-RS" dirty="0" smtClean="0"/>
+            </a:br>
+            <a:r>
+              <a:rPr lang="sr-Latn-RS" dirty="0" smtClean="0"/>
+              <a:t>ako smo definisali pasus:</a:t>
+            </a:r>
+            <a:r>
+              <a:rPr lang="sr-Latn-RS" dirty="0" smtClean="0">
+                <a:solidFill>
+                  <a:srgbClr val="000000"/>
+                </a:solidFill>
+              </a:rPr>
+              <a:t/>
+            </a:r>
+            <a:br>
+              <a:rPr lang="sr-Latn-RS" dirty="0" smtClean="0">
+                <a:solidFill>
+                  <a:srgbClr val="000000"/>
+                </a:solidFill>
+              </a:rPr>
+            </a:br>
+            <a:r>
+              <a:rPr lang="en-US" sz="1800" b="1" dirty="0" smtClean="0">
+                <a:solidFill>
+                  <a:srgbClr val="005828"/>
+                </a:solidFill>
+                <a:latin typeface="Courier New" panose="02070309020205020404" pitchFamily="49" charset="0"/>
+                <a:cs typeface="Courier New" panose="02070309020205020404" pitchFamily="49" charset="0"/>
+              </a:rPr>
+              <a:t>&lt;</a:t>
+            </a:r>
+            <a:r>
+              <a:rPr lang="en-US" sz="1800" b="1" dirty="0">
+                <a:solidFill>
+                  <a:srgbClr val="005828"/>
+                </a:solidFill>
+                <a:latin typeface="Courier New" panose="02070309020205020404" pitchFamily="49" charset="0"/>
+                <a:cs typeface="Courier New" panose="02070309020205020404" pitchFamily="49" charset="0"/>
+              </a:rPr>
+              <a:t>p id="</a:t>
+            </a:r>
+            <a:r>
+              <a:rPr lang="en-US" sz="1800" b="1" dirty="0" err="1">
+                <a:solidFill>
+                  <a:srgbClr val="005828"/>
+                </a:solidFill>
+                <a:latin typeface="Courier New" panose="02070309020205020404" pitchFamily="49" charset="0"/>
+                <a:cs typeface="Courier New" panose="02070309020205020404" pitchFamily="49" charset="0"/>
+              </a:rPr>
+              <a:t>opis</a:t>
+            </a:r>
+            <a:r>
+              <a:rPr lang="en-US" sz="1800" b="1" dirty="0">
+                <a:solidFill>
+                  <a:srgbClr val="005828"/>
+                </a:solidFill>
+                <a:latin typeface="Courier New" panose="02070309020205020404" pitchFamily="49" charset="0"/>
+                <a:cs typeface="Courier New" panose="02070309020205020404" pitchFamily="49" charset="0"/>
+              </a:rPr>
+              <a:t>"&gt;U </a:t>
+            </a:r>
+            <a:r>
+              <a:rPr lang="en-US" sz="1800" b="1" dirty="0" err="1">
+                <a:solidFill>
+                  <a:srgbClr val="005828"/>
+                </a:solidFill>
+                <a:latin typeface="Courier New" panose="02070309020205020404" pitchFamily="49" charset="0"/>
+                <a:cs typeface="Courier New" panose="02070309020205020404" pitchFamily="49" charset="0"/>
+              </a:rPr>
+              <a:t>ovom</a:t>
+            </a:r>
+            <a:r>
+              <a:rPr lang="en-US" sz="1800" b="1" dirty="0">
+                <a:solidFill>
+                  <a:srgbClr val="005828"/>
+                </a:solidFill>
+                <a:latin typeface="Courier New" panose="02070309020205020404" pitchFamily="49" charset="0"/>
+                <a:cs typeface="Courier New" panose="02070309020205020404" pitchFamily="49" charset="0"/>
+              </a:rPr>
+              <a:t> </a:t>
+            </a:r>
+            <a:r>
+              <a:rPr lang="en-US" sz="1800" b="1" dirty="0" err="1">
+                <a:solidFill>
+                  <a:srgbClr val="005828"/>
+                </a:solidFill>
+                <a:latin typeface="Courier New" panose="02070309020205020404" pitchFamily="49" charset="0"/>
+                <a:cs typeface="Courier New" panose="02070309020205020404" pitchFamily="49" charset="0"/>
+              </a:rPr>
+              <a:t>pasusu</a:t>
+            </a:r>
+            <a:r>
+              <a:rPr lang="en-US" sz="1800" b="1" dirty="0">
+                <a:solidFill>
+                  <a:srgbClr val="005828"/>
+                </a:solidFill>
+                <a:latin typeface="Courier New" panose="02070309020205020404" pitchFamily="49" charset="0"/>
+                <a:cs typeface="Courier New" panose="02070309020205020404" pitchFamily="49" charset="0"/>
+              </a:rPr>
+              <a:t> </a:t>
+            </a:r>
+            <a:r>
+              <a:rPr lang="en-US" sz="1800" b="1" dirty="0" smtClean="0">
+                <a:solidFill>
+                  <a:srgbClr val="005828"/>
+                </a:solidFill>
+                <a:latin typeface="Courier New" panose="02070309020205020404" pitchFamily="49" charset="0"/>
+                <a:cs typeface="Courier New" panose="02070309020205020404" pitchFamily="49" charset="0"/>
+              </a:rPr>
+              <a:t>bi</a:t>
+            </a:r>
+            <a:r>
+              <a:rPr lang="sr-Latn-RS" sz="1800" b="1" dirty="0">
+                <a:solidFill>
+                  <a:srgbClr val="005828"/>
+                </a:solidFill>
+                <a:latin typeface="Courier New" panose="02070309020205020404" pitchFamily="49" charset="0"/>
+                <a:cs typeface="Courier New" panose="02070309020205020404" pitchFamily="49" charset="0"/>
+              </a:rPr>
+              <a:t>ć</a:t>
+            </a:r>
+            <a:r>
+              <a:rPr lang="en-US" sz="1800" b="1" dirty="0" smtClean="0">
+                <a:solidFill>
+                  <a:srgbClr val="005828"/>
+                </a:solidFill>
+                <a:latin typeface="Courier New" panose="02070309020205020404" pitchFamily="49" charset="0"/>
+                <a:cs typeface="Courier New" panose="02070309020205020404" pitchFamily="49" charset="0"/>
+              </a:rPr>
+              <a:t>e </a:t>
+            </a:r>
+            <a:r>
+              <a:rPr lang="en-US" sz="1800" b="1" dirty="0" err="1">
+                <a:solidFill>
+                  <a:srgbClr val="005828"/>
+                </a:solidFill>
+                <a:latin typeface="Courier New" panose="02070309020205020404" pitchFamily="49" charset="0"/>
+                <a:cs typeface="Courier New" panose="02070309020205020404" pitchFamily="49" charset="0"/>
+              </a:rPr>
+              <a:t>opisana</a:t>
+            </a:r>
+            <a:r>
+              <a:rPr lang="en-US" sz="1800" b="1" dirty="0">
+                <a:solidFill>
+                  <a:srgbClr val="005828"/>
+                </a:solidFill>
+                <a:latin typeface="Courier New" panose="02070309020205020404" pitchFamily="49" charset="0"/>
+                <a:cs typeface="Courier New" panose="02070309020205020404" pitchFamily="49" charset="0"/>
+              </a:rPr>
+              <a:t> </a:t>
+            </a:r>
+            <a:r>
+              <a:rPr lang="en-US" sz="1800" b="1" dirty="0" err="1">
+                <a:solidFill>
+                  <a:srgbClr val="005828"/>
+                </a:solidFill>
+                <a:latin typeface="Courier New" panose="02070309020205020404" pitchFamily="49" charset="0"/>
+                <a:cs typeface="Courier New" panose="02070309020205020404" pitchFamily="49" charset="0"/>
+              </a:rPr>
+              <a:t>glavna</a:t>
+            </a:r>
+            <a:r>
+              <a:rPr lang="en-US" sz="1800" b="1" dirty="0">
+                <a:solidFill>
+                  <a:srgbClr val="005828"/>
+                </a:solidFill>
+                <a:latin typeface="Courier New" panose="02070309020205020404" pitchFamily="49" charset="0"/>
+                <a:cs typeface="Courier New" panose="02070309020205020404" pitchFamily="49" charset="0"/>
+              </a:rPr>
+              <a:t> </a:t>
+            </a:r>
+            <a:r>
+              <a:rPr lang="en-US" sz="1800" b="1" dirty="0" err="1">
+                <a:solidFill>
+                  <a:srgbClr val="005828"/>
+                </a:solidFill>
+                <a:latin typeface="Courier New" panose="02070309020205020404" pitchFamily="49" charset="0"/>
+                <a:cs typeface="Courier New" panose="02070309020205020404" pitchFamily="49" charset="0"/>
+              </a:rPr>
+              <a:t>svojstva</a:t>
+            </a:r>
+            <a:r>
+              <a:rPr lang="en-US" sz="1800" b="1" dirty="0">
+                <a:solidFill>
+                  <a:srgbClr val="005828"/>
+                </a:solidFill>
+                <a:latin typeface="Courier New" panose="02070309020205020404" pitchFamily="49" charset="0"/>
+                <a:cs typeface="Courier New" panose="02070309020205020404" pitchFamily="49" charset="0"/>
+              </a:rPr>
+              <a:t>...&lt;/</a:t>
+            </a:r>
+            <a:r>
+              <a:rPr lang="en-US" sz="1800" b="1" dirty="0" smtClean="0">
+                <a:solidFill>
+                  <a:srgbClr val="005828"/>
+                </a:solidFill>
+                <a:latin typeface="Courier New" panose="02070309020205020404" pitchFamily="49" charset="0"/>
+                <a:cs typeface="Courier New" panose="02070309020205020404" pitchFamily="49" charset="0"/>
+              </a:rPr>
+              <a:t>p&gt;</a:t>
+            </a:r>
+            <a:r>
+              <a:rPr lang="sr-Latn-RS" sz="1800" b="1" dirty="0" smtClean="0">
+                <a:solidFill>
+                  <a:srgbClr val="005828"/>
+                </a:solidFill>
+                <a:latin typeface="Courier New" panose="02070309020205020404" pitchFamily="49" charset="0"/>
+                <a:cs typeface="Courier New" panose="02070309020205020404" pitchFamily="49" charset="0"/>
+              </a:rPr>
+              <a:t/>
+            </a:r>
+            <a:br>
+              <a:rPr lang="sr-Latn-RS" sz="1800" b="1" dirty="0" smtClean="0">
+                <a:solidFill>
+                  <a:srgbClr val="005828"/>
+                </a:solidFill>
+                <a:latin typeface="Courier New" panose="02070309020205020404" pitchFamily="49" charset="0"/>
+                <a:cs typeface="Courier New" panose="02070309020205020404" pitchFamily="49" charset="0"/>
+              </a:rPr>
+            </a:br>
+            <a:r>
+              <a:rPr lang="sr-Latn-RS" dirty="0" smtClean="0"/>
+              <a:t>tada pravilo:</a:t>
+            </a:r>
+            <a:r>
+              <a:rPr lang="sr-Latn-RS" dirty="0"/>
+              <a:t/>
+            </a:r>
+            <a:br>
+              <a:rPr lang="sr-Latn-RS" dirty="0"/>
+            </a:br>
+            <a:r>
+              <a:rPr lang="en-US" sz="1800" b="1" dirty="0" err="1" smtClean="0">
+                <a:solidFill>
+                  <a:srgbClr val="005828"/>
+                </a:solidFill>
+                <a:latin typeface="Courier New" panose="02070309020205020404" pitchFamily="49" charset="0"/>
+                <a:cs typeface="Courier New" panose="02070309020205020404" pitchFamily="49" charset="0"/>
+              </a:rPr>
+              <a:t>p#opis</a:t>
+            </a:r>
+            <a:r>
+              <a:rPr lang="en-US" sz="1800" b="1" dirty="0" smtClean="0">
+                <a:solidFill>
+                  <a:srgbClr val="005828"/>
+                </a:solidFill>
+                <a:latin typeface="Courier New" panose="02070309020205020404" pitchFamily="49" charset="0"/>
+                <a:cs typeface="Courier New" panose="02070309020205020404" pitchFamily="49" charset="0"/>
+              </a:rPr>
+              <a:t> </a:t>
+            </a:r>
+            <a:r>
+              <a:rPr lang="en-US" sz="1800" b="1" dirty="0">
+                <a:solidFill>
+                  <a:srgbClr val="005828"/>
+                </a:solidFill>
+                <a:latin typeface="Courier New" panose="02070309020205020404" pitchFamily="49" charset="0"/>
+                <a:cs typeface="Courier New" panose="02070309020205020404" pitchFamily="49" charset="0"/>
+              </a:rPr>
+              <a:t>{ color : blue; </a:t>
+            </a:r>
+            <a:r>
+              <a:rPr lang="en-US" sz="1800" b="1" dirty="0" smtClean="0">
+                <a:solidFill>
+                  <a:srgbClr val="005828"/>
+                </a:solidFill>
+                <a:latin typeface="Courier New" panose="02070309020205020404" pitchFamily="49" charset="0"/>
+                <a:cs typeface="Courier New" panose="02070309020205020404" pitchFamily="49" charset="0"/>
+              </a:rPr>
+              <a:t>}</a:t>
+            </a:r>
+            <a:r>
+              <a:rPr lang="sr-Latn-CS" sz="1200" dirty="0" smtClean="0">
+                <a:solidFill>
+                  <a:srgbClr val="000000"/>
+                </a:solidFill>
+              </a:rPr>
+              <a:t/>
+            </a:r>
+            <a:br>
+              <a:rPr lang="sr-Latn-CS" sz="1200" dirty="0" smtClean="0">
+                <a:solidFill>
+                  <a:srgbClr val="000000"/>
+                </a:solidFill>
+              </a:rPr>
+            </a:br>
+            <a:r>
+              <a:rPr lang="sr-Latn-CS" dirty="0">
+                <a:solidFill>
+                  <a:srgbClr val="000000"/>
+                </a:solidFill>
+              </a:rPr>
+              <a:t>u ovom </a:t>
+            </a:r>
+            <a:r>
+              <a:rPr lang="sr-Latn-CS" dirty="0">
+                <a:solidFill>
+                  <a:srgbClr val="000000"/>
+                </a:solidFill>
+              </a:rPr>
+              <a:t>k</a:t>
+            </a:r>
+            <a:r>
+              <a:rPr lang="sr-Latn-CS" dirty="0">
+                <a:solidFill>
+                  <a:srgbClr val="000000"/>
+                </a:solidFill>
+              </a:rPr>
+              <a:t>ontekstu </a:t>
+            </a:r>
+            <a:r>
+              <a:rPr lang="sr-Latn-RS" dirty="0" smtClean="0">
+                <a:solidFill>
+                  <a:srgbClr val="000000"/>
+                </a:solidFill>
+              </a:rPr>
+              <a:t>ima isti efekat kao:</a:t>
+            </a:r>
+            <a:r>
+              <a:rPr lang="sr-Latn-RS" dirty="0">
+                <a:solidFill>
+                  <a:srgbClr val="000000"/>
+                </a:solidFill>
+              </a:rPr>
+              <a:t/>
+            </a:r>
+            <a:br>
+              <a:rPr lang="sr-Latn-RS" dirty="0">
+                <a:solidFill>
+                  <a:srgbClr val="000000"/>
+                </a:solidFill>
+              </a:rPr>
+            </a:br>
+            <a:r>
+              <a:rPr lang="en-US" sz="1800" b="1" dirty="0" smtClean="0">
+                <a:solidFill>
+                  <a:srgbClr val="005828"/>
+                </a:solidFill>
+                <a:latin typeface="Courier New" panose="02070309020205020404" pitchFamily="49" charset="0"/>
+                <a:cs typeface="Courier New" panose="02070309020205020404" pitchFamily="49" charset="0"/>
+              </a:rPr>
+              <a:t>#</a:t>
+            </a:r>
+            <a:r>
+              <a:rPr lang="en-US" sz="1800" b="1" dirty="0" err="1">
+                <a:solidFill>
+                  <a:srgbClr val="005828"/>
+                </a:solidFill>
+                <a:latin typeface="Courier New" panose="02070309020205020404" pitchFamily="49" charset="0"/>
+                <a:cs typeface="Courier New" panose="02070309020205020404" pitchFamily="49" charset="0"/>
+              </a:rPr>
+              <a:t>opis</a:t>
+            </a:r>
+            <a:r>
+              <a:rPr lang="en-US" sz="1800" b="1" dirty="0">
+                <a:solidFill>
+                  <a:srgbClr val="005828"/>
+                </a:solidFill>
+                <a:latin typeface="Courier New" panose="02070309020205020404" pitchFamily="49" charset="0"/>
+                <a:cs typeface="Courier New" panose="02070309020205020404" pitchFamily="49" charset="0"/>
+              </a:rPr>
+              <a:t> { color : blue; }</a:t>
+            </a:r>
+            <a:endParaRPr lang="sr-Latn-CS" altLang="en-US" sz="1200" dirty="0">
+              <a:solidFill>
+                <a:srgbClr val="000000"/>
+              </a:solidFill>
+            </a:endParaRPr>
+          </a:p>
+          <a:p>
+            <a:pPr marL="0" lvl="0" indent="0">
+              <a:buNone/>
+            </a:pPr>
+            <a:endParaRPr lang="sr-Latn-CS" altLang="en-US" sz="1200" dirty="0">
+              <a:solidFill>
+                <a:srgbClr val="000000"/>
+              </a:solidFill>
+            </a:endParaRPr>
+          </a:p>
+          <a:p>
+            <a:pPr marL="0" indent="0">
+              <a:buFont typeface="Wingdings" pitchFamily="2" charset="2"/>
+              <a:buNone/>
+            </a:pPr>
+            <a:endParaRPr lang="sr-Latn-CS" altLang="en-US" sz="1200" dirty="0" smtClean="0"/>
+          </a:p>
+        </p:txBody>
+      </p:sp>
+    </p:spTree>
+    <p:extLst>
+      <p:ext uri="{BB962C8B-B14F-4D97-AF65-F5344CB8AC3E}">
+        <p14:creationId xmlns:p14="http://schemas.microsoft.com/office/powerpoint/2010/main" val="3133798246"/>
+      </p:ext>
+    </p:extLst>
+  </p:cSld>
+  <p:clrMapOvr>
+    <a:masterClrMapping/>
+  </p:clrMapOvr>
+  <p:timing>
+    <p:tnLst>
+      <p:par>
+        <p:cTn id="1" dur="indefinite" restart="never" nodeType="tmRoot"/>
+      </p:par>
+    </p:tnLst>
+  </p:timing>
+</p:sld>
+</file>
+
+<file path=ppt/slides/slide12.xml><?xml version="1.0" encoding="utf-8"?>
+<p:sld xmlns:a="http://schemas.openxmlformats.org/drawingml/2006/main" xmlns:r="http://schemas.openxmlformats.org/officeDocument/2006/relationships" xmlns:p="http://schemas.openxmlformats.org/presentationml/2006/main">
+  <p:cSld>
+    <p:spTree>
+      <p:nvGrpSpPr>
+        <p:cNvPr id="1" name=""/>
+        <p:cNvGrpSpPr/>
+        <p:nvPr/>
+      </p:nvGrpSpPr>
+      <p:grpSpPr>
+        <a:xfrm>
+          <a:off x="0" y="0"/>
+          <a:ext cx="0" cy="0"/>
+          <a:chOff x="0" y="0"/>
+          <a:chExt cx="0" cy="0"/>
+        </a:xfrm>
+      </p:grpSpPr>
+      <p:sp>
+        <p:nvSpPr>
+          <p:cNvPr id="92162" name="Rectangle 2"/>
+          <p:cNvSpPr>
+            <a:spLocks noGrp="1" noChangeArrowheads="1"/>
+          </p:cNvSpPr>
+          <p:nvPr>
+            <p:ph type="title"/>
+          </p:nvPr>
+        </p:nvSpPr>
+        <p:spPr/>
+        <p:txBody>
+          <a:bodyPr/>
+          <a:lstStyle/>
+          <a:p>
+            <a:r>
+              <a:rPr lang="sr-Latn-RS" dirty="0" smtClean="0"/>
+              <a:t>Selektori (2)</a:t>
+            </a:r>
+            <a:endParaRPr lang="sr-Latn-RS" dirty="0"/>
+          </a:p>
+        </p:txBody>
+      </p:sp>
+      <p:sp>
+        <p:nvSpPr>
+          <p:cNvPr id="92163" name="Rectangle 3"/>
+          <p:cNvSpPr>
+            <a:spLocks noGrp="1" noChangeArrowheads="1"/>
+          </p:cNvSpPr>
+          <p:nvPr>
+            <p:ph idx="1"/>
+          </p:nvPr>
+        </p:nvSpPr>
+        <p:spPr>
+          <a:xfrm>
+            <a:off x="457200" y="1600200"/>
+            <a:ext cx="8391525" cy="5257800"/>
+          </a:xfrm>
+        </p:spPr>
+        <p:txBody>
+          <a:bodyPr/>
+          <a:lstStyle/>
+          <a:p>
+            <a:pPr>
+              <a:spcBef>
+                <a:spcPts val="1200"/>
+              </a:spcBef>
+            </a:pPr>
+            <a:r>
+              <a:rPr lang="pl-PL" dirty="0" err="1">
+                <a:solidFill>
+                  <a:srgbClr val="000000"/>
+                </a:solidFill>
+              </a:rPr>
+              <a:t>Kao</a:t>
+            </a:r>
+            <a:r>
+              <a:rPr lang="pl-PL" dirty="0">
+                <a:solidFill>
+                  <a:srgbClr val="000000"/>
+                </a:solidFill>
+              </a:rPr>
+              <a:t> selektor </a:t>
+            </a:r>
+            <a:r>
+              <a:rPr lang="pl-PL" dirty="0" err="1" smtClean="0">
+                <a:solidFill>
+                  <a:srgbClr val="000000"/>
+                </a:solidFill>
+              </a:rPr>
+              <a:t>mo</a:t>
+            </a:r>
+            <a:r>
+              <a:rPr lang="pl-PL" dirty="0" err="1">
+                <a:solidFill>
+                  <a:srgbClr val="000000"/>
+                </a:solidFill>
+              </a:rPr>
+              <a:t>ž</a:t>
+            </a:r>
+            <a:r>
+              <a:rPr lang="pl-PL" dirty="0" err="1" smtClean="0">
+                <a:solidFill>
+                  <a:srgbClr val="000000"/>
+                </a:solidFill>
+              </a:rPr>
+              <a:t>e</a:t>
+            </a:r>
+            <a:r>
+              <a:rPr lang="pl-PL" dirty="0" smtClean="0">
+                <a:solidFill>
+                  <a:srgbClr val="000000"/>
+                </a:solidFill>
+              </a:rPr>
+              <a:t> </a:t>
+            </a:r>
+            <a:r>
+              <a:rPr lang="pl-PL" dirty="0" err="1">
+                <a:solidFill>
+                  <a:srgbClr val="000000"/>
+                </a:solidFill>
+              </a:rPr>
+              <a:t>se</a:t>
+            </a:r>
+            <a:r>
+              <a:rPr lang="pl-PL" dirty="0">
+                <a:solidFill>
+                  <a:srgbClr val="000000"/>
+                </a:solidFill>
+              </a:rPr>
+              <a:t> </a:t>
+            </a:r>
+            <a:r>
+              <a:rPr lang="pl-PL" dirty="0" err="1">
+                <a:solidFill>
+                  <a:srgbClr val="000000"/>
+                </a:solidFill>
+              </a:rPr>
+              <a:t>koristiti</a:t>
+            </a:r>
+            <a:r>
+              <a:rPr lang="pl-PL" dirty="0">
+                <a:solidFill>
+                  <a:srgbClr val="000000"/>
+                </a:solidFill>
+              </a:rPr>
+              <a:t> i </a:t>
+            </a:r>
+            <a:r>
+              <a:rPr lang="pl-PL" dirty="0" err="1">
+                <a:solidFill>
+                  <a:schemeClr val="accent5">
+                    <a:lumMod val="50000"/>
+                  </a:schemeClr>
+                </a:solidFill>
+              </a:rPr>
+              <a:t>naziv</a:t>
+            </a:r>
+            <a:r>
+              <a:rPr lang="pl-PL" dirty="0">
+                <a:solidFill>
+                  <a:schemeClr val="accent5">
+                    <a:lumMod val="50000"/>
+                  </a:schemeClr>
+                </a:solidFill>
+              </a:rPr>
+              <a:t> </a:t>
+            </a:r>
+            <a:r>
+              <a:rPr lang="pl-PL" dirty="0" err="1">
+                <a:solidFill>
+                  <a:schemeClr val="accent5">
+                    <a:lumMod val="50000"/>
+                  </a:schemeClr>
+                </a:solidFill>
+              </a:rPr>
+              <a:t>klase</a:t>
+            </a:r>
+            <a:r>
+              <a:rPr lang="pl-PL" dirty="0">
+                <a:solidFill>
+                  <a:srgbClr val="000000"/>
+                </a:solidFill>
+              </a:rPr>
+              <a:t>: </a:t>
+            </a:r>
+            <a:r>
+              <a:rPr lang="pl-PL" dirty="0" err="1">
+                <a:solidFill>
+                  <a:srgbClr val="000000"/>
+                </a:solidFill>
+              </a:rPr>
+              <a:t>svakom</a:t>
+            </a:r>
+            <a:r>
+              <a:rPr lang="pl-PL" dirty="0">
+                <a:solidFill>
+                  <a:srgbClr val="000000"/>
+                </a:solidFill>
+              </a:rPr>
+              <a:t> elementu </a:t>
+            </a:r>
+            <a:r>
+              <a:rPr lang="pl-PL" dirty="0" err="1" smtClean="0">
+                <a:solidFill>
+                  <a:srgbClr val="000000"/>
+                </a:solidFill>
+              </a:rPr>
+              <a:t>koji</a:t>
+            </a:r>
+            <a:r>
+              <a:rPr lang="pl-PL" dirty="0" smtClean="0">
+                <a:solidFill>
+                  <a:srgbClr val="000000"/>
+                </a:solidFill>
+              </a:rPr>
+              <a:t> </a:t>
+            </a:r>
+            <a:r>
+              <a:rPr lang="pl-PL" dirty="0" err="1" smtClean="0">
+                <a:solidFill>
+                  <a:srgbClr val="000000"/>
+                </a:solidFill>
+              </a:rPr>
+              <a:t>želimo</a:t>
+            </a:r>
+            <a:r>
+              <a:rPr lang="pl-PL" dirty="0" smtClean="0">
+                <a:solidFill>
+                  <a:srgbClr val="000000"/>
+                </a:solidFill>
+              </a:rPr>
+              <a:t> </a:t>
+            </a:r>
+            <a:r>
+              <a:rPr lang="pl-PL" dirty="0">
+                <a:solidFill>
+                  <a:srgbClr val="000000"/>
+                </a:solidFill>
+              </a:rPr>
+              <a:t>na </a:t>
+            </a:r>
+            <a:r>
+              <a:rPr lang="pl-PL" dirty="0" err="1">
+                <a:solidFill>
+                  <a:srgbClr val="000000"/>
+                </a:solidFill>
+              </a:rPr>
+              <a:t>isti</a:t>
+            </a:r>
+            <a:r>
+              <a:rPr lang="pl-PL" dirty="0">
+                <a:solidFill>
+                  <a:srgbClr val="000000"/>
+                </a:solidFill>
+              </a:rPr>
+              <a:t> </a:t>
+            </a:r>
+            <a:r>
+              <a:rPr lang="pl-PL" dirty="0" err="1" smtClean="0">
+                <a:solidFill>
+                  <a:srgbClr val="000000"/>
+                </a:solidFill>
+              </a:rPr>
+              <a:t>na</a:t>
+            </a:r>
+            <a:r>
+              <a:rPr lang="pl-PL" dirty="0" err="1">
+                <a:solidFill>
+                  <a:srgbClr val="000000"/>
+                </a:solidFill>
+              </a:rPr>
+              <a:t>č</a:t>
+            </a:r>
+            <a:r>
+              <a:rPr lang="pl-PL" dirty="0" err="1" smtClean="0">
+                <a:solidFill>
+                  <a:srgbClr val="000000"/>
+                </a:solidFill>
+              </a:rPr>
+              <a:t>in</a:t>
+            </a:r>
+            <a:r>
+              <a:rPr lang="pl-PL" dirty="0" smtClean="0">
+                <a:solidFill>
+                  <a:srgbClr val="000000"/>
+                </a:solidFill>
+              </a:rPr>
+              <a:t> </a:t>
+            </a:r>
+            <a:r>
+              <a:rPr lang="pl-PL" dirty="0">
+                <a:solidFill>
+                  <a:srgbClr val="000000"/>
+                </a:solidFill>
+              </a:rPr>
+              <a:t>da </a:t>
+            </a:r>
+            <a:r>
+              <a:rPr lang="pl-PL" dirty="0" err="1">
+                <a:solidFill>
+                  <a:srgbClr val="000000"/>
+                </a:solidFill>
+              </a:rPr>
+              <a:t>stilizujemo</a:t>
+            </a:r>
+            <a:r>
+              <a:rPr lang="pl-PL" dirty="0">
+                <a:solidFill>
+                  <a:srgbClr val="000000"/>
+                </a:solidFill>
+              </a:rPr>
+              <a:t> </a:t>
+            </a:r>
+            <a:r>
+              <a:rPr lang="pl-PL" dirty="0" err="1">
+                <a:solidFill>
+                  <a:srgbClr val="000000"/>
+                </a:solidFill>
+              </a:rPr>
+              <a:t>dodeljuje</a:t>
+            </a:r>
+            <a:r>
+              <a:rPr lang="pl-PL" dirty="0">
+                <a:solidFill>
+                  <a:srgbClr val="000000"/>
+                </a:solidFill>
+              </a:rPr>
+              <a:t> </a:t>
+            </a:r>
+            <a:r>
+              <a:rPr lang="pl-PL" dirty="0" err="1">
+                <a:solidFill>
+                  <a:srgbClr val="000000"/>
+                </a:solidFill>
+              </a:rPr>
+              <a:t>se</a:t>
+            </a:r>
+            <a:r>
+              <a:rPr lang="pl-PL" dirty="0">
+                <a:solidFill>
+                  <a:srgbClr val="000000"/>
+                </a:solidFill>
+              </a:rPr>
+              <a:t> klasa </a:t>
+            </a:r>
+            <a:r>
+              <a:rPr lang="pl-PL" dirty="0" err="1" smtClean="0">
+                <a:solidFill>
+                  <a:srgbClr val="000000"/>
+                </a:solidFill>
+              </a:rPr>
+              <a:t>korišćenjem</a:t>
+            </a:r>
+            <a:r>
+              <a:rPr lang="pl-PL" dirty="0" smtClean="0">
+                <a:solidFill>
+                  <a:srgbClr val="000000"/>
+                </a:solidFill>
+              </a:rPr>
+              <a:t> </a:t>
+            </a:r>
+            <a:r>
+              <a:rPr lang="pl-PL" dirty="0" err="1" smtClean="0">
+                <a:solidFill>
+                  <a:srgbClr val="000000"/>
+                </a:solidFill>
+              </a:rPr>
+              <a:t>atributa</a:t>
+            </a:r>
+            <a:r>
+              <a:rPr lang="pl-PL" dirty="0" smtClean="0">
+                <a:solidFill>
+                  <a:srgbClr val="000000"/>
+                </a:solidFill>
+              </a:rPr>
+              <a:t> </a:t>
+            </a:r>
+            <a:r>
+              <a:rPr lang="pl-PL" dirty="0" err="1">
+                <a:solidFill>
+                  <a:srgbClr val="005828"/>
+                </a:solidFill>
+              </a:rPr>
+              <a:t>class</a:t>
+            </a:r>
+            <a:r>
+              <a:rPr lang="pl-PL" dirty="0">
+                <a:solidFill>
+                  <a:srgbClr val="000000"/>
+                </a:solidFill>
+              </a:rPr>
+              <a:t>, a </a:t>
+            </a:r>
+            <a:r>
+              <a:rPr lang="pl-PL" dirty="0" err="1">
+                <a:solidFill>
+                  <a:srgbClr val="000000"/>
+                </a:solidFill>
+              </a:rPr>
+              <a:t>zatim</a:t>
+            </a:r>
+            <a:r>
+              <a:rPr lang="pl-PL" dirty="0">
+                <a:solidFill>
+                  <a:srgbClr val="000000"/>
+                </a:solidFill>
+              </a:rPr>
+              <a:t> </a:t>
+            </a:r>
+            <a:r>
+              <a:rPr lang="pl-PL" dirty="0" err="1">
+                <a:solidFill>
+                  <a:srgbClr val="000000"/>
+                </a:solidFill>
+              </a:rPr>
+              <a:t>se</a:t>
+            </a:r>
+            <a:r>
+              <a:rPr lang="pl-PL" dirty="0">
+                <a:solidFill>
+                  <a:srgbClr val="000000"/>
+                </a:solidFill>
+              </a:rPr>
+              <a:t> ta klasa </a:t>
+            </a:r>
+            <a:r>
+              <a:rPr lang="pl-PL" dirty="0" err="1">
+                <a:solidFill>
+                  <a:srgbClr val="000000"/>
+                </a:solidFill>
+              </a:rPr>
+              <a:t>koristi</a:t>
+            </a:r>
+            <a:r>
+              <a:rPr lang="pl-PL" dirty="0">
+                <a:solidFill>
+                  <a:srgbClr val="000000"/>
+                </a:solidFill>
+              </a:rPr>
+              <a:t> </a:t>
+            </a:r>
+            <a:r>
+              <a:rPr lang="pl-PL" dirty="0" err="1">
+                <a:solidFill>
+                  <a:srgbClr val="000000"/>
+                </a:solidFill>
+              </a:rPr>
+              <a:t>kao</a:t>
+            </a:r>
+            <a:r>
+              <a:rPr lang="pl-PL" dirty="0">
+                <a:solidFill>
+                  <a:srgbClr val="000000"/>
+                </a:solidFill>
+              </a:rPr>
+              <a:t> selektor </a:t>
+            </a:r>
+            <a:r>
+              <a:rPr lang="pl-PL" dirty="0" err="1">
+                <a:solidFill>
+                  <a:srgbClr val="000000"/>
+                </a:solidFill>
+              </a:rPr>
+              <a:t>oblika</a:t>
+            </a:r>
+            <a:r>
+              <a:rPr lang="pl-PL" dirty="0">
+                <a:solidFill>
+                  <a:srgbClr val="000000"/>
+                </a:solidFill>
+              </a:rPr>
+              <a:t> .</a:t>
+            </a:r>
+            <a:r>
+              <a:rPr lang="pl-PL" dirty="0" err="1">
+                <a:solidFill>
+                  <a:srgbClr val="000000"/>
+                </a:solidFill>
+              </a:rPr>
+              <a:t>class</a:t>
+            </a:r>
+            <a:r>
+              <a:rPr lang="sr-Latn-RS" dirty="0" smtClean="0">
+                <a:solidFill>
+                  <a:srgbClr val="000000"/>
+                </a:solidFill>
+              </a:rPr>
+              <a:t/>
+            </a:r>
+            <a:br>
+              <a:rPr lang="sr-Latn-RS" dirty="0" smtClean="0">
+                <a:solidFill>
+                  <a:srgbClr val="000000"/>
+                </a:solidFill>
+              </a:rPr>
+            </a:br>
+            <a:r>
+              <a:rPr lang="sr-Latn-RS" dirty="0" smtClean="0"/>
+              <a:t>Primer:</a:t>
+            </a:r>
+            <a:br>
+              <a:rPr lang="sr-Latn-RS" dirty="0" smtClean="0"/>
+            </a:br>
+            <a:r>
+              <a:rPr lang="sr-Latn-RS" dirty="0" smtClean="0"/>
+              <a:t>ako segment HTML dokumenta ima sledeći oblik:</a:t>
+            </a:r>
+            <a:r>
+              <a:rPr lang="sr-Latn-RS" dirty="0" smtClean="0">
+                <a:solidFill>
+                  <a:srgbClr val="000000"/>
+                </a:solidFill>
+              </a:rPr>
+              <a:t/>
+            </a:r>
+            <a:br>
+              <a:rPr lang="sr-Latn-RS" dirty="0" smtClean="0">
+                <a:solidFill>
+                  <a:srgbClr val="000000"/>
+                </a:solidFill>
+              </a:rPr>
+            </a:br>
+            <a:r>
+              <a:rPr lang="en-US" sz="1800" b="1" dirty="0">
+                <a:solidFill>
+                  <a:srgbClr val="005828"/>
+                </a:solidFill>
+                <a:latin typeface="Courier New" panose="02070309020205020404" pitchFamily="49" charset="0"/>
+                <a:cs typeface="Courier New" panose="02070309020205020404" pitchFamily="49" charset="0"/>
+              </a:rPr>
+              <a:t>&lt;p class="</a:t>
+            </a:r>
+            <a:r>
+              <a:rPr lang="en-US" sz="1800" b="1" dirty="0" err="1">
+                <a:solidFill>
+                  <a:srgbClr val="005828"/>
+                </a:solidFill>
+                <a:latin typeface="Courier New" panose="02070309020205020404" pitchFamily="49" charset="0"/>
+                <a:cs typeface="Courier New" panose="02070309020205020404" pitchFamily="49" charset="0"/>
+              </a:rPr>
+              <a:t>rezime</a:t>
+            </a:r>
+            <a:r>
+              <a:rPr lang="en-US" sz="1800" b="1" dirty="0">
+                <a:solidFill>
+                  <a:srgbClr val="005828"/>
+                </a:solidFill>
+                <a:latin typeface="Courier New" panose="02070309020205020404" pitchFamily="49" charset="0"/>
+                <a:cs typeface="Courier New" panose="02070309020205020404" pitchFamily="49" charset="0"/>
+              </a:rPr>
+              <a:t>"&gt;</a:t>
+            </a:r>
+            <a:r>
+              <a:rPr lang="en-US" sz="1800" b="1" dirty="0" err="1">
+                <a:solidFill>
+                  <a:srgbClr val="005828"/>
+                </a:solidFill>
+                <a:latin typeface="Courier New" panose="02070309020205020404" pitchFamily="49" charset="0"/>
+                <a:cs typeface="Courier New" panose="02070309020205020404" pitchFamily="49" charset="0"/>
+              </a:rPr>
+              <a:t>Jezik</a:t>
+            </a:r>
+            <a:r>
+              <a:rPr lang="en-US" sz="1800" b="1" dirty="0">
+                <a:solidFill>
+                  <a:srgbClr val="005828"/>
+                </a:solidFill>
+                <a:latin typeface="Courier New" panose="02070309020205020404" pitchFamily="49" charset="0"/>
+                <a:cs typeface="Courier New" panose="02070309020205020404" pitchFamily="49" charset="0"/>
+              </a:rPr>
+              <a:t> HTML je...&lt;/p</a:t>
+            </a:r>
+            <a:r>
+              <a:rPr lang="en-US" sz="1800" b="1" dirty="0" smtClean="0">
+                <a:solidFill>
+                  <a:srgbClr val="005828"/>
+                </a:solidFill>
+                <a:latin typeface="Courier New" panose="02070309020205020404" pitchFamily="49" charset="0"/>
+                <a:cs typeface="Courier New" panose="02070309020205020404" pitchFamily="49" charset="0"/>
+              </a:rPr>
+              <a:t>&gt;</a:t>
+            </a:r>
+            <a:r>
+              <a:rPr lang="sr-Latn-RS" sz="1800" b="1" dirty="0" smtClean="0">
+                <a:solidFill>
+                  <a:srgbClr val="005828"/>
+                </a:solidFill>
+                <a:latin typeface="Courier New" panose="02070309020205020404" pitchFamily="49" charset="0"/>
+                <a:cs typeface="Courier New" panose="02070309020205020404" pitchFamily="49" charset="0"/>
+              </a:rPr>
+              <a:t/>
+            </a:r>
+            <a:br>
+              <a:rPr lang="sr-Latn-RS" sz="1800" b="1" dirty="0" smtClean="0">
+                <a:solidFill>
+                  <a:srgbClr val="005828"/>
+                </a:solidFill>
+                <a:latin typeface="Courier New" panose="02070309020205020404" pitchFamily="49" charset="0"/>
+                <a:cs typeface="Courier New" panose="02070309020205020404" pitchFamily="49" charset="0"/>
+              </a:rPr>
+            </a:br>
+            <a:r>
+              <a:rPr lang="en-US" sz="1800" b="1" dirty="0" smtClean="0">
+                <a:solidFill>
+                  <a:srgbClr val="005828"/>
+                </a:solidFill>
+                <a:latin typeface="Courier New" panose="02070309020205020404" pitchFamily="49" charset="0"/>
+                <a:cs typeface="Courier New" panose="02070309020205020404" pitchFamily="49" charset="0"/>
+              </a:rPr>
+              <a:t>...</a:t>
+            </a:r>
+            <a:r>
+              <a:rPr lang="sr-Latn-RS" sz="1800" b="1" dirty="0" smtClean="0">
+                <a:solidFill>
+                  <a:srgbClr val="005828"/>
+                </a:solidFill>
+                <a:latin typeface="Courier New" panose="02070309020205020404" pitchFamily="49" charset="0"/>
+                <a:cs typeface="Courier New" panose="02070309020205020404" pitchFamily="49" charset="0"/>
+              </a:rPr>
+              <a:t/>
+            </a:r>
+            <a:br>
+              <a:rPr lang="sr-Latn-RS" sz="1800" b="1" dirty="0" smtClean="0">
+                <a:solidFill>
+                  <a:srgbClr val="005828"/>
+                </a:solidFill>
+                <a:latin typeface="Courier New" panose="02070309020205020404" pitchFamily="49" charset="0"/>
+                <a:cs typeface="Courier New" panose="02070309020205020404" pitchFamily="49" charset="0"/>
+              </a:rPr>
+            </a:br>
+            <a:r>
+              <a:rPr lang="en-US" sz="1800" b="1" dirty="0" smtClean="0">
+                <a:solidFill>
+                  <a:srgbClr val="005828"/>
+                </a:solidFill>
+                <a:latin typeface="Courier New" panose="02070309020205020404" pitchFamily="49" charset="0"/>
+                <a:cs typeface="Courier New" panose="02070309020205020404" pitchFamily="49" charset="0"/>
+              </a:rPr>
+              <a:t>&lt;</a:t>
+            </a:r>
+            <a:r>
+              <a:rPr lang="en-US" sz="1800" b="1" dirty="0">
+                <a:solidFill>
+                  <a:srgbClr val="005828"/>
+                </a:solidFill>
+                <a:latin typeface="Courier New" panose="02070309020205020404" pitchFamily="49" charset="0"/>
+                <a:cs typeface="Courier New" panose="02070309020205020404" pitchFamily="49" charset="0"/>
+              </a:rPr>
+              <a:t>p class="</a:t>
+            </a:r>
+            <a:r>
+              <a:rPr lang="en-US" sz="1800" b="1" dirty="0" err="1">
+                <a:solidFill>
+                  <a:srgbClr val="005828"/>
+                </a:solidFill>
+                <a:latin typeface="Courier New" panose="02070309020205020404" pitchFamily="49" charset="0"/>
+                <a:cs typeface="Courier New" panose="02070309020205020404" pitchFamily="49" charset="0"/>
+              </a:rPr>
+              <a:t>rezime</a:t>
+            </a:r>
+            <a:r>
+              <a:rPr lang="en-US" sz="1800" b="1" dirty="0">
+                <a:solidFill>
+                  <a:srgbClr val="005828"/>
+                </a:solidFill>
+                <a:latin typeface="Courier New" panose="02070309020205020404" pitchFamily="49" charset="0"/>
+                <a:cs typeface="Courier New" panose="02070309020205020404" pitchFamily="49" charset="0"/>
+              </a:rPr>
+              <a:t>"&gt;</a:t>
+            </a:r>
+            <a:r>
+              <a:rPr lang="en-US" sz="1800" b="1" dirty="0" err="1">
+                <a:solidFill>
+                  <a:srgbClr val="005828"/>
+                </a:solidFill>
+                <a:latin typeface="Courier New" panose="02070309020205020404" pitchFamily="49" charset="0"/>
+                <a:cs typeface="Courier New" panose="02070309020205020404" pitchFamily="49" charset="0"/>
+              </a:rPr>
+              <a:t>Jezik</a:t>
+            </a:r>
+            <a:r>
+              <a:rPr lang="en-US" sz="1800" b="1" dirty="0">
+                <a:solidFill>
+                  <a:srgbClr val="005828"/>
+                </a:solidFill>
+                <a:latin typeface="Courier New" panose="02070309020205020404" pitchFamily="49" charset="0"/>
+                <a:cs typeface="Courier New" panose="02070309020205020404" pitchFamily="49" charset="0"/>
+              </a:rPr>
+              <a:t> CSS je...&lt;/p</a:t>
+            </a:r>
+            <a:r>
+              <a:rPr lang="en-US" sz="1800" b="1" dirty="0" smtClean="0">
+                <a:solidFill>
+                  <a:srgbClr val="005828"/>
+                </a:solidFill>
+                <a:latin typeface="Courier New" panose="02070309020205020404" pitchFamily="49" charset="0"/>
+                <a:cs typeface="Courier New" panose="02070309020205020404" pitchFamily="49" charset="0"/>
+              </a:rPr>
+              <a:t>&gt;</a:t>
+            </a:r>
+            <a:r>
+              <a:rPr lang="sr-Latn-RS" sz="1800" b="1" dirty="0" smtClean="0">
+                <a:solidFill>
+                  <a:srgbClr val="005828"/>
+                </a:solidFill>
+                <a:latin typeface="Courier New" panose="02070309020205020404" pitchFamily="49" charset="0"/>
+                <a:cs typeface="Courier New" panose="02070309020205020404" pitchFamily="49" charset="0"/>
+              </a:rPr>
+              <a:t/>
+            </a:r>
+            <a:br>
+              <a:rPr lang="sr-Latn-RS" sz="1800" b="1" dirty="0" smtClean="0">
+                <a:solidFill>
+                  <a:srgbClr val="005828"/>
+                </a:solidFill>
+                <a:latin typeface="Courier New" panose="02070309020205020404" pitchFamily="49" charset="0"/>
+                <a:cs typeface="Courier New" panose="02070309020205020404" pitchFamily="49" charset="0"/>
+              </a:rPr>
+            </a:br>
+            <a:r>
+              <a:rPr lang="sr-Latn-RS" dirty="0" smtClean="0"/>
+              <a:t>tada pravilo:</a:t>
+            </a:r>
+            <a:r>
+              <a:rPr lang="sr-Latn-RS" dirty="0"/>
+              <a:t/>
+            </a:r>
+            <a:br>
+              <a:rPr lang="sr-Latn-RS" dirty="0"/>
+            </a:br>
+            <a:r>
+              <a:rPr lang="en-US" sz="1800" b="1" dirty="0" err="1">
+                <a:solidFill>
+                  <a:srgbClr val="005828"/>
+                </a:solidFill>
+                <a:latin typeface="Courier New" panose="02070309020205020404" pitchFamily="49" charset="0"/>
+                <a:cs typeface="Courier New" panose="02070309020205020404" pitchFamily="49" charset="0"/>
+              </a:rPr>
+              <a:t>p.rezime</a:t>
+            </a:r>
+            <a:r>
+              <a:rPr lang="en-US" sz="1800" b="1" dirty="0">
+                <a:solidFill>
+                  <a:srgbClr val="005828"/>
+                </a:solidFill>
+                <a:latin typeface="Courier New" panose="02070309020205020404" pitchFamily="49" charset="0"/>
+                <a:cs typeface="Courier New" panose="02070309020205020404" pitchFamily="49" charset="0"/>
+              </a:rPr>
+              <a:t> { color : blue; border: 1px solid black; </a:t>
+            </a:r>
+            <a:r>
+              <a:rPr lang="en-US" sz="1800" b="1" dirty="0" smtClean="0">
+                <a:solidFill>
+                  <a:srgbClr val="005828"/>
+                </a:solidFill>
+                <a:latin typeface="Courier New" panose="02070309020205020404" pitchFamily="49" charset="0"/>
+                <a:cs typeface="Courier New" panose="02070309020205020404" pitchFamily="49" charset="0"/>
+              </a:rPr>
+              <a:t>}</a:t>
+            </a:r>
+            <a:r>
+              <a:rPr lang="sr-Latn-RS" sz="1800" b="1" dirty="0" smtClean="0">
+                <a:solidFill>
+                  <a:srgbClr val="005828"/>
+                </a:solidFill>
+                <a:latin typeface="Courier New" panose="02070309020205020404" pitchFamily="49" charset="0"/>
+                <a:cs typeface="Courier New" panose="02070309020205020404" pitchFamily="49" charset="0"/>
+              </a:rPr>
+              <a:t/>
+            </a:r>
+            <a:br>
+              <a:rPr lang="sr-Latn-RS" sz="1800" b="1" dirty="0" smtClean="0">
+                <a:solidFill>
+                  <a:srgbClr val="005828"/>
+                </a:solidFill>
+                <a:latin typeface="Courier New" panose="02070309020205020404" pitchFamily="49" charset="0"/>
+                <a:cs typeface="Courier New" panose="02070309020205020404" pitchFamily="49" charset="0"/>
+              </a:rPr>
+            </a:br>
+            <a:r>
+              <a:rPr lang="sr-Latn-CS" dirty="0" smtClean="0">
+                <a:solidFill>
+                  <a:srgbClr val="000000"/>
+                </a:solidFill>
+              </a:rPr>
+              <a:t>ne mora da </a:t>
+            </a:r>
+            <a:r>
+              <a:rPr lang="sr-Latn-RS" dirty="0" smtClean="0">
+                <a:solidFill>
+                  <a:srgbClr val="000000"/>
+                </a:solidFill>
+              </a:rPr>
+              <a:t>ima isti efekat kao pravilo:</a:t>
+            </a:r>
+            <a:r>
+              <a:rPr lang="sr-Latn-RS" dirty="0">
+                <a:solidFill>
+                  <a:srgbClr val="000000"/>
+                </a:solidFill>
+              </a:rPr>
+              <a:t/>
+            </a:r>
+            <a:br>
+              <a:rPr lang="sr-Latn-RS" dirty="0">
+                <a:solidFill>
+                  <a:srgbClr val="000000"/>
+                </a:solidFill>
+              </a:rPr>
+            </a:br>
+            <a:r>
+              <a:rPr lang="en-US" sz="1800" b="1" dirty="0">
+                <a:solidFill>
+                  <a:srgbClr val="005828"/>
+                </a:solidFill>
+                <a:latin typeface="Courier New" panose="02070309020205020404" pitchFamily="49" charset="0"/>
+                <a:cs typeface="Courier New" panose="02070309020205020404" pitchFamily="49" charset="0"/>
+              </a:rPr>
+              <a:t>.</a:t>
+            </a:r>
+            <a:r>
+              <a:rPr lang="en-US" sz="1800" b="1" dirty="0" err="1">
+                <a:solidFill>
+                  <a:srgbClr val="005828"/>
+                </a:solidFill>
+                <a:latin typeface="Courier New" panose="02070309020205020404" pitchFamily="49" charset="0"/>
+                <a:cs typeface="Courier New" panose="02070309020205020404" pitchFamily="49" charset="0"/>
+              </a:rPr>
+              <a:t>rezime</a:t>
+            </a:r>
+            <a:r>
+              <a:rPr lang="en-US" sz="1800" b="1" dirty="0">
+                <a:solidFill>
+                  <a:srgbClr val="005828"/>
+                </a:solidFill>
+                <a:latin typeface="Courier New" panose="02070309020205020404" pitchFamily="49" charset="0"/>
+                <a:cs typeface="Courier New" panose="02070309020205020404" pitchFamily="49" charset="0"/>
+              </a:rPr>
+              <a:t> { color : blue; border: 1px solid black; }</a:t>
+            </a:r>
+            <a:endParaRPr lang="sr-Latn-CS" altLang="en-US" sz="1200" dirty="0">
+              <a:solidFill>
+                <a:srgbClr val="000000"/>
+              </a:solidFill>
+            </a:endParaRPr>
+          </a:p>
+          <a:p>
+            <a:pPr marL="0" lvl="0" indent="0">
+              <a:buNone/>
+            </a:pPr>
+            <a:endParaRPr lang="sr-Latn-CS" altLang="en-US" sz="1200" dirty="0">
+              <a:solidFill>
+                <a:srgbClr val="000000"/>
+              </a:solidFill>
+            </a:endParaRPr>
+          </a:p>
+          <a:p>
+            <a:pPr marL="0" indent="0">
+              <a:buFont typeface="Wingdings" pitchFamily="2" charset="2"/>
+              <a:buNone/>
+            </a:pPr>
+            <a:endParaRPr lang="sr-Latn-CS" altLang="en-US" sz="1200" dirty="0" smtClean="0"/>
+          </a:p>
+        </p:txBody>
+      </p:sp>
+    </p:spTree>
+    <p:extLst>
+      <p:ext uri="{BB962C8B-B14F-4D97-AF65-F5344CB8AC3E}">
+        <p14:creationId xmlns:p14="http://schemas.microsoft.com/office/powerpoint/2010/main" val="1575758271"/>
+      </p:ext>
+    </p:extLst>
+  </p:cSld>
+  <p:clrMapOvr>
+    <a:masterClrMapping/>
+  </p:clrMapOvr>
+  <p:timing>
+    <p:tnLst>
+      <p:par>
+        <p:cTn id="1" dur="indefinite" restart="never" nodeType="tmRoot"/>
+      </p:par>
+    </p:tnLst>
+  </p:timing>
+</p:sld>
+</file>
+
+<file path=ppt/slides/slide13.xml><?xml version="1.0" encoding="utf-8"?>
+<p:sld xmlns:a="http://schemas.openxmlformats.org/drawingml/2006/main" xmlns:r="http://schemas.openxmlformats.org/officeDocument/2006/relationships" xmlns:p="http://schemas.openxmlformats.org/presentationml/2006/main">
+  <p:cSld>
+    <p:spTree>
+      <p:nvGrpSpPr>
+        <p:cNvPr id="1" name=""/>
+        <p:cNvGrpSpPr/>
+        <p:nvPr/>
+      </p:nvGrpSpPr>
+      <p:grpSpPr>
+        <a:xfrm>
+          <a:off x="0" y="0"/>
+          <a:ext cx="0" cy="0"/>
+          <a:chOff x="0" y="0"/>
+          <a:chExt cx="0" cy="0"/>
+        </a:xfrm>
+      </p:grpSpPr>
+      <p:sp>
+        <p:nvSpPr>
+          <p:cNvPr id="92162" name="Rectangle 2"/>
+          <p:cNvSpPr>
+            <a:spLocks noGrp="1" noChangeArrowheads="1"/>
+          </p:cNvSpPr>
+          <p:nvPr>
+            <p:ph type="title"/>
+          </p:nvPr>
+        </p:nvSpPr>
+        <p:spPr/>
+        <p:txBody>
+          <a:bodyPr/>
+          <a:lstStyle/>
+          <a:p>
+            <a:r>
+              <a:rPr lang="sr-Latn-RS" altLang="en-US" dirty="0" smtClean="0">
+                <a:solidFill>
+                  <a:srgbClr val="002060"/>
+                </a:solidFill>
+              </a:rPr>
+              <a:t>Zahvalnica</a:t>
+            </a:r>
+            <a:endParaRPr lang="en-GB" altLang="en-US" dirty="0" smtClean="0">
+              <a:solidFill>
+                <a:srgbClr val="002060"/>
+              </a:solidFill>
+            </a:endParaRPr>
+          </a:p>
+        </p:txBody>
+      </p:sp>
+      <p:sp>
+        <p:nvSpPr>
+          <p:cNvPr id="92163" name="Rectangle 3"/>
+          <p:cNvSpPr>
+            <a:spLocks noGrp="1" noChangeArrowheads="1"/>
+          </p:cNvSpPr>
+          <p:nvPr>
+            <p:ph idx="1"/>
+          </p:nvPr>
+        </p:nvSpPr>
+        <p:spPr>
+          <a:xfrm>
+            <a:off x="457200" y="1600200"/>
+            <a:ext cx="8391525" cy="5257800"/>
+          </a:xfrm>
+        </p:spPr>
+        <p:txBody>
+          <a:bodyPr/>
+          <a:lstStyle/>
+          <a:p>
+            <a:pPr marL="0" indent="0">
+              <a:buFont typeface="Wingdings" pitchFamily="2" charset="2"/>
+              <a:buNone/>
+            </a:pPr>
+            <a:r>
+              <a:rPr lang="sr-Latn-RS" altLang="en-US" dirty="0" smtClean="0"/>
+              <a:t>Delovi materijala ove prezentacije su preuzeti iz</a:t>
+            </a:r>
+            <a:r>
+              <a:rPr lang="sr-Cyrl-RS" altLang="en-US" dirty="0" smtClean="0"/>
+              <a:t>:</a:t>
+            </a:r>
+          </a:p>
+          <a:p>
+            <a:r>
+              <a:rPr lang="sr-Latn-RS" altLang="en-US" dirty="0" smtClean="0"/>
+              <a:t>Skripte iz predmeta Uvod u veb i internet tehnologije,</a:t>
+            </a:r>
+            <a:r>
+              <a:rPr lang="sr-Cyrl-RS" altLang="en-US" dirty="0" smtClean="0"/>
+              <a:t> </a:t>
+            </a:r>
+            <a:r>
+              <a:rPr lang="sr-Latn-RS" altLang="en-US" dirty="0" smtClean="0"/>
+              <a:t>na</a:t>
+            </a:r>
+            <a:r>
+              <a:rPr lang="sr-Cyrl-RS" altLang="en-US" dirty="0" smtClean="0"/>
+              <a:t> </a:t>
+            </a:r>
+            <a:r>
+              <a:rPr lang="sr-Latn-RS" altLang="en-US" dirty="0" smtClean="0"/>
+              <a:t>Matematičkom fakultetu Univeziteta u Beogradu</a:t>
+            </a:r>
+            <a:r>
+              <a:rPr lang="sr-Cyrl-RS" altLang="en-US" dirty="0" smtClean="0"/>
+              <a:t>, </a:t>
+            </a:r>
+            <a:r>
+              <a:rPr lang="sr-Latn-RS" altLang="en-US" dirty="0" smtClean="0"/>
+              <a:t>autor prof. dr Filip Marić</a:t>
+            </a:r>
+            <a:endParaRPr lang="sr-Cyrl-RS" altLang="en-US" dirty="0" smtClean="0"/>
+          </a:p>
+          <a:p>
+            <a:r>
+              <a:rPr lang="en-US" altLang="en-US" dirty="0" err="1"/>
+              <a:t>Prezentacija</a:t>
+            </a:r>
+            <a:r>
+              <a:rPr lang="en-US" altLang="en-US" dirty="0"/>
+              <a:t> </a:t>
+            </a:r>
+            <a:r>
+              <a:rPr lang="sr-Latn-RS" altLang="en-US" dirty="0"/>
+              <a:t>iz predmeta Uvod u veb i internet tehnologije,</a:t>
+            </a:r>
+            <a:r>
+              <a:rPr lang="sr-Cyrl-RS" altLang="en-US" dirty="0"/>
+              <a:t> </a:t>
+            </a:r>
+            <a:r>
+              <a:rPr lang="sr-Latn-RS" altLang="en-US" dirty="0"/>
+              <a:t>na</a:t>
+            </a:r>
+            <a:r>
+              <a:rPr lang="sr-Cyrl-RS" altLang="en-US" dirty="0"/>
+              <a:t> </a:t>
+            </a:r>
+            <a:r>
+              <a:rPr lang="sr-Latn-RS" altLang="en-US" dirty="0"/>
+              <a:t>Matematičkom fakultetu </a:t>
+            </a:r>
+            <a:r>
+              <a:rPr lang="sr-Latn-RS" altLang="en-US" dirty="0" err="1"/>
+              <a:t>Univeziteta</a:t>
+            </a:r>
+            <a:r>
+              <a:rPr lang="sr-Latn-RS" altLang="en-US" dirty="0"/>
+              <a:t> u Beogradu</a:t>
+            </a:r>
+            <a:r>
+              <a:rPr lang="sr-Cyrl-RS" altLang="en-US" dirty="0"/>
+              <a:t>, </a:t>
+            </a:r>
+            <a:r>
+              <a:rPr lang="sr-Latn-RS" altLang="en-US" dirty="0"/>
+              <a:t>autor dr </a:t>
+            </a:r>
+            <a:r>
+              <a:rPr lang="en-US" altLang="en-US" dirty="0"/>
+              <a:t>Vesna</a:t>
+            </a:r>
+            <a:r>
+              <a:rPr lang="sr-Latn-RS" altLang="en-US" dirty="0"/>
+              <a:t> Mari</a:t>
+            </a:r>
+            <a:r>
+              <a:rPr lang="en-US" altLang="en-US" dirty="0" err="1"/>
+              <a:t>nkovi</a:t>
+            </a:r>
+            <a:r>
+              <a:rPr lang="sr-Latn-RS" altLang="en-US" dirty="0" smtClean="0"/>
+              <a:t>ć</a:t>
+            </a:r>
+            <a:endParaRPr lang="en-US" altLang="en-US" dirty="0" smtClean="0"/>
+          </a:p>
+          <a:p>
+            <a:r>
+              <a:rPr lang="sr-Latn-RS" altLang="en-US" dirty="0" smtClean="0"/>
+              <a:t>Prezentacija </a:t>
+            </a:r>
+            <a:r>
+              <a:rPr lang="sr-Latn-RS" altLang="en-US" dirty="0" smtClean="0"/>
+              <a:t>iz predmeta </a:t>
+            </a:r>
+            <a:r>
+              <a:rPr lang="en-US" altLang="en-US" dirty="0"/>
+              <a:t>XML and </a:t>
+            </a:r>
+            <a:r>
+              <a:rPr lang="en-US" altLang="en-US" dirty="0" smtClean="0"/>
+              <a:t>Databases</a:t>
+            </a:r>
+            <a:r>
+              <a:rPr lang="sr-Latn-RS" altLang="en-US" dirty="0" smtClean="0"/>
+              <a:t> </a:t>
+            </a:r>
+            <a:r>
+              <a:rPr lang="en-US" altLang="en-US" dirty="0" smtClean="0"/>
+              <a:t>(</a:t>
+            </a:r>
+            <a:r>
+              <a:rPr lang="en-US" altLang="en-US" dirty="0"/>
+              <a:t>CS 345b</a:t>
+            </a:r>
+            <a:r>
+              <a:rPr lang="en-US" altLang="en-US" dirty="0" smtClean="0"/>
+              <a:t>)</a:t>
+            </a:r>
+            <a:r>
+              <a:rPr lang="sr-Latn-RS" altLang="en-US" dirty="0"/>
+              <a:t>, na Stanford Univerzitetu, autori dr Daniela Florescu i dr Donald Kossmann  </a:t>
+            </a:r>
+            <a:endParaRPr lang="sr-Latn-RS" altLang="en-US" dirty="0" smtClean="0"/>
+          </a:p>
+          <a:p>
+            <a:r>
+              <a:rPr lang="sr-Latn-RS" altLang="en-US" dirty="0" smtClean="0"/>
+              <a:t>Skripte </a:t>
+            </a:r>
+            <a:r>
+              <a:rPr lang="sr-Latn-RS" altLang="en-US" dirty="0"/>
+              <a:t>iz </a:t>
+            </a:r>
+            <a:r>
+              <a:rPr lang="sr-Latn-RS" altLang="en-US" dirty="0" smtClean="0"/>
+              <a:t>predmeta Informatika</a:t>
+            </a:r>
+            <a:r>
+              <a:rPr lang="sr-Cyrl-RS" altLang="en-US" dirty="0" smtClean="0"/>
+              <a:t> </a:t>
+            </a:r>
+            <a:r>
+              <a:rPr lang="sr-Latn-RS" altLang="en-US" dirty="0" smtClean="0"/>
+              <a:t>na Univerzitetu</a:t>
+            </a:r>
+            <a:r>
+              <a:rPr lang="sr-Cyrl-RS" altLang="en-US" dirty="0" smtClean="0"/>
+              <a:t> </a:t>
+            </a:r>
+            <a:r>
+              <a:rPr lang="en-US" altLang="en-US" dirty="0" smtClean="0"/>
+              <a:t>Milano Bicocca</a:t>
+            </a:r>
+            <a:r>
+              <a:rPr lang="sr-Cyrl-RS" altLang="en-US" dirty="0" smtClean="0"/>
+              <a:t>,</a:t>
+            </a:r>
+            <a:r>
+              <a:rPr lang="en-US" altLang="en-US" dirty="0" smtClean="0"/>
+              <a:t> </a:t>
+            </a:r>
+            <a:r>
+              <a:rPr lang="sr-Latn-RS" altLang="en-US" dirty="0" smtClean="0"/>
+              <a:t>autor dr</a:t>
+            </a:r>
+            <a:r>
+              <a:rPr lang="sr-Cyrl-RS" altLang="en-US" dirty="0" smtClean="0"/>
+              <a:t> </a:t>
+            </a:r>
+            <a:r>
+              <a:rPr lang="en-US" altLang="en-US" dirty="0"/>
+              <a:t>Mirko </a:t>
+            </a:r>
+            <a:r>
+              <a:rPr lang="en-US" altLang="en-US" dirty="0" err="1"/>
+              <a:t>Cesarini</a:t>
+            </a:r>
+            <a:r>
+              <a:rPr lang="sr-Cyrl-RS" altLang="en-US" dirty="0" smtClean="0"/>
+              <a:t>  </a:t>
+            </a:r>
+            <a:endParaRPr lang="en-US" altLang="en-US" dirty="0" smtClean="0"/>
+          </a:p>
+          <a:p>
+            <a:r>
+              <a:rPr lang="sr-Latn-RS" altLang="en-US" dirty="0"/>
+              <a:t>Knjige </a:t>
+            </a:r>
+            <a:r>
+              <a:rPr lang="sr-Latn-RS" altLang="en-US" dirty="0" smtClean="0"/>
+              <a:t>Principles of Data Integration</a:t>
+            </a:r>
+            <a:r>
+              <a:rPr lang="sr-Latn-RS" altLang="en-US" dirty="0"/>
+              <a:t>, autori </a:t>
+            </a:r>
+            <a:r>
+              <a:rPr lang="sr-Latn-RS" altLang="en-US" dirty="0" smtClean="0"/>
+              <a:t>Anhai Doan, Alon Halevy, Zachaty Ives</a:t>
+            </a:r>
+            <a:endParaRPr lang="sr-Latn-RS" altLang="en-US" dirty="0"/>
+          </a:p>
+          <a:p>
+            <a:endParaRPr lang="en-US" altLang="en-US" dirty="0" smtClean="0"/>
+          </a:p>
+          <a:p>
+            <a:pPr marL="0" indent="0">
+              <a:buFont typeface="Wingdings" pitchFamily="2" charset="2"/>
+              <a:buNone/>
+            </a:pPr>
+            <a:endParaRPr lang="sr-Cyrl-RS" altLang="en-US" sz="1200" dirty="0" smtClean="0"/>
+          </a:p>
+          <a:p>
+            <a:pPr marL="0" indent="0">
+              <a:buFont typeface="Wingdings" pitchFamily="2" charset="2"/>
+              <a:buNone/>
+            </a:pPr>
+            <a:endParaRPr lang="sr-Latn-CS" altLang="en-US" sz="1200" dirty="0" smtClean="0"/>
+          </a:p>
+          <a:p>
+            <a:pPr marL="0" indent="0">
+              <a:buFont typeface="Wingdings" pitchFamily="2" charset="2"/>
+              <a:buNone/>
+            </a:pPr>
+            <a:endParaRPr lang="sr-Latn-CS" altLang="en-US" dirty="0" smtClean="0"/>
+          </a:p>
+        </p:txBody>
+      </p:sp>
+    </p:spTree>
+    <p:extLst>
+      <p:ext uri="{BB962C8B-B14F-4D97-AF65-F5344CB8AC3E}">
+        <p14:creationId xmlns:p14="http://schemas.microsoft.com/office/powerpoint/2010/main" val="3609644295"/>
+      </p:ext>
+    </p:extLst>
+  </p:cSld>
+  <p:clrMapOvr>
+    <a:masterClrMapping/>
+  </p:clrMapOvr>
+  <p:timing>
+    <p:tnLst>
+      <p:par>
+        <p:cTn id="1" dur="indefinite" restart="never" nodeType="tmRoot"/>
+      </p:par>
+    </p:tnLst>
+  </p:timing>
+</p:sld>
+</file>
+
 <file path=ppt/slides/slide2.xml><?xml version="1.0" encoding="utf-8"?>
 <p:sld xmlns:a="http://schemas.openxmlformats.org/drawingml/2006/main" xmlns:r="http://schemas.openxmlformats.org/officeDocument/2006/relationships" xmlns:p="http://schemas.openxmlformats.org/presentationml/2006/main">
   <p:cSld>
@@ -3723,44 +6784,305 @@
           <a:lstStyle/>
           <a:p>
             <a:r>
-              <a:rPr lang="en-US" altLang="en-US" dirty="0" err="1" smtClean="0">
-                <a:solidFill>
-                  <a:srgbClr val="002060"/>
-                </a:solidFill>
-              </a:rPr>
-              <a:t>Istorijat</a:t>
-            </a:r>
-            <a:endParaRPr lang="en-GB" altLang="en-US" dirty="0" smtClean="0">
-              <a:solidFill>
-                <a:srgbClr val="002060"/>
-              </a:solidFill>
-            </a:endParaRPr>
+              <a:rPr lang="sr-Latn-RS" dirty="0"/>
+              <a:t>Stilski listovi</a:t>
+            </a:r>
           </a:p>
         </p:txBody>
       </p:sp>
       <p:sp>
         <p:nvSpPr>
-          <p:cNvPr id="2" name="Content Placeholder 1"/>
+          <p:cNvPr id="92163" name="Rectangle 3"/>
           <p:cNvSpPr>
-            <a:spLocks noGrp="1"/>
+            <a:spLocks noGrp="1" noChangeArrowheads="1"/>
           </p:cNvSpPr>
           <p:nvPr>
             <p:ph idx="1"/>
           </p:nvPr>
         </p:nvSpPr>
-        <p:spPr/>
+        <p:spPr>
+          <a:xfrm>
+            <a:off x="457200" y="1600200"/>
+            <a:ext cx="8391525" cy="5257800"/>
+          </a:xfrm>
+        </p:spPr>
         <p:txBody>
           <a:bodyPr/>
           <a:lstStyle/>
           <a:p>
-            <a:endParaRPr lang="en-US"/>
+            <a:pPr lvl="0">
+              <a:spcBef>
+                <a:spcPts val="1200"/>
+              </a:spcBef>
+            </a:pPr>
+            <a:r>
+              <a:rPr lang="en-GB" dirty="0" err="1"/>
+              <a:t>Vizuelna</a:t>
+            </a:r>
+            <a:r>
+              <a:rPr lang="en-GB" dirty="0"/>
+              <a:t> </a:t>
+            </a:r>
+            <a:r>
+              <a:rPr lang="en-GB" dirty="0" err="1"/>
+              <a:t>prezentacija</a:t>
+            </a:r>
+            <a:r>
+              <a:rPr lang="en-GB" dirty="0"/>
+              <a:t> HTML </a:t>
+            </a:r>
+            <a:r>
+              <a:rPr lang="en-GB" dirty="0" err="1"/>
+              <a:t>dokumenata</a:t>
+            </a:r>
+            <a:r>
+              <a:rPr lang="en-GB" dirty="0"/>
+              <a:t> </a:t>
+            </a:r>
+            <a:r>
+              <a:rPr lang="en-GB" dirty="0" err="1" smtClean="0"/>
+              <a:t>pode</a:t>
+            </a:r>
+            <a:r>
+              <a:rPr lang="sr-Latn-RS" dirty="0"/>
+              <a:t>š</a:t>
+            </a:r>
+            <a:r>
+              <a:rPr lang="en-GB" dirty="0" smtClean="0"/>
+              <a:t>ava </a:t>
+            </a:r>
+            <a:r>
+              <a:rPr lang="en-GB" dirty="0"/>
+              <a:t>se </a:t>
+            </a:r>
+            <a:r>
+              <a:rPr lang="en-GB" dirty="0" err="1" smtClean="0"/>
+              <a:t>kor</a:t>
+            </a:r>
+            <a:r>
+              <a:rPr lang="sr-Latn-RS" dirty="0" err="1" smtClean="0"/>
+              <a:t>išć</a:t>
+            </a:r>
+            <a:r>
+              <a:rPr lang="en-GB" dirty="0" err="1" smtClean="0"/>
+              <a:t>enjem</a:t>
+            </a:r>
+            <a:r>
+              <a:rPr lang="sr-Latn-RS" dirty="0" smtClean="0"/>
+              <a:t> </a:t>
+            </a:r>
+            <a:r>
+              <a:rPr lang="en-GB" dirty="0" err="1" smtClean="0">
+                <a:solidFill>
+                  <a:schemeClr val="accent5">
+                    <a:lumMod val="50000"/>
+                  </a:schemeClr>
+                </a:solidFill>
+              </a:rPr>
+              <a:t>stilskih</a:t>
+            </a:r>
+            <a:r>
+              <a:rPr lang="en-GB" dirty="0" smtClean="0">
+                <a:solidFill>
+                  <a:schemeClr val="accent5">
+                    <a:lumMod val="50000"/>
+                  </a:schemeClr>
+                </a:solidFill>
+              </a:rPr>
+              <a:t> </a:t>
+            </a:r>
+            <a:r>
+              <a:rPr lang="en-GB" dirty="0" err="1">
+                <a:solidFill>
+                  <a:schemeClr val="accent5">
+                    <a:lumMod val="50000"/>
+                  </a:schemeClr>
+                </a:solidFill>
+              </a:rPr>
+              <a:t>listova</a:t>
+            </a:r>
+            <a:r>
+              <a:rPr lang="en-GB" dirty="0">
+                <a:solidFill>
+                  <a:schemeClr val="accent5">
+                    <a:lumMod val="50000"/>
+                  </a:schemeClr>
+                </a:solidFill>
+              </a:rPr>
+              <a:t> </a:t>
+            </a:r>
+            <a:r>
+              <a:rPr lang="en-GB" dirty="0"/>
+              <a:t>(stylesheets) </a:t>
+            </a:r>
+            <a:r>
+              <a:rPr lang="en-GB" dirty="0" err="1"/>
+              <a:t>opisanih</a:t>
+            </a:r>
+            <a:r>
+              <a:rPr lang="en-GB" dirty="0"/>
+              <a:t> u </a:t>
+            </a:r>
+            <a:r>
+              <a:rPr lang="en-GB" dirty="0" err="1"/>
+              <a:t>jeziku</a:t>
+            </a:r>
+            <a:r>
+              <a:rPr lang="en-GB" dirty="0"/>
+              <a:t> CSS (Cascading </a:t>
+            </a:r>
+            <a:r>
+              <a:rPr lang="en-GB" dirty="0" smtClean="0"/>
+              <a:t>Style</a:t>
+            </a:r>
+            <a:r>
+              <a:rPr lang="sr-Latn-RS" dirty="0" smtClean="0"/>
+              <a:t> </a:t>
+            </a:r>
+            <a:r>
+              <a:rPr lang="en-GB" dirty="0" smtClean="0"/>
+              <a:t>Sheets</a:t>
+            </a:r>
+            <a:r>
+              <a:rPr lang="en-GB" dirty="0"/>
+              <a:t>)</a:t>
+            </a:r>
+          </a:p>
+          <a:p>
+            <a:pPr lvl="0">
+              <a:spcBef>
+                <a:spcPts val="1200"/>
+              </a:spcBef>
+            </a:pPr>
+            <a:r>
+              <a:rPr lang="en-GB" dirty="0"/>
+              <a:t>Prva </a:t>
+            </a:r>
+            <a:r>
+              <a:rPr lang="en-GB" dirty="0" err="1"/>
+              <a:t>verzija</a:t>
+            </a:r>
+            <a:r>
+              <a:rPr lang="en-GB" dirty="0"/>
+              <a:t> </a:t>
+            </a:r>
+            <a:r>
+              <a:rPr lang="en-GB" dirty="0" err="1"/>
+              <a:t>objavljena</a:t>
+            </a:r>
+            <a:r>
+              <a:rPr lang="en-GB" dirty="0"/>
+              <a:t> 1996. </a:t>
+            </a:r>
+            <a:r>
+              <a:rPr lang="en-GB" dirty="0" err="1"/>
+              <a:t>godine</a:t>
+            </a:r>
+            <a:endParaRPr lang="en-GB" dirty="0"/>
+          </a:p>
+          <a:p>
+            <a:pPr lvl="0">
+              <a:spcBef>
+                <a:spcPts val="1200"/>
+              </a:spcBef>
+            </a:pPr>
+            <a:r>
+              <a:rPr lang="en-GB" dirty="0" err="1"/>
+              <a:t>Aktuelna</a:t>
+            </a:r>
+            <a:r>
+              <a:rPr lang="en-GB" dirty="0"/>
+              <a:t> </a:t>
+            </a:r>
+            <a:r>
+              <a:rPr lang="en-GB" dirty="0" err="1"/>
+              <a:t>verzija</a:t>
+            </a:r>
+            <a:r>
+              <a:rPr lang="en-GB" dirty="0"/>
+              <a:t> je CSS3</a:t>
+            </a:r>
+            <a:endParaRPr lang="en-US" altLang="en-US" dirty="0" smtClean="0"/>
+          </a:p>
+          <a:p>
+            <a:pPr marL="0" indent="0">
+              <a:buFont typeface="Wingdings" pitchFamily="2" charset="2"/>
+              <a:buNone/>
+            </a:pPr>
+            <a:endParaRPr lang="sr-Cyrl-RS" altLang="en-US" sz="1200" dirty="0" smtClean="0"/>
+          </a:p>
+          <a:p>
+            <a:pPr marL="0" indent="0">
+              <a:buFont typeface="Wingdings" pitchFamily="2" charset="2"/>
+              <a:buNone/>
+            </a:pPr>
+            <a:endParaRPr lang="sr-Latn-CS" altLang="en-US" sz="1200" dirty="0" smtClean="0"/>
+          </a:p>
+          <a:p>
+            <a:pPr marL="0" indent="0">
+              <a:buFont typeface="Wingdings" pitchFamily="2" charset="2"/>
+              <a:buNone/>
+            </a:pPr>
+            <a:endParaRPr lang="sr-Latn-CS" altLang="en-US" dirty="0" smtClean="0"/>
           </a:p>
         </p:txBody>
       </p:sp>
+      <p:pic>
+        <p:nvPicPr>
+          <p:cNvPr id="1026" name="Picture 2"/>
+          <p:cNvPicPr>
+            <a:picLocks noChangeAspect="1" noChangeArrowheads="1"/>
+          </p:cNvPicPr>
+          <p:nvPr/>
+        </p:nvPicPr>
+        <p:blipFill rotWithShape="1">
+          <a:blip r:embed="rId2">
+            <a:extLst>
+              <a:ext uri="{28A0092B-C50C-407E-A947-70E740481C1C}">
+                <a14:useLocalDpi xmlns:a14="http://schemas.microsoft.com/office/drawing/2010/main" val="0"/>
+              </a:ext>
+            </a:extLst>
+          </a:blip>
+          <a:srcRect l="7113" t="3551" b="3350"/>
+          <a:stretch/>
+        </p:blipFill>
+        <p:spPr bwMode="auto">
+          <a:xfrm>
+            <a:off x="5998464" y="3840480"/>
+            <a:ext cx="1701874" cy="1911096"/>
+          </a:xfrm>
+          <a:prstGeom prst="rect">
+            <a:avLst/>
+          </a:prstGeom>
+          <a:noFill/>
+          <a:ln>
+            <a:noFill/>
+          </a:ln>
+          <a:extLst>
+            <a:ext uri="{909E8E84-426E-40DD-AFC4-6F175D3DCCD1}">
+              <a14:hiddenFill xmlns:a14="http://schemas.microsoft.com/office/drawing/2010/main">
+                <a:solidFill>
+                  <a:schemeClr val="accent1"/>
+                </a:solidFill>
+              </a14:hiddenFill>
+            </a:ext>
+            <a:ext uri="{91240B29-F687-4F45-9708-019B960494DF}">
+              <a14:hiddenLine xmlns:a14="http://schemas.microsoft.com/office/drawing/2010/main" w="9525">
+                <a:solidFill>
+                  <a:schemeClr val="tx1"/>
+                </a:solidFill>
+                <a:miter lim="800000"/>
+                <a:headEnd/>
+                <a:tailEnd/>
+              </a14:hiddenLine>
+            </a:ext>
+          </a:extLst>
+        </p:spPr>
+      </p:pic>
     </p:spTree>
     <p:extLst>
       <p:ext uri="{BB962C8B-B14F-4D97-AF65-F5344CB8AC3E}">
-        <p14:creationId xmlns:p14="http://schemas.microsoft.com/office/powerpoint/2010/main" val="3557345935"/>
+        <p14:creationId xmlns:p14="http://schemas.microsoft.com/office/powerpoint/2010/main" val="2683719484"/>
       </p:ext>
     </p:extLst>
   </p:cSld>
@@ -3810,18 +7132,42 @@
           <a:lstStyle/>
           <a:p>
             <a:r>
-              <a:rPr lang="en-US" altLang="en-US" dirty="0" err="1" smtClean="0">
-                <a:solidFill>
-                  <a:srgbClr val="002060"/>
-                </a:solidFill>
-              </a:rPr>
-              <a:t>Elementi</a:t>
-            </a:r>
-            <a:endParaRPr lang="en-GB" altLang="en-US" dirty="0" smtClean="0">
-              <a:solidFill>
-                <a:srgbClr val="002060"/>
-              </a:solidFill>
-            </a:endParaRPr>
+              <a:rPr lang="fi-FI" dirty="0" smtClean="0"/>
+              <a:t>Op</a:t>
+            </a:r>
+            <a:r>
+              <a:rPr lang="sr-Latn-RS" dirty="0"/>
+              <a:t>š</a:t>
+            </a:r>
+            <a:r>
+              <a:rPr lang="fi-FI" dirty="0" err="1" smtClean="0"/>
+              <a:t>ta</a:t>
+            </a:r>
+            <a:r>
+              <a:rPr lang="fi-FI" dirty="0" smtClean="0"/>
+              <a:t> </a:t>
+            </a:r>
+            <a:r>
+              <a:rPr lang="fi-FI" dirty="0" err="1"/>
+              <a:t>sintaksa</a:t>
+            </a:r>
+            <a:r>
+              <a:rPr lang="fi-FI" dirty="0"/>
+              <a:t> </a:t>
+            </a:r>
+            <a:r>
+              <a:rPr lang="fi-FI" dirty="0" err="1"/>
+              <a:t>stilskih</a:t>
+            </a:r>
+            <a:r>
+              <a:rPr lang="fi-FI" dirty="0"/>
+              <a:t> </a:t>
+            </a:r>
+            <a:r>
+              <a:rPr lang="fi-FI" dirty="0" err="1"/>
+              <a:t>listova</a:t>
+            </a:r>
+            <a:endParaRPr lang="sr-Latn-RS" dirty="0"/>
           </a:p>
         </p:txBody>
       </p:sp>
@@ -3851,10 +7197,82 @@
               </a:spcBef>
             </a:pPr>
             <a:r>
-              <a:rPr lang="en-GB" dirty="0"/>
-              <a:t>html, head, body, </a:t>
-            </a:r>
-            <a:endParaRPr lang="en-US" dirty="0"/>
+              <a:rPr lang="en-GB" dirty="0" err="1"/>
+              <a:t>Mogu</a:t>
+            </a:r>
+            <a:r>
+              <a:rPr lang="en-GB" dirty="0"/>
+              <a:t> se </a:t>
+            </a:r>
+            <a:r>
+              <a:rPr lang="en-GB" dirty="0" err="1"/>
+              <a:t>zadavati</a:t>
+            </a:r>
+            <a:r>
+              <a:rPr lang="en-GB" dirty="0"/>
+              <a:t> u </a:t>
+            </a:r>
+            <a:r>
+              <a:rPr lang="en-GB" dirty="0" err="1"/>
+              <a:t>zaglavlju</a:t>
+            </a:r>
+            <a:r>
+              <a:rPr lang="en-GB" dirty="0"/>
+              <a:t> HTML </a:t>
+            </a:r>
+            <a:r>
+              <a:rPr lang="en-GB" dirty="0" err="1"/>
+              <a:t>dokumenata</a:t>
+            </a:r>
+            <a:r>
+              <a:rPr lang="en-GB" dirty="0"/>
+              <a:t>, u </a:t>
+            </a:r>
+            <a:r>
+              <a:rPr lang="en-GB" dirty="0" err="1"/>
+              <a:t>okviru</a:t>
+            </a:r>
+            <a:r>
+              <a:rPr lang="en-GB" dirty="0"/>
+              <a:t> </a:t>
+            </a:r>
+            <a:r>
+              <a:rPr lang="en-GB" dirty="0" err="1" smtClean="0"/>
+              <a:t>elementa</a:t>
+            </a:r>
+            <a:r>
+              <a:rPr lang="sr-Latn-RS" dirty="0" smtClean="0"/>
+              <a:t> </a:t>
+            </a:r>
+            <a:r>
+              <a:rPr lang="en-GB" dirty="0" smtClean="0">
+                <a:solidFill>
+                  <a:srgbClr val="009A46"/>
+                </a:solidFill>
+              </a:rPr>
+              <a:t>style </a:t>
+            </a:r>
+            <a:r>
+              <a:rPr lang="en-GB" dirty="0" err="1"/>
+              <a:t>ili</a:t>
+            </a:r>
+            <a:r>
+              <a:rPr lang="en-GB" dirty="0"/>
+              <a:t> u </a:t>
+            </a:r>
+            <a:r>
+              <a:rPr lang="en-GB" dirty="0" err="1"/>
+              <a:t>posebnim</a:t>
+            </a:r>
+            <a:r>
+              <a:rPr lang="en-GB" dirty="0"/>
+              <a:t> CSS </a:t>
+            </a:r>
+            <a:r>
+              <a:rPr lang="en-GB" dirty="0" err="1"/>
+              <a:t>dokumentima</a:t>
+            </a:r>
+            <a:endParaRPr lang="en-GB" dirty="0"/>
           </a:p>
           <a:p>
             <a:pPr lvl="0">
@@ -3863,20 +7281,24 @@
               </a:spcBef>
             </a:pPr>
             <a:r>
-              <a:rPr lang="en-GB" dirty="0"/>
-              <a:t>meta, title, script, style, link (</a:t>
-            </a:r>
-            <a:r>
               <a:rPr lang="en-GB" dirty="0" err="1"/>
-              <a:t>samo</a:t>
-            </a:r>
-            <a:r>
-              <a:rPr lang="en-GB" dirty="0"/>
-              <a:t> </a:t>
+              <a:t>Stilski</a:t>
+            </a:r>
+            <a:r>
+              <a:rPr lang="en-GB" dirty="0"/>
+              <a:t> list se </a:t>
             </a:r>
             <a:r>
               <a:rPr lang="en-GB" dirty="0" err="1"/>
-              <a:t>za</a:t>
+              <a:t>sastoji</a:t>
+            </a:r>
+            <a:r>
+              <a:rPr lang="en-GB" dirty="0"/>
+              <a:t> od </a:t>
+            </a:r>
+            <a:r>
+              <a:rPr lang="en-GB" dirty="0" err="1"/>
+              <a:t>niza</a:t>
             </a:r>
             <a:r>
               <a:rPr lang="en-GB" dirty="0"/>
@@ -3884,29 +7306,104 @@
             </a:r>
             <a:r>
               <a:rPr lang="en-GB" dirty="0" err="1" smtClean="0"/>
-              <a:t>uklju</a:t>
+              <a:t>pravila</a:t>
             </a:r>
             <a:r>
               <a:rPr lang="sr-Latn-RS" dirty="0" smtClean="0"/>
-              <a:t>č</a:t>
-            </a:r>
-            <a:r>
-              <a:rPr lang="en-GB" dirty="0" err="1" smtClean="0"/>
-              <a:t>ivanje</a:t>
-            </a:r>
-            <a:r>
-              <a:rPr lang="en-GB" dirty="0" smtClean="0"/>
-              <a:t> </a:t>
-            </a:r>
-            <a:r>
+              <a:t/>
+            </a:r>
+            <a:br>
               <a:rPr lang="sr-Latn-RS" dirty="0" smtClean="0"/>
-              <a:t>kaskadnih stilova</a:t>
-            </a:r>
-            <a:r>
-              <a:rPr lang="en-GB" dirty="0" smtClean="0"/>
-              <a:t>), </a:t>
-            </a:r>
-            <a:endParaRPr lang="en-US" dirty="0"/>
+            </a:br>
+            <a:r>
+              <a:rPr lang="en-GB" sz="1600" b="1" dirty="0" smtClean="0">
+                <a:solidFill>
+                  <a:srgbClr val="005828"/>
+                </a:solidFill>
+                <a:latin typeface="Courier New" panose="02070309020205020404" pitchFamily="49" charset="0"/>
+                <a:cs typeface="Courier New" panose="02070309020205020404" pitchFamily="49" charset="0"/>
+              </a:rPr>
+              <a:t>p </a:t>
+            </a:r>
+            <a:r>
+              <a:rPr lang="en-GB" sz="1600" b="1" dirty="0">
+                <a:solidFill>
+                  <a:srgbClr val="005828"/>
+                </a:solidFill>
+                <a:latin typeface="Courier New" panose="02070309020205020404" pitchFamily="49" charset="0"/>
+                <a:cs typeface="Courier New" panose="02070309020205020404" pitchFamily="49" charset="0"/>
+              </a:rPr>
+              <a:t>{ </a:t>
+            </a:r>
+            <a:r>
+              <a:rPr lang="en-GB" sz="1600" b="1" dirty="0" err="1">
+                <a:solidFill>
+                  <a:srgbClr val="005828"/>
+                </a:solidFill>
+                <a:latin typeface="Courier New" panose="02070309020205020404" pitchFamily="49" charset="0"/>
+                <a:cs typeface="Courier New" panose="02070309020205020404" pitchFamily="49" charset="0"/>
+              </a:rPr>
+              <a:t>color</a:t>
+            </a:r>
+            <a:r>
+              <a:rPr lang="en-GB" sz="1600" b="1" dirty="0">
+                <a:solidFill>
+                  <a:srgbClr val="005828"/>
+                </a:solidFill>
+                <a:latin typeface="Courier New" panose="02070309020205020404" pitchFamily="49" charset="0"/>
+                <a:cs typeface="Courier New" panose="02070309020205020404" pitchFamily="49" charset="0"/>
+              </a:rPr>
+              <a:t>: red; </a:t>
+            </a:r>
+            <a:r>
+              <a:rPr lang="en-GB" sz="1600" b="1" dirty="0" smtClean="0">
+                <a:solidFill>
+                  <a:srgbClr val="005828"/>
+                </a:solidFill>
+                <a:latin typeface="Courier New" panose="02070309020205020404" pitchFamily="49" charset="0"/>
+                <a:cs typeface="Courier New" panose="02070309020205020404" pitchFamily="49" charset="0"/>
+              </a:rPr>
+              <a:t>}</a:t>
+            </a:r>
+            <a:r>
+              <a:rPr lang="sr-Latn-RS" sz="1600" b="1" dirty="0" smtClean="0">
+                <a:solidFill>
+                  <a:srgbClr val="005828"/>
+                </a:solidFill>
+                <a:latin typeface="Courier New" panose="02070309020205020404" pitchFamily="49" charset="0"/>
+                <a:cs typeface="Courier New" panose="02070309020205020404" pitchFamily="49" charset="0"/>
+              </a:rPr>
+              <a:t/>
+            </a:r>
+            <a:br>
+              <a:rPr lang="sr-Latn-RS" sz="1600" b="1" dirty="0" smtClean="0">
+                <a:solidFill>
+                  <a:srgbClr val="005828"/>
+                </a:solidFill>
+                <a:latin typeface="Courier New" panose="02070309020205020404" pitchFamily="49" charset="0"/>
+                <a:cs typeface="Courier New" panose="02070309020205020404" pitchFamily="49" charset="0"/>
+              </a:rPr>
+            </a:br>
+            <a:r>
+              <a:rPr lang="en-GB" sz="1600" b="1" dirty="0" smtClean="0">
+                <a:solidFill>
+                  <a:srgbClr val="005828"/>
+                </a:solidFill>
+                <a:latin typeface="Courier New" panose="02070309020205020404" pitchFamily="49" charset="0"/>
+                <a:cs typeface="Courier New" panose="02070309020205020404" pitchFamily="49" charset="0"/>
+              </a:rPr>
+              <a:t>h1 </a:t>
+            </a:r>
+            <a:r>
+              <a:rPr lang="en-GB" sz="1600" b="1" dirty="0">
+                <a:solidFill>
+                  <a:srgbClr val="005828"/>
+                </a:solidFill>
+                <a:latin typeface="Courier New" panose="02070309020205020404" pitchFamily="49" charset="0"/>
+                <a:cs typeface="Courier New" panose="02070309020205020404" pitchFamily="49" charset="0"/>
+              </a:rPr>
+              <a:t>{ font-family: Arial; margin: 20px; }</a:t>
+            </a:r>
           </a:p>
           <a:p>
             <a:pPr lvl="0">
@@ -3915,18 +7412,244 @@
               </a:spcBef>
             </a:pPr>
             <a:r>
-              <a:rPr lang="en-GB" dirty="0"/>
-              <a:t>header, main, footer, aside, article, section, </a:t>
-            </a:r>
-            <a:r>
               <a:rPr lang="en-GB" dirty="0" err="1"/>
-              <a:t>nav</a:t>
-            </a:r>
-            <a:r>
-              <a:rPr lang="en-GB" dirty="0"/>
-              <a:t>, </a:t>
-            </a:r>
-            <a:endParaRPr lang="en-US" dirty="0"/>
+              <a:t>Beline</a:t>
+            </a:r>
+            <a:r>
+              <a:rPr lang="en-GB" dirty="0"/>
+              <a:t> </a:t>
+            </a:r>
+            <a:r>
+              <a:rPr lang="en-GB" dirty="0" err="1"/>
+              <a:t>nemaju</a:t>
+            </a:r>
+            <a:r>
+              <a:rPr lang="en-GB" dirty="0"/>
+              <a:t> </a:t>
+            </a:r>
+            <a:r>
+              <a:rPr lang="en-GB" dirty="0" err="1"/>
+              <a:t>uticaja</a:t>
+            </a:r>
+            <a:r>
+              <a:rPr lang="en-GB" dirty="0"/>
+              <a:t>; </a:t>
+            </a:r>
+            <a:r>
+              <a:rPr lang="en-GB" dirty="0" err="1"/>
+              <a:t>stilski</a:t>
+            </a:r>
+            <a:r>
+              <a:rPr lang="en-GB" dirty="0"/>
+              <a:t> list </a:t>
+            </a:r>
+            <a:r>
+              <a:rPr lang="en-GB" dirty="0" smtClean="0"/>
+              <a:t>se</a:t>
+            </a:r>
+            <a:r>
+              <a:rPr lang="sr-Latn-RS" dirty="0" smtClean="0"/>
+              <a:t> č</a:t>
+            </a:r>
+            <a:r>
+              <a:rPr lang="en-GB" dirty="0" err="1" smtClean="0"/>
+              <a:t>esto</a:t>
+            </a:r>
+            <a:r>
+              <a:rPr lang="en-GB" dirty="0" smtClean="0"/>
+              <a:t> </a:t>
+            </a:r>
+            <a:r>
+              <a:rPr lang="en-GB" dirty="0" err="1"/>
+              <a:t>nazubljuje</a:t>
+            </a:r>
+            <a:r>
+              <a:rPr lang="en-GB" dirty="0"/>
+              <a:t> </a:t>
+            </a:r>
+            <a:r>
+              <a:rPr lang="en-GB" dirty="0" err="1"/>
+              <a:t>radi</a:t>
+            </a:r>
+            <a:r>
+              <a:rPr lang="en-GB" dirty="0"/>
+              <a:t> </a:t>
+            </a:r>
+            <a:r>
+              <a:rPr lang="en-GB" dirty="0" err="1" smtClean="0"/>
+              <a:t>preglednosti</a:t>
+            </a:r>
+            <a:r>
+              <a:rPr lang="sr-Latn-RS" dirty="0" smtClean="0"/>
+              <a:t/>
+            </a:r>
+            <a:br>
+              <a:rPr lang="sr-Latn-RS" dirty="0" smtClean="0"/>
+            </a:br>
+            <a:r>
+              <a:rPr lang="en-GB" sz="1600" b="1" dirty="0">
+                <a:solidFill>
+                  <a:srgbClr val="005828"/>
+                </a:solidFill>
+                <a:latin typeface="Courier New" panose="02070309020205020404" pitchFamily="49" charset="0"/>
+                <a:cs typeface="Courier New" panose="02070309020205020404" pitchFamily="49" charset="0"/>
+              </a:rPr>
+              <a:t>h1 {</a:t>
+            </a:r>
+            <a:r>
+              <a:rPr lang="sr-Latn-RS" sz="1600" b="1" dirty="0">
+                <a:solidFill>
+                  <a:srgbClr val="005828"/>
+                </a:solidFill>
+                <a:latin typeface="Courier New" panose="02070309020205020404" pitchFamily="49" charset="0"/>
+                <a:cs typeface="Courier New" panose="02070309020205020404" pitchFamily="49" charset="0"/>
+              </a:rPr>
+              <a:t/>
+            </a:r>
+            <a:br>
+              <a:rPr lang="sr-Latn-RS" sz="1600" b="1" dirty="0">
+                <a:solidFill>
+                  <a:srgbClr val="005828"/>
+                </a:solidFill>
+                <a:latin typeface="Courier New" panose="02070309020205020404" pitchFamily="49" charset="0"/>
+                <a:cs typeface="Courier New" panose="02070309020205020404" pitchFamily="49" charset="0"/>
+              </a:rPr>
+            </a:br>
+            <a:r>
+              <a:rPr lang="sr-Latn-RS" sz="1600" b="1" dirty="0" smtClean="0">
+                <a:solidFill>
+                  <a:srgbClr val="005828"/>
+                </a:solidFill>
+                <a:latin typeface="Courier New" panose="02070309020205020404" pitchFamily="49" charset="0"/>
+                <a:cs typeface="Courier New" panose="02070309020205020404" pitchFamily="49" charset="0"/>
+              </a:rPr>
+              <a:t>  </a:t>
+            </a:r>
+            <a:r>
+              <a:rPr lang="en-GB" sz="1600" b="1" dirty="0" smtClean="0">
+                <a:solidFill>
+                  <a:srgbClr val="005828"/>
+                </a:solidFill>
+                <a:latin typeface="Courier New" panose="02070309020205020404" pitchFamily="49" charset="0"/>
+                <a:cs typeface="Courier New" panose="02070309020205020404" pitchFamily="49" charset="0"/>
+              </a:rPr>
+              <a:t>font-family</a:t>
+            </a:r>
+            <a:r>
+              <a:rPr lang="en-GB" sz="1600" b="1" dirty="0">
+                <a:solidFill>
+                  <a:srgbClr val="005828"/>
+                </a:solidFill>
+                <a:latin typeface="Courier New" panose="02070309020205020404" pitchFamily="49" charset="0"/>
+                <a:cs typeface="Courier New" panose="02070309020205020404" pitchFamily="49" charset="0"/>
+              </a:rPr>
+              <a:t>: Arial</a:t>
+            </a:r>
+            <a:r>
+              <a:rPr lang="en-GB" sz="1600" b="1" dirty="0">
+                <a:solidFill>
+                  <a:srgbClr val="005828"/>
+                </a:solidFill>
+                <a:latin typeface="Courier New" panose="02070309020205020404" pitchFamily="49" charset="0"/>
+                <a:cs typeface="Courier New" panose="02070309020205020404" pitchFamily="49" charset="0"/>
+              </a:rPr>
+              <a:t>;</a:t>
+            </a:r>
+            <a:r>
+              <a:rPr lang="sr-Latn-RS" sz="1600" b="1" dirty="0">
+                <a:solidFill>
+                  <a:srgbClr val="005828"/>
+                </a:solidFill>
+                <a:latin typeface="Courier New" panose="02070309020205020404" pitchFamily="49" charset="0"/>
+                <a:cs typeface="Courier New" panose="02070309020205020404" pitchFamily="49" charset="0"/>
+              </a:rPr>
+              <a:t/>
+            </a:r>
+            <a:br>
+              <a:rPr lang="sr-Latn-RS" sz="1600" b="1" dirty="0">
+                <a:solidFill>
+                  <a:srgbClr val="005828"/>
+                </a:solidFill>
+                <a:latin typeface="Courier New" panose="02070309020205020404" pitchFamily="49" charset="0"/>
+                <a:cs typeface="Courier New" panose="02070309020205020404" pitchFamily="49" charset="0"/>
+              </a:rPr>
+            </a:br>
+            <a:r>
+              <a:rPr lang="sr-Latn-RS" sz="1600" b="1" dirty="0" smtClean="0">
+                <a:solidFill>
+                  <a:srgbClr val="005828"/>
+                </a:solidFill>
+                <a:latin typeface="Courier New" panose="02070309020205020404" pitchFamily="49" charset="0"/>
+                <a:cs typeface="Courier New" panose="02070309020205020404" pitchFamily="49" charset="0"/>
+              </a:rPr>
+              <a:t>  </a:t>
+            </a:r>
+            <a:r>
+              <a:rPr lang="en-GB" sz="1600" b="1" dirty="0" smtClean="0">
+                <a:solidFill>
+                  <a:srgbClr val="005828"/>
+                </a:solidFill>
+                <a:latin typeface="Courier New" panose="02070309020205020404" pitchFamily="49" charset="0"/>
+                <a:cs typeface="Courier New" panose="02070309020205020404" pitchFamily="49" charset="0"/>
+              </a:rPr>
+              <a:t>margin</a:t>
+            </a:r>
+            <a:r>
+              <a:rPr lang="en-GB" sz="1600" b="1" dirty="0">
+                <a:solidFill>
+                  <a:srgbClr val="005828"/>
+                </a:solidFill>
+                <a:latin typeface="Courier New" panose="02070309020205020404" pitchFamily="49" charset="0"/>
+                <a:cs typeface="Courier New" panose="02070309020205020404" pitchFamily="49" charset="0"/>
+              </a:rPr>
+              <a:t>: 20px</a:t>
+            </a:r>
+            <a:r>
+              <a:rPr lang="en-GB" sz="1600" b="1" dirty="0">
+                <a:solidFill>
+                  <a:srgbClr val="005828"/>
+                </a:solidFill>
+                <a:latin typeface="Courier New" panose="02070309020205020404" pitchFamily="49" charset="0"/>
+                <a:cs typeface="Courier New" panose="02070309020205020404" pitchFamily="49" charset="0"/>
+              </a:rPr>
+              <a:t>;</a:t>
+            </a:r>
+            <a:r>
+              <a:rPr lang="sr-Latn-RS" sz="1600" b="1" dirty="0">
+                <a:solidFill>
+                  <a:srgbClr val="005828"/>
+                </a:solidFill>
+                <a:latin typeface="Courier New" panose="02070309020205020404" pitchFamily="49" charset="0"/>
+                <a:cs typeface="Courier New" panose="02070309020205020404" pitchFamily="49" charset="0"/>
+              </a:rPr>
+              <a:t/>
+            </a:r>
+            <a:br>
+              <a:rPr lang="sr-Latn-RS" sz="1600" b="1" dirty="0">
+                <a:solidFill>
+                  <a:srgbClr val="005828"/>
+                </a:solidFill>
+                <a:latin typeface="Courier New" panose="02070309020205020404" pitchFamily="49" charset="0"/>
+                <a:cs typeface="Courier New" panose="02070309020205020404" pitchFamily="49" charset="0"/>
+              </a:rPr>
+            </a:br>
+            <a:r>
+              <a:rPr lang="en-GB" sz="1600" b="1" dirty="0">
+                <a:solidFill>
+                  <a:srgbClr val="005828"/>
+                </a:solidFill>
+                <a:latin typeface="Courier New" panose="02070309020205020404" pitchFamily="49" charset="0"/>
+                <a:cs typeface="Courier New" panose="02070309020205020404" pitchFamily="49" charset="0"/>
+              </a:rPr>
+              <a:t>}</a:t>
+            </a:r>
+            <a:endParaRPr lang="sr-Latn-RS" sz="1600" b="1" dirty="0">
+              <a:solidFill>
+                <a:srgbClr val="005828"/>
+              </a:solidFill>
+              <a:latin typeface="Courier New" panose="02070309020205020404" pitchFamily="49" charset="0"/>
+              <a:cs typeface="Courier New" panose="02070309020205020404" pitchFamily="49" charset="0"/>
+            </a:endParaRPr>
           </a:p>
           <a:p>
             <a:pPr lvl="0">
@@ -3935,26 +7658,231 @@
               </a:spcBef>
             </a:pPr>
             <a:r>
-              <a:rPr lang="en-GB" dirty="0"/>
-              <a:t>p, h1-h6, </a:t>
-            </a:r>
-            <a:r>
-              <a:rPr lang="en-GB" dirty="0" err="1"/>
-              <a:t>em</a:t>
-            </a:r>
-            <a:r>
-              <a:rPr lang="en-GB" dirty="0"/>
-              <a:t>, strong, small, b, </a:t>
-            </a:r>
-            <a:r>
-              <a:rPr lang="en-GB" dirty="0" err="1"/>
-              <a:t>i</a:t>
-            </a:r>
-            <a:r>
-              <a:rPr lang="en-GB" dirty="0"/>
-              <a:t>, u, sub, sup, </a:t>
-            </a:r>
-            <a:endParaRPr lang="en-US" dirty="0"/>
+              <a:rPr lang="en-GB" dirty="0" err="1">
+                <a:solidFill>
+                  <a:srgbClr val="000000"/>
+                </a:solidFill>
+              </a:rPr>
+              <a:t>Svako</a:t>
+            </a:r>
+            <a:r>
+              <a:rPr lang="en-GB" dirty="0">
+                <a:solidFill>
+                  <a:srgbClr val="000000"/>
+                </a:solidFill>
+              </a:rPr>
+              <a:t> </a:t>
+            </a:r>
+            <a:r>
+              <a:rPr lang="en-GB" dirty="0" err="1">
+                <a:solidFill>
+                  <a:srgbClr val="0070C0"/>
+                </a:solidFill>
+              </a:rPr>
+              <a:t>pravilo</a:t>
+            </a:r>
+            <a:r>
+              <a:rPr lang="en-GB" dirty="0">
+                <a:solidFill>
+                  <a:srgbClr val="0070C0"/>
+                </a:solidFill>
+              </a:rPr>
+              <a:t> </a:t>
+            </a:r>
+            <a:r>
+              <a:rPr lang="en-GB" dirty="0">
+                <a:solidFill>
+                  <a:srgbClr val="000000"/>
+                </a:solidFill>
+              </a:rPr>
+              <a:t>je </a:t>
+            </a:r>
+            <a:r>
+              <a:rPr lang="en-GB" dirty="0" err="1" smtClean="0">
+                <a:solidFill>
+                  <a:srgbClr val="000000"/>
+                </a:solidFill>
+              </a:rPr>
+              <a:t>oblika</a:t>
+            </a:r>
+            <a:r>
+              <a:rPr lang="en-GB" dirty="0" smtClean="0">
+                <a:solidFill>
+                  <a:srgbClr val="000000"/>
+                </a:solidFill>
+              </a:rPr>
+              <a:t>:</a:t>
+            </a:r>
+            <a:r>
+              <a:rPr lang="sr-Latn-RS" dirty="0" smtClean="0">
+                <a:solidFill>
+                  <a:srgbClr val="000000"/>
+                </a:solidFill>
+              </a:rPr>
+              <a:t> </a:t>
+            </a:r>
+            <a:r>
+              <a:rPr lang="en-US" dirty="0" smtClean="0">
+                <a:solidFill>
+                  <a:srgbClr val="000000"/>
+                </a:solidFill>
+              </a:rPr>
+              <a:t/>
+            </a:r>
+            <a:br>
+              <a:rPr lang="en-US" dirty="0" smtClean="0">
+                <a:solidFill>
+                  <a:srgbClr val="000000"/>
+                </a:solidFill>
+              </a:rPr>
+            </a:br>
+            <a:r>
+              <a:rPr lang="en-GB" sz="1600" b="1" dirty="0" err="1" smtClean="0">
+                <a:solidFill>
+                  <a:srgbClr val="005828"/>
+                </a:solidFill>
+                <a:latin typeface="Courier New" panose="02070309020205020404" pitchFamily="49" charset="0"/>
+                <a:cs typeface="Courier New" panose="02070309020205020404" pitchFamily="49" charset="0"/>
+              </a:rPr>
+              <a:t>selektor</a:t>
+            </a:r>
+            <a:r>
+              <a:rPr lang="en-GB" sz="1600" b="1" dirty="0" smtClean="0">
+                <a:solidFill>
+                  <a:srgbClr val="005828"/>
+                </a:solidFill>
+                <a:latin typeface="Courier New" panose="02070309020205020404" pitchFamily="49" charset="0"/>
+                <a:cs typeface="Courier New" panose="02070309020205020404" pitchFamily="49" charset="0"/>
+              </a:rPr>
+              <a:t> </a:t>
+            </a:r>
+            <a:r>
+              <a:rPr lang="en-GB" sz="1600" b="1" dirty="0">
+                <a:solidFill>
+                  <a:srgbClr val="005828"/>
+                </a:solidFill>
+                <a:latin typeface="Courier New" panose="02070309020205020404" pitchFamily="49" charset="0"/>
+                <a:cs typeface="Courier New" panose="02070309020205020404" pitchFamily="49" charset="0"/>
+              </a:rPr>
+              <a:t>{</a:t>
+            </a:r>
+            <a:r>
+              <a:rPr lang="en-GB" sz="1600" b="1" dirty="0" err="1">
+                <a:solidFill>
+                  <a:srgbClr val="005828"/>
+                </a:solidFill>
+                <a:latin typeface="Courier New" panose="02070309020205020404" pitchFamily="49" charset="0"/>
+                <a:cs typeface="Courier New" panose="02070309020205020404" pitchFamily="49" charset="0"/>
+              </a:rPr>
+              <a:t>niz</a:t>
+            </a:r>
+            <a:r>
+              <a:rPr lang="en-GB" sz="1600" b="1" dirty="0">
+                <a:solidFill>
+                  <a:srgbClr val="005828"/>
+                </a:solidFill>
+                <a:latin typeface="Courier New" panose="02070309020205020404" pitchFamily="49" charset="0"/>
+                <a:cs typeface="Courier New" panose="02070309020205020404" pitchFamily="49" charset="0"/>
+              </a:rPr>
+              <a:t> </a:t>
+            </a:r>
+            <a:r>
+              <a:rPr lang="en-GB" sz="1600" b="1" dirty="0" err="1">
+                <a:solidFill>
+                  <a:srgbClr val="005828"/>
+                </a:solidFill>
+                <a:latin typeface="Courier New" panose="02070309020205020404" pitchFamily="49" charset="0"/>
+                <a:cs typeface="Courier New" panose="02070309020205020404" pitchFamily="49" charset="0"/>
+              </a:rPr>
+              <a:t>deklaracija</a:t>
+            </a:r>
+            <a:r>
+              <a:rPr lang="en-GB" sz="1600" b="1" dirty="0">
+                <a:solidFill>
+                  <a:srgbClr val="005828"/>
+                </a:solidFill>
+                <a:latin typeface="Courier New" panose="02070309020205020404" pitchFamily="49" charset="0"/>
+                <a:cs typeface="Courier New" panose="02070309020205020404" pitchFamily="49" charset="0"/>
+              </a:rPr>
+              <a:t> </a:t>
+            </a:r>
+            <a:r>
+              <a:rPr lang="en-GB" sz="1600" b="1" dirty="0" err="1">
+                <a:solidFill>
+                  <a:srgbClr val="005828"/>
+                </a:solidFill>
+                <a:latin typeface="Courier New" panose="02070309020205020404" pitchFamily="49" charset="0"/>
+                <a:cs typeface="Courier New" panose="02070309020205020404" pitchFamily="49" charset="0"/>
+              </a:rPr>
+              <a:t>meusobno</a:t>
+            </a:r>
+            <a:r>
+              <a:rPr lang="en-GB" sz="1600" b="1" dirty="0">
+                <a:solidFill>
+                  <a:srgbClr val="005828"/>
+                </a:solidFill>
+                <a:latin typeface="Courier New" panose="02070309020205020404" pitchFamily="49" charset="0"/>
+                <a:cs typeface="Courier New" panose="02070309020205020404" pitchFamily="49" charset="0"/>
+              </a:rPr>
+              <a:t> </a:t>
+            </a:r>
+            <a:r>
+              <a:rPr lang="en-GB" sz="1600" b="1" dirty="0" err="1">
+                <a:solidFill>
+                  <a:srgbClr val="005828"/>
+                </a:solidFill>
+                <a:latin typeface="Courier New" panose="02070309020205020404" pitchFamily="49" charset="0"/>
+                <a:cs typeface="Courier New" panose="02070309020205020404" pitchFamily="49" charset="0"/>
+              </a:rPr>
+              <a:t>razdvojenih</a:t>
+            </a:r>
+            <a:r>
+              <a:rPr lang="en-GB" sz="1600" b="1" dirty="0">
+                <a:solidFill>
+                  <a:srgbClr val="005828"/>
+                </a:solidFill>
+                <a:latin typeface="Courier New" panose="02070309020205020404" pitchFamily="49" charset="0"/>
+                <a:cs typeface="Courier New" panose="02070309020205020404" pitchFamily="49" charset="0"/>
+              </a:rPr>
+              <a:t> </a:t>
+            </a:r>
+            <a:r>
+              <a:rPr lang="en-GB" sz="1600" b="1" dirty="0" err="1">
+                <a:solidFill>
+                  <a:srgbClr val="005828"/>
+                </a:solidFill>
+                <a:latin typeface="Courier New" panose="02070309020205020404" pitchFamily="49" charset="0"/>
+                <a:cs typeface="Courier New" panose="02070309020205020404" pitchFamily="49" charset="0"/>
+              </a:rPr>
+              <a:t>znakom</a:t>
+            </a:r>
+            <a:r>
+              <a:rPr lang="en-GB" sz="1600" b="1" dirty="0">
+                <a:solidFill>
+                  <a:srgbClr val="005828"/>
+                </a:solidFill>
+                <a:latin typeface="Courier New" panose="02070309020205020404" pitchFamily="49" charset="0"/>
+                <a:cs typeface="Courier New" panose="02070309020205020404" pitchFamily="49" charset="0"/>
+              </a:rPr>
+              <a:t> ';' </a:t>
+            </a:r>
+            <a:r>
+              <a:rPr lang="en-GB" sz="1600" b="1" dirty="0">
+                <a:solidFill>
+                  <a:srgbClr val="005828"/>
+                </a:solidFill>
+                <a:latin typeface="Courier New" panose="02070309020205020404" pitchFamily="49" charset="0"/>
+                <a:cs typeface="Courier New" panose="02070309020205020404" pitchFamily="49" charset="0"/>
+              </a:rPr>
+              <a:t>}</a:t>
+            </a:r>
+            <a:endParaRPr lang="en-GB" sz="1600" b="1" dirty="0">
+              <a:solidFill>
+                <a:srgbClr val="005828"/>
+              </a:solidFill>
+              <a:latin typeface="Courier New" panose="02070309020205020404" pitchFamily="49" charset="0"/>
+              <a:cs typeface="Courier New" panose="02070309020205020404" pitchFamily="49" charset="0"/>
+            </a:endParaRPr>
           </a:p>
           <a:p>
             <a:pPr lvl="0">
@@ -3963,144 +7891,105 @@
               </a:spcBef>
             </a:pPr>
             <a:r>
-              <a:rPr lang="en-GB" dirty="0"/>
-              <a:t>address, </a:t>
-            </a:r>
-            <a:r>
-              <a:rPr lang="en-GB" dirty="0" err="1"/>
-              <a:t>blockquote</a:t>
-            </a:r>
-            <a:r>
-              <a:rPr lang="en-GB" dirty="0"/>
-              <a:t>, q, cite, pre, code, </a:t>
-            </a:r>
-            <a:endParaRPr lang="en-US" dirty="0"/>
-          </a:p>
-          <a:p>
-            <a:pPr lvl="0">
-              <a:spcBef>
-                <a:spcPts val="1200"/>
-              </a:spcBef>
-            </a:pPr>
-            <a:r>
-              <a:rPr lang="en-GB" dirty="0" err="1"/>
-              <a:t>ul</a:t>
-            </a:r>
-            <a:r>
-              <a:rPr lang="en-GB" dirty="0"/>
-              <a:t>, </a:t>
-            </a:r>
-            <a:r>
-              <a:rPr lang="en-GB" dirty="0" err="1"/>
-              <a:t>ol</a:t>
-            </a:r>
-            <a:r>
-              <a:rPr lang="en-GB" dirty="0"/>
-              <a:t>, li, dl, </a:t>
-            </a:r>
-            <a:r>
-              <a:rPr lang="en-GB" dirty="0" err="1"/>
-              <a:t>dd</a:t>
-            </a:r>
-            <a:r>
-              <a:rPr lang="en-GB" dirty="0"/>
-              <a:t>, </a:t>
-            </a:r>
-            <a:r>
-              <a:rPr lang="en-GB" dirty="0" err="1"/>
-              <a:t>dt</a:t>
-            </a:r>
-            <a:r>
-              <a:rPr lang="en-GB" dirty="0"/>
-              <a:t>, </a:t>
-            </a:r>
-            <a:endParaRPr lang="en-US" dirty="0"/>
-          </a:p>
-          <a:p>
-            <a:pPr lvl="0">
-              <a:spcBef>
-                <a:spcPts val="1200"/>
-              </a:spcBef>
-            </a:pPr>
-            <a:r>
-              <a:rPr lang="en-GB" dirty="0" err="1"/>
-              <a:t>img</a:t>
-            </a:r>
-            <a:r>
-              <a:rPr lang="en-GB" dirty="0"/>
-              <a:t>, audio, video, iframe, </a:t>
-            </a:r>
-            <a:endParaRPr lang="en-US" dirty="0"/>
-          </a:p>
-          <a:p>
-            <a:pPr lvl="0">
-              <a:spcBef>
-                <a:spcPts val="1200"/>
-              </a:spcBef>
-            </a:pPr>
-            <a:r>
-              <a:rPr lang="en-GB" dirty="0"/>
-              <a:t>table, </a:t>
-            </a:r>
-            <a:r>
-              <a:rPr lang="en-GB" dirty="0" err="1"/>
-              <a:t>tr</a:t>
-            </a:r>
-            <a:r>
-              <a:rPr lang="en-GB" dirty="0"/>
-              <a:t>, td, </a:t>
-            </a:r>
-            <a:r>
-              <a:rPr lang="en-GB" dirty="0" err="1"/>
-              <a:t>th</a:t>
-            </a:r>
-            <a:r>
-              <a:rPr lang="en-GB" dirty="0"/>
-              <a:t>, caption, </a:t>
-            </a:r>
-            <a:endParaRPr lang="en-US" dirty="0"/>
-          </a:p>
-          <a:p>
-            <a:pPr lvl="0">
-              <a:spcBef>
-                <a:spcPts val="1200"/>
-              </a:spcBef>
-            </a:pPr>
-            <a:r>
-              <a:rPr lang="en-GB" dirty="0"/>
-              <a:t>input, select, option, </a:t>
-            </a:r>
-            <a:r>
-              <a:rPr lang="en-GB" dirty="0" err="1"/>
-              <a:t>textarea</a:t>
-            </a:r>
-            <a:r>
-              <a:rPr lang="en-GB" dirty="0"/>
-              <a:t>, label, </a:t>
-            </a:r>
-            <a:endParaRPr lang="en-US" dirty="0"/>
-          </a:p>
-          <a:p>
-            <a:pPr lvl="0">
-              <a:spcBef>
-                <a:spcPts val="1200"/>
-              </a:spcBef>
-            </a:pPr>
-            <a:r>
-              <a:rPr lang="en-GB" dirty="0"/>
-              <a:t>div, span</a:t>
-            </a:r>
-            <a:endParaRPr lang="en-US" dirty="0"/>
-          </a:p>
-          <a:p>
-            <a:endParaRPr lang="en-US" altLang="en-US" dirty="0" smtClean="0"/>
-          </a:p>
-          <a:p>
-            <a:pPr marL="0" indent="0">
-              <a:buFont typeface="Wingdings" pitchFamily="2" charset="2"/>
-              <a:buNone/>
-            </a:pPr>
-            <a:endParaRPr lang="sr-Cyrl-RS" altLang="en-US" sz="1200" dirty="0" smtClean="0"/>
+              <a:rPr lang="en-GB" dirty="0" err="1">
+                <a:solidFill>
+                  <a:srgbClr val="000000"/>
+                </a:solidFill>
+              </a:rPr>
+              <a:t>Svaka</a:t>
+            </a:r>
+            <a:r>
+              <a:rPr lang="en-GB" dirty="0">
+                <a:solidFill>
+                  <a:srgbClr val="000000"/>
+                </a:solidFill>
+              </a:rPr>
+              <a:t> </a:t>
+            </a:r>
+            <a:r>
+              <a:rPr lang="en-GB" dirty="0" err="1">
+                <a:solidFill>
+                  <a:srgbClr val="0070C0"/>
+                </a:solidFill>
+              </a:rPr>
+              <a:t>deklaracija</a:t>
+            </a:r>
+            <a:r>
+              <a:rPr lang="en-GB" dirty="0">
+                <a:solidFill>
+                  <a:srgbClr val="0070C0"/>
+                </a:solidFill>
+              </a:rPr>
+              <a:t> </a:t>
+            </a:r>
+            <a:r>
+              <a:rPr lang="en-GB" dirty="0">
+                <a:solidFill>
+                  <a:srgbClr val="000000"/>
+                </a:solidFill>
+              </a:rPr>
+              <a:t>je </a:t>
+            </a:r>
+            <a:r>
+              <a:rPr lang="en-GB" dirty="0" err="1" smtClean="0">
+                <a:solidFill>
+                  <a:srgbClr val="000000"/>
+                </a:solidFill>
+              </a:rPr>
+              <a:t>oblika</a:t>
+            </a:r>
+            <a:r>
+              <a:rPr lang="en-GB" dirty="0" smtClean="0">
+                <a:solidFill>
+                  <a:srgbClr val="000000"/>
+                </a:solidFill>
+              </a:rPr>
+              <a:t>:</a:t>
+            </a:r>
+            <a:br>
+              <a:rPr lang="en-GB" dirty="0" smtClean="0">
+                <a:solidFill>
+                  <a:srgbClr val="000000"/>
+                </a:solidFill>
+              </a:rPr>
+            </a:br>
+            <a:r>
+              <a:rPr lang="en-GB" sz="1600" b="1" dirty="0" err="1">
+                <a:solidFill>
+                  <a:srgbClr val="005828"/>
+                </a:solidFill>
+                <a:latin typeface="Courier New" panose="02070309020205020404" pitchFamily="49" charset="0"/>
+                <a:cs typeface="Courier New" panose="02070309020205020404" pitchFamily="49" charset="0"/>
+              </a:rPr>
+              <a:t>svojstvo</a:t>
+            </a:r>
+            <a:r>
+              <a:rPr lang="en-GB" sz="1600" b="1" dirty="0">
+                <a:solidFill>
+                  <a:srgbClr val="005828"/>
+                </a:solidFill>
+                <a:latin typeface="Courier New" panose="02070309020205020404" pitchFamily="49" charset="0"/>
+                <a:cs typeface="Courier New" panose="02070309020205020404" pitchFamily="49" charset="0"/>
+              </a:rPr>
+              <a:t>: </a:t>
+            </a:r>
+            <a:r>
+              <a:rPr lang="en-GB" sz="1600" b="1" dirty="0" err="1">
+                <a:solidFill>
+                  <a:srgbClr val="005828"/>
+                </a:solidFill>
+                <a:latin typeface="Courier New" panose="02070309020205020404" pitchFamily="49" charset="0"/>
+                <a:cs typeface="Courier New" panose="02070309020205020404" pitchFamily="49" charset="0"/>
+              </a:rPr>
+              <a:t>vrednost</a:t>
+            </a:r>
+            <a:endParaRPr lang="sr-Cyrl-RS" altLang="en-US" sz="1600" b="1" dirty="0">
+              <a:solidFill>
+                <a:srgbClr val="005828"/>
+              </a:solidFill>
+              <a:latin typeface="Courier New" panose="02070309020205020404" pitchFamily="49" charset="0"/>
+              <a:cs typeface="Courier New" panose="02070309020205020404" pitchFamily="49" charset="0"/>
+            </a:endParaRPr>
           </a:p>
           <a:p>
             <a:pPr marL="0" indent="0">
@@ -4121,7 +8010,7 @@
     </p:spTree>
     <p:extLst>
       <p:ext uri="{BB962C8B-B14F-4D97-AF65-F5344CB8AC3E}">
-        <p14:creationId xmlns:p14="http://schemas.microsoft.com/office/powerpoint/2010/main" val="1117357224"/>
+        <p14:creationId xmlns:p14="http://schemas.microsoft.com/office/powerpoint/2010/main" val="2657959629"/>
       </p:ext>
     </p:extLst>
   </p:cSld>
@@ -4171,18 +8060,46 @@
           <a:lstStyle/>
           <a:p>
             <a:r>
-              <a:rPr lang="sr-Latn-RS" altLang="en-US" dirty="0" smtClean="0">
-                <a:solidFill>
-                  <a:srgbClr val="002060"/>
-                </a:solidFill>
-              </a:rPr>
-              <a:t>Zahvalnica</a:t>
-            </a:r>
-            <a:endParaRPr lang="en-GB" altLang="en-US" dirty="0" smtClean="0">
-              <a:solidFill>
-                <a:srgbClr val="002060"/>
-              </a:solidFill>
-            </a:endParaRPr>
+              <a:rPr lang="fi-FI" dirty="0" smtClean="0"/>
+              <a:t>Op</a:t>
+            </a:r>
+            <a:r>
+              <a:rPr lang="sr-Latn-RS" dirty="0"/>
+              <a:t>š</a:t>
+            </a:r>
+            <a:r>
+              <a:rPr lang="fi-FI" dirty="0" err="1" smtClean="0"/>
+              <a:t>ta</a:t>
+            </a:r>
+            <a:r>
+              <a:rPr lang="fi-FI" dirty="0" smtClean="0"/>
+              <a:t> </a:t>
+            </a:r>
+            <a:r>
+              <a:rPr lang="fi-FI" dirty="0" err="1"/>
+              <a:t>sintaksa</a:t>
+            </a:r>
+            <a:r>
+              <a:rPr lang="fi-FI" dirty="0"/>
+              <a:t> </a:t>
+            </a:r>
+            <a:r>
+              <a:rPr lang="fi-FI" dirty="0" err="1"/>
+              <a:t>stilskih</a:t>
+            </a:r>
+            <a:r>
+              <a:rPr lang="fi-FI" dirty="0"/>
+              <a:t> </a:t>
+            </a:r>
+            <a:r>
+              <a:rPr lang="fi-FI" dirty="0" err="1" smtClean="0"/>
+              <a:t>listova</a:t>
+            </a:r>
+            <a:r>
+              <a:rPr lang="fi-FI" dirty="0" smtClean="0"/>
+              <a:t> (2)</a:t>
+            </a:r>
+            <a:endParaRPr lang="sr-Latn-RS" dirty="0"/>
           </a:p>
         </p:txBody>
       </p:sp>
@@ -4206,172 +8123,615 @@
           <a:bodyPr/>
           <a:lstStyle/>
           <a:p>
-            <a:pPr marL="0" indent="0">
-              <a:buFont typeface="Wingdings" pitchFamily="2" charset="2"/>
-              <a:buNone/>
+            <a:pPr lvl="0">
+              <a:spcBef>
+                <a:spcPts val="1200"/>
+              </a:spcBef>
             </a:pPr>
             <a:r>
-              <a:rPr lang="sr-Latn-RS" altLang="en-US" dirty="0" smtClean="0"/>
-              <a:t>Delovi materijala ove prezentacije su preuzeti iz</a:t>
-            </a:r>
-            <a:r>
-              <a:rPr lang="sr-Cyrl-RS" altLang="en-US" dirty="0" smtClean="0"/>
-              <a:t>:</a:t>
-            </a:r>
-          </a:p>
-          <a:p>
-            <a:r>
-              <a:rPr lang="sr-Latn-RS" altLang="en-US" dirty="0" smtClean="0"/>
-              <a:t>Skripte iz predmeta Uvod u veb i internet tehnologije,</a:t>
-            </a:r>
-            <a:r>
-              <a:rPr lang="sr-Cyrl-RS" altLang="en-US" dirty="0" smtClean="0"/>
-              <a:t> </a:t>
-            </a:r>
-            <a:r>
-              <a:rPr lang="sr-Latn-RS" altLang="en-US" dirty="0" smtClean="0"/>
-              <a:t>na</a:t>
-            </a:r>
-            <a:r>
-              <a:rPr lang="sr-Cyrl-RS" altLang="en-US" dirty="0" smtClean="0"/>
-              <a:t> </a:t>
-            </a:r>
-            <a:r>
-              <a:rPr lang="sr-Latn-RS" altLang="en-US" dirty="0" smtClean="0"/>
-              <a:t>Matematičkom fakultetu Univeziteta u Beogradu</a:t>
-            </a:r>
-            <a:r>
-              <a:rPr lang="sr-Cyrl-RS" altLang="en-US" dirty="0" smtClean="0"/>
-              <a:t>, </a:t>
-            </a:r>
-            <a:r>
-              <a:rPr lang="sr-Latn-RS" altLang="en-US" dirty="0" smtClean="0"/>
-              <a:t>autor prof. dr Filip Marić</a:t>
-            </a:r>
-            <a:endParaRPr lang="sr-Cyrl-RS" altLang="en-US" dirty="0" smtClean="0"/>
-          </a:p>
-          <a:p>
-            <a:r>
-              <a:rPr lang="sr-Latn-RS" altLang="en-US" dirty="0" smtClean="0"/>
-              <a:t>Prezentacija iz predmeta </a:t>
-            </a:r>
-            <a:r>
-              <a:rPr lang="en-US" altLang="en-US" dirty="0"/>
-              <a:t>XML and </a:t>
-            </a:r>
-            <a:r>
-              <a:rPr lang="en-US" altLang="en-US" dirty="0" smtClean="0"/>
-              <a:t>Databases</a:t>
-            </a:r>
-            <a:r>
-              <a:rPr lang="sr-Latn-RS" altLang="en-US" dirty="0" smtClean="0"/>
-              <a:t> </a:t>
-            </a:r>
-            <a:r>
-              <a:rPr lang="en-US" altLang="en-US" dirty="0" smtClean="0"/>
+              <a:rPr lang="en-GB" dirty="0" err="1"/>
+              <a:t>Selektori</a:t>
+            </a:r>
+            <a:r>
+              <a:rPr lang="en-GB" dirty="0"/>
+              <a:t> </a:t>
+            </a:r>
+            <a:r>
+              <a:rPr lang="en-GB" dirty="0" err="1"/>
+              <a:t>mogu</a:t>
+            </a:r>
+            <a:r>
+              <a:rPr lang="en-GB" dirty="0"/>
+              <a:t> </a:t>
+            </a:r>
+            <a:r>
+              <a:rPr lang="en-GB" dirty="0" err="1"/>
+              <a:t>biti</a:t>
+            </a:r>
+            <a:r>
+              <a:rPr lang="en-GB" dirty="0"/>
+              <a:t> </a:t>
+            </a:r>
+            <a:r>
+              <a:rPr lang="en-GB" dirty="0" err="1" smtClean="0"/>
+              <a:t>slo</a:t>
+            </a:r>
+            <a:r>
+              <a:rPr lang="sr-Latn-RS" dirty="0"/>
+              <a:t>ž</a:t>
+            </a:r>
+            <a:r>
+              <a:rPr lang="en-GB" dirty="0" err="1" smtClean="0"/>
+              <a:t>eniji</a:t>
+            </a:r>
+            <a:r>
+              <a:rPr lang="en-GB" dirty="0" smtClean="0"/>
+              <a:t> </a:t>
+            </a:r>
+            <a:r>
+              <a:rPr lang="en-GB" dirty="0" err="1"/>
+              <a:t>nego</a:t>
+            </a:r>
+            <a:r>
+              <a:rPr lang="en-GB" dirty="0"/>
+              <a:t> </a:t>
+            </a:r>
+            <a:r>
+              <a:rPr lang="en-GB" dirty="0" err="1"/>
+              <a:t>samo</a:t>
+            </a:r>
+            <a:r>
+              <a:rPr lang="en-GB" dirty="0"/>
+              <a:t> </a:t>
+            </a:r>
+            <a:r>
+              <a:rPr lang="en-GB" dirty="0" err="1"/>
+              <a:t>navo</a:t>
+            </a:r>
+            <a:r>
+              <a:rPr lang="en-GB" dirty="0" smtClean="0"/>
+              <a:t></a:t>
+            </a:r>
+            <a:r>
+              <a:rPr lang="sr-Latn-RS" dirty="0" smtClean="0"/>
+              <a:t>đ</a:t>
+            </a:r>
+            <a:r>
+              <a:rPr lang="en-GB" dirty="0" err="1" smtClean="0"/>
+              <a:t>enje</a:t>
+            </a:r>
+            <a:r>
+              <a:rPr lang="en-GB" dirty="0" smtClean="0"/>
+              <a:t> </a:t>
+            </a:r>
+            <a:r>
+              <a:rPr lang="en-GB" dirty="0" err="1"/>
+              <a:t>imena</a:t>
+            </a:r>
+            <a:r>
+              <a:rPr lang="en-GB" dirty="0"/>
+              <a:t> </a:t>
+            </a:r>
+            <a:r>
+              <a:rPr lang="en-GB" dirty="0" err="1"/>
+              <a:t>elemenata</a:t>
+            </a:r>
+            <a:endParaRPr lang="en-GB" dirty="0"/>
+          </a:p>
+          <a:p>
+            <a:pPr lvl="0">
+              <a:spcBef>
+                <a:spcPts val="1200"/>
+              </a:spcBef>
+            </a:pPr>
+            <a:r>
+              <a:rPr lang="en-GB" dirty="0" smtClean="0"/>
+              <a:t>Vi</a:t>
+            </a:r>
+            <a:r>
+              <a:rPr lang="sr-Latn-RS" dirty="0"/>
+              <a:t>š</a:t>
+            </a:r>
+            <a:r>
+              <a:rPr lang="en-GB" dirty="0" smtClean="0"/>
+              <a:t>e </a:t>
+            </a:r>
+            <a:r>
+              <a:rPr lang="en-GB" dirty="0" err="1"/>
+              <a:t>selektora</a:t>
+            </a:r>
+            <a:r>
+              <a:rPr lang="en-GB" dirty="0"/>
+              <a:t> </a:t>
+            </a:r>
+            <a:r>
+              <a:rPr lang="en-GB" dirty="0" err="1" smtClean="0"/>
+              <a:t>mo</a:t>
+            </a:r>
+            <a:r>
+              <a:rPr lang="sr-Latn-RS" dirty="0"/>
+              <a:t>ž</a:t>
+            </a:r>
+            <a:r>
+              <a:rPr lang="en-GB" dirty="0" smtClean="0"/>
+              <a:t>e </a:t>
+            </a:r>
+            <a:r>
+              <a:rPr lang="en-GB" dirty="0"/>
+              <a:t>se </a:t>
+            </a:r>
+            <a:r>
+              <a:rPr lang="en-GB" dirty="0" err="1"/>
+              <a:t>navesti</a:t>
+            </a:r>
+            <a:r>
+              <a:rPr lang="en-GB" dirty="0"/>
+              <a:t> </a:t>
+            </a:r>
+            <a:r>
+              <a:rPr lang="en-GB" dirty="0" err="1"/>
+              <a:t>zajedno</a:t>
+            </a:r>
+            <a:r>
+              <a:rPr lang="en-GB" dirty="0"/>
+              <a:t> </a:t>
+            </a:r>
+            <a:r>
+              <a:rPr lang="en-GB" dirty="0" smtClean="0"/>
               <a:t>(</a:t>
             </a:r>
             <a:r>
-              <a:rPr lang="en-US" altLang="en-US" dirty="0"/>
-              <a:t>CS 345b</a:t>
-            </a:r>
-            <a:r>
-              <a:rPr lang="en-US" altLang="en-US" dirty="0" smtClean="0"/>
+              <a:rPr lang="sr-Latn-RS" dirty="0" smtClean="0"/>
+              <a:t>u tom slučaju, selektori se </a:t>
+            </a:r>
+            <a:r>
+              <a:rPr lang="en-GB" dirty="0" err="1" smtClean="0"/>
+              <a:t>razdvajaju</a:t>
+            </a:r>
+            <a:r>
+              <a:rPr lang="en-GB" dirty="0" smtClean="0"/>
+              <a:t> </a:t>
+            </a:r>
+            <a:r>
+              <a:rPr lang="en-GB" dirty="0" err="1"/>
+              <a:t>zapetama</a:t>
+            </a:r>
+            <a:r>
+              <a:rPr lang="en-GB" dirty="0"/>
               <a:t>)</a:t>
             </a:r>
             <a:r>
-              <a:rPr lang="sr-Latn-RS" altLang="en-US" dirty="0"/>
-              <a:t>, na Stanford Univerzitetu, autori dr Daniela Florescu i dr Donald Kossmann  </a:t>
-            </a:r>
-            <a:endParaRPr lang="sr-Latn-RS" altLang="en-US" dirty="0" smtClean="0"/>
-          </a:p>
-          <a:p>
-            <a:r>
-              <a:rPr lang="sr-Latn-RS" altLang="en-US" dirty="0" smtClean="0"/>
-              <a:t>Skripte </a:t>
-            </a:r>
-            <a:r>
-              <a:rPr lang="sr-Latn-RS" altLang="en-US" dirty="0"/>
-              <a:t>iz </a:t>
-            </a:r>
-            <a:r>
-              <a:rPr lang="sr-Latn-RS" altLang="en-US" dirty="0" smtClean="0"/>
-              <a:t>predmeta Informatika</a:t>
-            </a:r>
-            <a:r>
-              <a:rPr lang="sr-Cyrl-RS" altLang="en-US" dirty="0" smtClean="0"/>
-              <a:t> </a:t>
-            </a:r>
-            <a:r>
-              <a:rPr lang="sr-Latn-RS" altLang="en-US" dirty="0" smtClean="0"/>
-              <a:t>na Univerzitetu</a:t>
-            </a:r>
-            <a:r>
-              <a:rPr lang="sr-Cyrl-RS" altLang="en-US" dirty="0" smtClean="0"/>
-              <a:t> </a:t>
-            </a:r>
-            <a:r>
-              <a:rPr lang="en-US" altLang="en-US" dirty="0" smtClean="0"/>
-              <a:t>Milano Bicocca</a:t>
-            </a:r>
-            <a:r>
-              <a:rPr lang="sr-Cyrl-RS" altLang="en-US" dirty="0" smtClean="0"/>
-              <a:t>,</a:t>
-            </a:r>
-            <a:r>
-              <a:rPr lang="en-US" altLang="en-US" dirty="0" smtClean="0"/>
-              <a:t> </a:t>
-            </a:r>
-            <a:r>
-              <a:rPr lang="sr-Latn-RS" altLang="en-US" dirty="0" smtClean="0"/>
-              <a:t>autor dr</a:t>
-            </a:r>
-            <a:r>
-              <a:rPr lang="sr-Cyrl-RS" altLang="en-US" dirty="0" smtClean="0"/>
-              <a:t> </a:t>
-            </a:r>
-            <a:r>
-              <a:rPr lang="en-US" altLang="en-US" dirty="0"/>
-              <a:t>Mirko </a:t>
-            </a:r>
-            <a:r>
-              <a:rPr lang="en-US" altLang="en-US" dirty="0" err="1"/>
-              <a:t>Cesarini</a:t>
-            </a:r>
-            <a:r>
-              <a:rPr lang="sr-Cyrl-RS" altLang="en-US" dirty="0" smtClean="0"/>
-              <a:t>  </a:t>
-            </a:r>
-            <a:endParaRPr lang="en-US" altLang="en-US" dirty="0" smtClean="0"/>
-          </a:p>
-          <a:p>
-            <a:r>
-              <a:rPr lang="sr-Latn-RS" altLang="en-US" dirty="0"/>
-              <a:t>Knjige </a:t>
-            </a:r>
-            <a:r>
-              <a:rPr lang="sr-Latn-RS" altLang="en-US" dirty="0" smtClean="0"/>
-              <a:t>Principles of Data Integration</a:t>
-            </a:r>
-            <a:r>
-              <a:rPr lang="sr-Latn-RS" altLang="en-US" dirty="0"/>
-              <a:t>, autori </a:t>
-            </a:r>
-            <a:r>
-              <a:rPr lang="sr-Latn-RS" altLang="en-US" dirty="0" smtClean="0"/>
-              <a:t>Anhai Doan, Alon Halevy, Zachaty Ives</a:t>
-            </a:r>
-            <a:endParaRPr lang="sr-Latn-RS" altLang="en-US" dirty="0"/>
-          </a:p>
-          <a:p>
-            <a:endParaRPr lang="en-US" altLang="en-US" dirty="0" smtClean="0"/>
-          </a:p>
-          <a:p>
-            <a:pPr marL="0" indent="0">
-              <a:buFont typeface="Wingdings" pitchFamily="2" charset="2"/>
-              <a:buNone/>
+              <a:rPr lang="sr-Latn-RS" dirty="0" smtClean="0"/>
+              <a:t/>
+            </a:r>
+            <a:br>
+              <a:rPr lang="sr-Latn-RS" dirty="0" smtClean="0"/>
+            </a:br>
+            <a:r>
+              <a:rPr lang="pt-BR" sz="1600" b="1" dirty="0">
+                <a:solidFill>
+                  <a:srgbClr val="005828"/>
+                </a:solidFill>
+                <a:latin typeface="Courier New" panose="02070309020205020404" pitchFamily="49" charset="0"/>
+                <a:cs typeface="Courier New" panose="02070309020205020404" pitchFamily="49" charset="0"/>
+              </a:rPr>
+              <a:t>h1, h2, h3 { color: blue; }</a:t>
+            </a:r>
+            <a:endParaRPr lang="en-GB" sz="1600" b="1" dirty="0">
+              <a:solidFill>
+                <a:srgbClr val="005828"/>
+              </a:solidFill>
+              <a:latin typeface="Courier New" panose="02070309020205020404" pitchFamily="49" charset="0"/>
+              <a:cs typeface="Courier New" panose="02070309020205020404" pitchFamily="49" charset="0"/>
+            </a:endParaRPr>
+          </a:p>
+          <a:p>
+            <a:pPr lvl="0">
+              <a:spcBef>
+                <a:spcPts val="1200"/>
+              </a:spcBef>
             </a:pPr>
-            <a:endParaRPr lang="sr-Cyrl-RS" altLang="en-US" sz="1200" dirty="0" smtClean="0"/>
+            <a:r>
+              <a:rPr lang="it-IT" dirty="0" err="1"/>
+              <a:t>Komentari</a:t>
+            </a:r>
+            <a:r>
+              <a:rPr lang="it-IT" dirty="0"/>
+              <a:t> se </a:t>
+            </a:r>
+            <a:r>
+              <a:rPr lang="it-IT" dirty="0" err="1"/>
+              <a:t>navode</a:t>
+            </a:r>
+            <a:r>
+              <a:rPr lang="it-IT" dirty="0"/>
+              <a:t> </a:t>
+            </a:r>
+            <a:r>
+              <a:rPr lang="it-IT" dirty="0" err="1"/>
+              <a:t>izme</a:t>
+            </a:r>
+            <a:r>
+              <a:rPr lang="it-IT" dirty="0" smtClean="0"/>
+              <a:t></a:t>
+            </a:r>
+            <a:r>
+              <a:rPr lang="sr-Latn-RS" dirty="0" smtClean="0"/>
+              <a:t>đ</a:t>
+            </a:r>
+            <a:r>
+              <a:rPr lang="it-IT" dirty="0" smtClean="0"/>
+              <a:t>u </a:t>
+            </a:r>
+            <a:r>
+              <a:rPr lang="it-IT" dirty="0" err="1"/>
+              <a:t>simbola</a:t>
+            </a:r>
+            <a:r>
+              <a:rPr lang="it-IT" dirty="0"/>
+              <a:t> </a:t>
+            </a:r>
+            <a:r>
+              <a:rPr lang="it-IT" b="1" dirty="0">
+                <a:solidFill>
+                  <a:srgbClr val="009A46"/>
+                </a:solidFill>
+              </a:rPr>
+              <a:t>/*</a:t>
+            </a:r>
+            <a:r>
+              <a:rPr lang="it-IT" dirty="0"/>
+              <a:t> i </a:t>
+            </a:r>
+            <a:r>
+              <a:rPr lang="it-IT" dirty="0" smtClean="0">
+                <a:solidFill>
+                  <a:srgbClr val="009A46"/>
+                </a:solidFill>
+              </a:rPr>
+              <a:t>*/</a:t>
+            </a:r>
+            <a:r>
+              <a:rPr lang="sr-Latn-RS" dirty="0" smtClean="0"/>
+              <a:t/>
+            </a:r>
+            <a:br>
+              <a:rPr lang="sr-Latn-RS" dirty="0" smtClean="0"/>
+            </a:br>
+            <a:r>
+              <a:rPr lang="en-GB" sz="1600" b="1" dirty="0">
+                <a:solidFill>
+                  <a:srgbClr val="005828"/>
+                </a:solidFill>
+                <a:latin typeface="Courier New" panose="02070309020205020404" pitchFamily="49" charset="0"/>
+                <a:cs typeface="Courier New" panose="02070309020205020404" pitchFamily="49" charset="0"/>
+              </a:rPr>
+              <a:t>p { /* </a:t>
+            </a:r>
+            <a:r>
+              <a:rPr lang="en-GB" sz="1600" b="1" dirty="0" err="1">
+                <a:solidFill>
+                  <a:srgbClr val="005828"/>
+                </a:solidFill>
+                <a:latin typeface="Courier New" panose="02070309020205020404" pitchFamily="49" charset="0"/>
+                <a:cs typeface="Courier New" panose="02070309020205020404" pitchFamily="49" charset="0"/>
+              </a:rPr>
+              <a:t>podesavamo</a:t>
+            </a:r>
+            <a:r>
+              <a:rPr lang="en-GB" sz="1600" b="1" dirty="0">
+                <a:solidFill>
+                  <a:srgbClr val="005828"/>
+                </a:solidFill>
+                <a:latin typeface="Courier New" panose="02070309020205020404" pitchFamily="49" charset="0"/>
+                <a:cs typeface="Courier New" panose="02070309020205020404" pitchFamily="49" charset="0"/>
+              </a:rPr>
+              <a:t> </a:t>
+            </a:r>
+            <a:r>
+              <a:rPr lang="en-GB" sz="1600" b="1" dirty="0" err="1">
+                <a:solidFill>
+                  <a:srgbClr val="005828"/>
+                </a:solidFill>
+                <a:latin typeface="Courier New" panose="02070309020205020404" pitchFamily="49" charset="0"/>
+                <a:cs typeface="Courier New" panose="02070309020205020404" pitchFamily="49" charset="0"/>
+              </a:rPr>
+              <a:t>sve</a:t>
+            </a:r>
+            <a:r>
+              <a:rPr lang="en-GB" sz="1600" b="1" dirty="0">
+                <a:solidFill>
+                  <a:srgbClr val="005828"/>
+                </a:solidFill>
+                <a:latin typeface="Courier New" panose="02070309020205020404" pitchFamily="49" charset="0"/>
+                <a:cs typeface="Courier New" panose="02070309020205020404" pitchFamily="49" charset="0"/>
+              </a:rPr>
+              <a:t> </a:t>
+            </a:r>
+            <a:r>
+              <a:rPr lang="en-GB" sz="1600" b="1" dirty="0" err="1">
+                <a:solidFill>
+                  <a:srgbClr val="005828"/>
+                </a:solidFill>
+                <a:latin typeface="Courier New" panose="02070309020205020404" pitchFamily="49" charset="0"/>
+                <a:cs typeface="Courier New" panose="02070309020205020404" pitchFamily="49" charset="0"/>
+              </a:rPr>
+              <a:t>pasuse</a:t>
+            </a:r>
+            <a:r>
+              <a:rPr lang="en-GB" sz="1600" b="1" dirty="0">
+                <a:solidFill>
+                  <a:srgbClr val="005828"/>
+                </a:solidFill>
+                <a:latin typeface="Courier New" panose="02070309020205020404" pitchFamily="49" charset="0"/>
+                <a:cs typeface="Courier New" panose="02070309020205020404" pitchFamily="49" charset="0"/>
+              </a:rPr>
+              <a:t> </a:t>
+            </a:r>
+            <a:r>
+              <a:rPr lang="en-GB" sz="1600" b="1" dirty="0" smtClean="0">
+                <a:solidFill>
+                  <a:srgbClr val="005828"/>
+                </a:solidFill>
+                <a:latin typeface="Courier New" panose="02070309020205020404" pitchFamily="49" charset="0"/>
+                <a:cs typeface="Courier New" panose="02070309020205020404" pitchFamily="49" charset="0"/>
+              </a:rPr>
+              <a:t>*/</a:t>
+            </a:r>
+            <a:r>
+              <a:rPr lang="sr-Latn-RS" sz="1600" b="1" dirty="0" smtClean="0">
+                <a:solidFill>
+                  <a:srgbClr val="005828"/>
+                </a:solidFill>
+                <a:latin typeface="Courier New" panose="02070309020205020404" pitchFamily="49" charset="0"/>
+                <a:cs typeface="Courier New" panose="02070309020205020404" pitchFamily="49" charset="0"/>
+              </a:rPr>
+              <a:t/>
+            </a:r>
+            <a:br>
+              <a:rPr lang="sr-Latn-RS" sz="1600" b="1" dirty="0" smtClean="0">
+                <a:solidFill>
+                  <a:srgbClr val="005828"/>
+                </a:solidFill>
+                <a:latin typeface="Courier New" panose="02070309020205020404" pitchFamily="49" charset="0"/>
+                <a:cs typeface="Courier New" panose="02070309020205020404" pitchFamily="49" charset="0"/>
+              </a:rPr>
+            </a:br>
+            <a:r>
+              <a:rPr lang="sr-Latn-RS" sz="1600" b="1" dirty="0" smtClean="0">
+                <a:solidFill>
+                  <a:srgbClr val="005828"/>
+                </a:solidFill>
+                <a:latin typeface="Courier New" panose="02070309020205020404" pitchFamily="49" charset="0"/>
+                <a:cs typeface="Courier New" panose="02070309020205020404" pitchFamily="49" charset="0"/>
+              </a:rPr>
+              <a:t>    </a:t>
+            </a:r>
+            <a:r>
+              <a:rPr lang="en-GB" sz="1600" b="1" dirty="0" err="1" smtClean="0">
+                <a:solidFill>
+                  <a:srgbClr val="005828"/>
+                </a:solidFill>
+                <a:latin typeface="Courier New" panose="02070309020205020404" pitchFamily="49" charset="0"/>
+                <a:cs typeface="Courier New" panose="02070309020205020404" pitchFamily="49" charset="0"/>
+              </a:rPr>
+              <a:t>color</a:t>
+            </a:r>
+            <a:r>
+              <a:rPr lang="en-GB" sz="1600" b="1" dirty="0">
+                <a:solidFill>
+                  <a:srgbClr val="005828"/>
+                </a:solidFill>
+                <a:latin typeface="Courier New" panose="02070309020205020404" pitchFamily="49" charset="0"/>
+                <a:cs typeface="Courier New" panose="02070309020205020404" pitchFamily="49" charset="0"/>
+              </a:rPr>
+              <a:t>: red; /* </a:t>
+            </a:r>
+            <a:r>
+              <a:rPr lang="en-GB" sz="1600" b="1" dirty="0" err="1">
+                <a:solidFill>
+                  <a:srgbClr val="005828"/>
+                </a:solidFill>
+                <a:latin typeface="Courier New" panose="02070309020205020404" pitchFamily="49" charset="0"/>
+                <a:cs typeface="Courier New" panose="02070309020205020404" pitchFamily="49" charset="0"/>
+              </a:rPr>
+              <a:t>crvena</a:t>
+            </a:r>
+            <a:r>
+              <a:rPr lang="en-GB" sz="1600" b="1" dirty="0">
+                <a:solidFill>
+                  <a:srgbClr val="005828"/>
+                </a:solidFill>
+                <a:latin typeface="Courier New" panose="02070309020205020404" pitchFamily="49" charset="0"/>
+                <a:cs typeface="Courier New" panose="02070309020205020404" pitchFamily="49" charset="0"/>
+              </a:rPr>
+              <a:t> </a:t>
+            </a:r>
+            <a:r>
+              <a:rPr lang="en-GB" sz="1600" b="1" dirty="0" err="1">
+                <a:solidFill>
+                  <a:srgbClr val="005828"/>
+                </a:solidFill>
+                <a:latin typeface="Courier New" panose="02070309020205020404" pitchFamily="49" charset="0"/>
+                <a:cs typeface="Courier New" panose="02070309020205020404" pitchFamily="49" charset="0"/>
+              </a:rPr>
+              <a:t>boja</a:t>
+            </a:r>
+            <a:r>
+              <a:rPr lang="en-GB" sz="1600" b="1" dirty="0">
+                <a:solidFill>
+                  <a:srgbClr val="005828"/>
+                </a:solidFill>
+                <a:latin typeface="Courier New" panose="02070309020205020404" pitchFamily="49" charset="0"/>
+                <a:cs typeface="Courier New" panose="02070309020205020404" pitchFamily="49" charset="0"/>
+              </a:rPr>
+              <a:t> </a:t>
+            </a:r>
+            <a:r>
+              <a:rPr lang="en-GB" sz="1600" b="1" dirty="0" err="1">
+                <a:solidFill>
+                  <a:srgbClr val="005828"/>
+                </a:solidFill>
+                <a:latin typeface="Courier New" panose="02070309020205020404" pitchFamily="49" charset="0"/>
+                <a:cs typeface="Courier New" panose="02070309020205020404" pitchFamily="49" charset="0"/>
+              </a:rPr>
+              <a:t>teksta</a:t>
+            </a:r>
+            <a:r>
+              <a:rPr lang="en-GB" sz="1600" b="1" dirty="0">
+                <a:solidFill>
+                  <a:srgbClr val="005828"/>
+                </a:solidFill>
+                <a:latin typeface="Courier New" panose="02070309020205020404" pitchFamily="49" charset="0"/>
+                <a:cs typeface="Courier New" panose="02070309020205020404" pitchFamily="49" charset="0"/>
+              </a:rPr>
+              <a:t> </a:t>
+            </a:r>
+            <a:r>
+              <a:rPr lang="en-GB" sz="1600" b="1" dirty="0" smtClean="0">
+                <a:solidFill>
+                  <a:srgbClr val="005828"/>
+                </a:solidFill>
+                <a:latin typeface="Courier New" panose="02070309020205020404" pitchFamily="49" charset="0"/>
+                <a:cs typeface="Courier New" panose="02070309020205020404" pitchFamily="49" charset="0"/>
+              </a:rPr>
+              <a:t>*/</a:t>
+            </a:r>
+            <a:r>
+              <a:rPr lang="sr-Latn-RS" sz="1600" b="1" dirty="0" smtClean="0">
+                <a:solidFill>
+                  <a:srgbClr val="005828"/>
+                </a:solidFill>
+                <a:latin typeface="Courier New" panose="02070309020205020404" pitchFamily="49" charset="0"/>
+                <a:cs typeface="Courier New" panose="02070309020205020404" pitchFamily="49" charset="0"/>
+              </a:rPr>
+              <a:t/>
+            </a:r>
+            <a:br>
+              <a:rPr lang="sr-Latn-RS" sz="1600" b="1" dirty="0" smtClean="0">
+                <a:solidFill>
+                  <a:srgbClr val="005828"/>
+                </a:solidFill>
+                <a:latin typeface="Courier New" panose="02070309020205020404" pitchFamily="49" charset="0"/>
+                <a:cs typeface="Courier New" panose="02070309020205020404" pitchFamily="49" charset="0"/>
+              </a:rPr>
+            </a:br>
+            <a:r>
+              <a:rPr lang="sr-Latn-RS" sz="1600" b="1" dirty="0" smtClean="0">
+                <a:solidFill>
+                  <a:srgbClr val="005828"/>
+                </a:solidFill>
+                <a:latin typeface="Courier New" panose="02070309020205020404" pitchFamily="49" charset="0"/>
+                <a:cs typeface="Courier New" panose="02070309020205020404" pitchFamily="49" charset="0"/>
+              </a:rPr>
+              <a:t>    </a:t>
+            </a:r>
+            <a:r>
+              <a:rPr lang="en-GB" sz="1600" b="1" dirty="0" smtClean="0">
+                <a:solidFill>
+                  <a:srgbClr val="005828"/>
+                </a:solidFill>
+                <a:latin typeface="Courier New" panose="02070309020205020404" pitchFamily="49" charset="0"/>
+                <a:cs typeface="Courier New" panose="02070309020205020404" pitchFamily="49" charset="0"/>
+              </a:rPr>
+              <a:t>margin</a:t>
+            </a:r>
+            <a:r>
+              <a:rPr lang="en-GB" sz="1600" b="1" dirty="0">
+                <a:solidFill>
+                  <a:srgbClr val="005828"/>
+                </a:solidFill>
+                <a:latin typeface="Courier New" panose="02070309020205020404" pitchFamily="49" charset="0"/>
+                <a:cs typeface="Courier New" panose="02070309020205020404" pitchFamily="49" charset="0"/>
+              </a:rPr>
+              <a:t>: 10px; /* </a:t>
+            </a:r>
+            <a:r>
+              <a:rPr lang="en-GB" sz="1600" b="1" dirty="0" err="1">
+                <a:solidFill>
+                  <a:srgbClr val="005828"/>
+                </a:solidFill>
+                <a:latin typeface="Courier New" panose="02070309020205020404" pitchFamily="49" charset="0"/>
+                <a:cs typeface="Courier New" panose="02070309020205020404" pitchFamily="49" charset="0"/>
+              </a:rPr>
+              <a:t>margina</a:t>
+            </a:r>
+            <a:r>
+              <a:rPr lang="en-GB" sz="1600" b="1" dirty="0">
+                <a:solidFill>
+                  <a:srgbClr val="005828"/>
+                </a:solidFill>
+                <a:latin typeface="Courier New" panose="02070309020205020404" pitchFamily="49" charset="0"/>
+                <a:cs typeface="Courier New" panose="02070309020205020404" pitchFamily="49" charset="0"/>
+              </a:rPr>
+              <a:t> od 10 </a:t>
+            </a:r>
+            <a:r>
+              <a:rPr lang="en-GB" sz="1600" b="1" dirty="0" err="1">
+                <a:solidFill>
+                  <a:srgbClr val="005828"/>
+                </a:solidFill>
+                <a:latin typeface="Courier New" panose="02070309020205020404" pitchFamily="49" charset="0"/>
+                <a:cs typeface="Courier New" panose="02070309020205020404" pitchFamily="49" charset="0"/>
+              </a:rPr>
+              <a:t>piksela</a:t>
+            </a:r>
+            <a:r>
+              <a:rPr lang="en-GB" sz="1600" b="1" dirty="0">
+                <a:solidFill>
+                  <a:srgbClr val="005828"/>
+                </a:solidFill>
+                <a:latin typeface="Courier New" panose="02070309020205020404" pitchFamily="49" charset="0"/>
+                <a:cs typeface="Courier New" panose="02070309020205020404" pitchFamily="49" charset="0"/>
+              </a:rPr>
+              <a:t> </a:t>
+            </a:r>
+            <a:r>
+              <a:rPr lang="en-GB" sz="1600" b="1" dirty="0" smtClean="0">
+                <a:solidFill>
+                  <a:srgbClr val="005828"/>
+                </a:solidFill>
+                <a:latin typeface="Courier New" panose="02070309020205020404" pitchFamily="49" charset="0"/>
+                <a:cs typeface="Courier New" panose="02070309020205020404" pitchFamily="49" charset="0"/>
+              </a:rPr>
+              <a:t>*/</a:t>
+            </a:r>
+            <a:r>
+              <a:rPr lang="sr-Latn-RS" sz="1600" b="1" dirty="0" smtClean="0">
+                <a:solidFill>
+                  <a:srgbClr val="005828"/>
+                </a:solidFill>
+                <a:latin typeface="Courier New" panose="02070309020205020404" pitchFamily="49" charset="0"/>
+                <a:cs typeface="Courier New" panose="02070309020205020404" pitchFamily="49" charset="0"/>
+              </a:rPr>
+              <a:t/>
+            </a:r>
+            <a:br>
+              <a:rPr lang="sr-Latn-RS" sz="1600" b="1" dirty="0" smtClean="0">
+                <a:solidFill>
+                  <a:srgbClr val="005828"/>
+                </a:solidFill>
+                <a:latin typeface="Courier New" panose="02070309020205020404" pitchFamily="49" charset="0"/>
+                <a:cs typeface="Courier New" panose="02070309020205020404" pitchFamily="49" charset="0"/>
+              </a:rPr>
+            </a:br>
+            <a:r>
+              <a:rPr lang="en-GB" sz="1600" b="1" dirty="0" smtClean="0">
+                <a:solidFill>
+                  <a:srgbClr val="005828"/>
+                </a:solidFill>
+                <a:latin typeface="Courier New" panose="02070309020205020404" pitchFamily="49" charset="0"/>
+                <a:cs typeface="Courier New" panose="02070309020205020404" pitchFamily="49" charset="0"/>
+              </a:rPr>
+              <a:t>}</a:t>
+            </a:r>
+            <a:endParaRPr lang="sr-Cyrl-RS" altLang="en-US" sz="1600" b="1" dirty="0">
+              <a:solidFill>
+                <a:srgbClr val="005828"/>
+              </a:solidFill>
+              <a:latin typeface="Courier New" panose="02070309020205020404" pitchFamily="49" charset="0"/>
+              <a:cs typeface="Courier New" panose="02070309020205020404" pitchFamily="49" charset="0"/>
+            </a:endParaRPr>
           </a:p>
           <a:p>
             <a:pPr marL="0" indent="0">
@@ -4392,7 +8752,3338 @@
     </p:spTree>
     <p:extLst>
       <p:ext uri="{BB962C8B-B14F-4D97-AF65-F5344CB8AC3E}">
-        <p14:creationId xmlns:p14="http://schemas.microsoft.com/office/powerpoint/2010/main" val="3609644295"/>
+        <p14:creationId xmlns:p14="http://schemas.microsoft.com/office/powerpoint/2010/main" val="2191341127"/>
+      </p:ext>
+    </p:extLst>
+  </p:cSld>
+  <p:clrMapOvr>
+    <a:masterClrMapping/>
+  </p:clrMapOvr>
+  <p:timing>
+    <p:tnLst>
+      <p:par>
+        <p:cTn id="1" dur="indefinite" restart="never" nodeType="tmRoot"/>
+      </p:par>
+    </p:tnLst>
+  </p:timing>
+</p:sld>
+</file>
+
+<file path=ppt/slides/slide6.xml><?xml version="1.0" encoding="utf-8"?>
+<p:sld xmlns:a="http://schemas.openxmlformats.org/drawingml/2006/main" xmlns:r="http://schemas.openxmlformats.org/officeDocument/2006/relationships" xmlns:p="http://schemas.openxmlformats.org/presentationml/2006/main">
+  <p:cSld>
+    <p:spTree>
+      <p:nvGrpSpPr>
+        <p:cNvPr id="1" name=""/>
+        <p:cNvGrpSpPr/>
+        <p:nvPr/>
+      </p:nvGrpSpPr>
+      <p:grpSpPr>
+        <a:xfrm>
+          <a:off x="0" y="0"/>
+          <a:ext cx="0" cy="0"/>
+          <a:chOff x="0" y="0"/>
+          <a:chExt cx="0" cy="0"/>
+        </a:xfrm>
+      </p:grpSpPr>
+      <p:sp>
+        <p:nvSpPr>
+          <p:cNvPr id="92162" name="Rectangle 2"/>
+          <p:cNvSpPr>
+            <a:spLocks noGrp="1" noChangeArrowheads="1"/>
+          </p:cNvSpPr>
+          <p:nvPr>
+            <p:ph type="title"/>
+          </p:nvPr>
+        </p:nvSpPr>
+        <p:spPr/>
+        <p:txBody>
+          <a:bodyPr/>
+          <a:lstStyle/>
+          <a:p>
+            <a:r>
+              <a:rPr lang="fi-FI" dirty="0" err="1" smtClean="0"/>
+              <a:t>Uklju</a:t>
+            </a:r>
+            <a:r>
+              <a:rPr lang="sr-Latn-RS" dirty="0"/>
+              <a:t>č</a:t>
+            </a:r>
+            <a:r>
+              <a:rPr lang="fi-FI" dirty="0" err="1" smtClean="0"/>
+              <a:t>ivanje</a:t>
+            </a:r>
+            <a:r>
+              <a:rPr lang="fi-FI" dirty="0" smtClean="0"/>
+              <a:t> </a:t>
+            </a:r>
+            <a:r>
+              <a:rPr lang="fi-FI" dirty="0" err="1"/>
+              <a:t>stilskih</a:t>
+            </a:r>
+            <a:r>
+              <a:rPr lang="fi-FI" dirty="0"/>
+              <a:t> </a:t>
+            </a:r>
+            <a:r>
+              <a:rPr lang="fi-FI" dirty="0" err="1"/>
+              <a:t>listova</a:t>
+            </a:r>
+            <a:r>
+              <a:rPr lang="fi-FI" dirty="0"/>
+              <a:t> u HTML </a:t>
+            </a:r>
+            <a:r>
+              <a:rPr lang="fi-FI" dirty="0" err="1"/>
+              <a:t>dokumente</a:t>
+            </a:r>
+            <a:endParaRPr lang="sr-Latn-RS" dirty="0"/>
+          </a:p>
+        </p:txBody>
+      </p:sp>
+      <p:sp>
+        <p:nvSpPr>
+          <p:cNvPr id="92163" name="Rectangle 3"/>
+          <p:cNvSpPr>
+            <a:spLocks noGrp="1" noChangeArrowheads="1"/>
+          </p:cNvSpPr>
+          <p:nvPr>
+            <p:ph idx="1"/>
+          </p:nvPr>
+        </p:nvSpPr>
+        <p:spPr>
+          <a:xfrm>
+            <a:off x="457200" y="1600200"/>
+            <a:ext cx="8391525" cy="5257800"/>
+          </a:xfrm>
+        </p:spPr>
+        <p:txBody>
+          <a:bodyPr/>
+          <a:lstStyle/>
+          <a:p>
+            <a:pPr marL="0" lvl="0" indent="0">
+              <a:spcBef>
+                <a:spcPts val="1200"/>
+              </a:spcBef>
+              <a:buNone/>
+            </a:pPr>
+            <a:r>
+              <a:rPr lang="en-GB" dirty="0"/>
+              <a:t>Tri </a:t>
+            </a:r>
+            <a:r>
+              <a:rPr lang="en-GB" dirty="0" err="1" smtClean="0"/>
+              <a:t>na</a:t>
+            </a:r>
+            <a:r>
+              <a:rPr lang="sr-Latn-RS" dirty="0"/>
+              <a:t>č</a:t>
+            </a:r>
+            <a:r>
+              <a:rPr lang="en-GB" dirty="0" err="1" smtClean="0"/>
+              <a:t>ina</a:t>
+            </a:r>
+            <a:r>
+              <a:rPr lang="en-GB" dirty="0" smtClean="0"/>
+              <a:t> </a:t>
+            </a:r>
+            <a:r>
+              <a:rPr lang="en-GB" dirty="0" err="1"/>
+              <a:t>za</a:t>
+            </a:r>
+            <a:r>
+              <a:rPr lang="en-GB" dirty="0"/>
+              <a:t> </a:t>
+            </a:r>
+            <a:r>
+              <a:rPr lang="en-GB" dirty="0" err="1" smtClean="0"/>
+              <a:t>uklju</a:t>
+            </a:r>
+            <a:r>
+              <a:rPr lang="sr-Latn-RS" dirty="0" smtClean="0"/>
+              <a:t>č</a:t>
+            </a:r>
+            <a:r>
+              <a:rPr lang="en-GB" dirty="0" err="1" smtClean="0"/>
+              <a:t>ivanje</a:t>
+            </a:r>
+            <a:r>
+              <a:rPr lang="en-GB" dirty="0" smtClean="0"/>
+              <a:t> </a:t>
+            </a:r>
+            <a:r>
+              <a:rPr lang="en-GB" dirty="0"/>
+              <a:t>CSS </a:t>
+            </a:r>
+            <a:r>
+              <a:rPr lang="en-GB" dirty="0" err="1"/>
+              <a:t>opisa</a:t>
+            </a:r>
+            <a:r>
+              <a:rPr lang="en-GB" dirty="0"/>
+              <a:t> u HTML </a:t>
+            </a:r>
+            <a:r>
+              <a:rPr lang="en-GB" dirty="0" err="1" smtClean="0"/>
+              <a:t>dokument</a:t>
+            </a:r>
+            <a:r>
+              <a:rPr lang="sr-Latn-RS" dirty="0" smtClean="0"/>
+              <a:t>:</a:t>
+            </a:r>
+            <a:endParaRPr lang="en-GB" dirty="0"/>
+          </a:p>
+          <a:p>
+            <a:pPr marL="457200" indent="-457200">
+              <a:spcBef>
+                <a:spcPts val="1200"/>
+              </a:spcBef>
+              <a:buFont typeface="+mj-lt"/>
+              <a:buAutoNum type="arabicPeriod"/>
+            </a:pPr>
+            <a:r>
+              <a:rPr lang="en-GB" dirty="0" err="1"/>
+              <a:t>Opisi</a:t>
+            </a:r>
+            <a:r>
+              <a:rPr lang="en-GB" dirty="0"/>
+              <a:t> </a:t>
+            </a:r>
+            <a:r>
+              <a:rPr lang="en-GB" dirty="0" err="1"/>
+              <a:t>na</a:t>
+            </a:r>
+            <a:r>
+              <a:rPr lang="en-GB" dirty="0"/>
+              <a:t> </a:t>
+            </a:r>
+            <a:r>
+              <a:rPr lang="en-GB" dirty="0" err="1"/>
+              <a:t>nivou</a:t>
+            </a:r>
+            <a:r>
+              <a:rPr lang="en-GB" dirty="0"/>
+              <a:t> </a:t>
+            </a:r>
+            <a:r>
+              <a:rPr lang="en-GB" dirty="0" err="1"/>
+              <a:t>elementa</a:t>
+            </a:r>
+            <a:r>
+              <a:rPr lang="en-GB" dirty="0"/>
+              <a:t> (</a:t>
+            </a:r>
+            <a:r>
+              <a:rPr lang="en-GB" dirty="0" err="1"/>
+              <a:t>atribut</a:t>
+            </a:r>
+            <a:r>
+              <a:rPr lang="en-GB" dirty="0"/>
+              <a:t> </a:t>
+            </a:r>
+            <a:r>
+              <a:rPr lang="en-GB" dirty="0">
+                <a:solidFill>
+                  <a:srgbClr val="009A46"/>
+                </a:solidFill>
+              </a:rPr>
+              <a:t>style</a:t>
+            </a:r>
+            <a:r>
+              <a:rPr lang="en-GB" dirty="0"/>
+              <a:t>)</a:t>
+            </a:r>
+          </a:p>
+          <a:p>
+            <a:pPr lvl="1">
+              <a:spcBef>
+                <a:spcPts val="1200"/>
+              </a:spcBef>
+            </a:pPr>
+            <a:r>
+              <a:rPr lang="en-GB" dirty="0" err="1" smtClean="0"/>
+              <a:t>pojedina</a:t>
+            </a:r>
+            <a:r>
+              <a:rPr lang="sr-Latn-RS" dirty="0"/>
+              <a:t>č</a:t>
+            </a:r>
+            <a:r>
+              <a:rPr lang="en-GB" dirty="0" smtClean="0"/>
+              <a:t>nom </a:t>
+            </a:r>
+            <a:r>
+              <a:rPr lang="en-GB" dirty="0" err="1"/>
+              <a:t>elementu</a:t>
+            </a:r>
+            <a:r>
+              <a:rPr lang="en-GB" dirty="0"/>
+              <a:t> </a:t>
+            </a:r>
+            <a:r>
+              <a:rPr lang="en-GB" dirty="0" err="1" smtClean="0"/>
+              <a:t>mo</a:t>
+            </a:r>
+            <a:r>
+              <a:rPr lang="sr-Latn-RS" dirty="0"/>
+              <a:t>ž</a:t>
+            </a:r>
+            <a:r>
+              <a:rPr lang="en-GB" dirty="0" smtClean="0"/>
+              <a:t>e </a:t>
+            </a:r>
+            <a:r>
+              <a:rPr lang="en-GB" dirty="0"/>
+              <a:t>se </a:t>
+            </a:r>
+            <a:r>
+              <a:rPr lang="en-GB" dirty="0" err="1"/>
+              <a:t>promeniti</a:t>
+            </a:r>
+            <a:r>
+              <a:rPr lang="en-GB" dirty="0"/>
+              <a:t> </a:t>
+            </a:r>
+            <a:r>
+              <a:rPr lang="en-GB" dirty="0" err="1"/>
+              <a:t>stil</a:t>
+            </a:r>
+            <a:r>
+              <a:rPr lang="en-GB" dirty="0"/>
+              <a:t> </a:t>
+            </a:r>
+            <a:r>
+              <a:rPr lang="en-GB" dirty="0" err="1" smtClean="0"/>
+              <a:t>navo</a:t>
+            </a:r>
+            <a:r>
+              <a:rPr lang="sr-Latn-RS" dirty="0" smtClean="0"/>
+              <a:t>đ</a:t>
+            </a:r>
+            <a:r>
+              <a:rPr lang="en-GB" dirty="0" smtClean="0"/>
+              <a:t></a:t>
+            </a:r>
+            <a:r>
+              <a:rPr lang="en-GB" dirty="0" err="1"/>
+              <a:t>enjem</a:t>
+            </a:r>
+            <a:r>
+              <a:rPr lang="en-GB" dirty="0"/>
+              <a:t> </a:t>
+            </a:r>
+            <a:r>
+              <a:rPr lang="en-GB" dirty="0" err="1" smtClean="0"/>
+              <a:t>atributa</a:t>
+            </a:r>
+            <a:r>
+              <a:rPr lang="sr-Latn-RS" dirty="0" smtClean="0"/>
+              <a:t> </a:t>
+            </a:r>
+            <a:r>
+              <a:rPr lang="en-GB" dirty="0" smtClean="0">
+                <a:solidFill>
+                  <a:srgbClr val="009A46"/>
+                </a:solidFill>
+              </a:rPr>
+              <a:t>style</a:t>
+            </a:r>
+            <a:r>
+              <a:rPr lang="sr-Latn-RS" dirty="0" smtClean="0"/>
+              <a:t>, č</a:t>
+            </a:r>
+            <a:r>
+              <a:rPr lang="en-GB" dirty="0" err="1" smtClean="0"/>
+              <a:t>ija</a:t>
+            </a:r>
+            <a:r>
+              <a:rPr lang="en-GB" dirty="0" smtClean="0"/>
+              <a:t> </a:t>
+            </a:r>
+            <a:r>
+              <a:rPr lang="en-GB" dirty="0"/>
+              <a:t>je </a:t>
+            </a:r>
+            <a:r>
+              <a:rPr lang="en-GB" dirty="0" err="1"/>
+              <a:t>vrednost</a:t>
+            </a:r>
+            <a:r>
+              <a:rPr lang="en-GB" dirty="0"/>
+              <a:t> </a:t>
+            </a:r>
+            <a:r>
+              <a:rPr lang="en-GB" dirty="0" err="1"/>
+              <a:t>niz</a:t>
+            </a:r>
+            <a:r>
+              <a:rPr lang="en-GB" dirty="0"/>
+              <a:t> CSS </a:t>
+            </a:r>
+            <a:r>
+              <a:rPr lang="en-GB" dirty="0" err="1"/>
+              <a:t>svojstava</a:t>
+            </a:r>
+            <a:r>
+              <a:rPr lang="en-GB" dirty="0"/>
+              <a:t> </a:t>
+            </a:r>
+            <a:r>
+              <a:rPr lang="en-GB" dirty="0" err="1"/>
+              <a:t>i</a:t>
+            </a:r>
+            <a:r>
+              <a:rPr lang="en-GB" dirty="0"/>
+              <a:t> </a:t>
+            </a:r>
+            <a:r>
+              <a:rPr lang="en-GB" dirty="0" err="1"/>
+              <a:t>njihovih</a:t>
+            </a:r>
+            <a:r>
+              <a:rPr lang="en-GB" dirty="0"/>
+              <a:t> </a:t>
+            </a:r>
+            <a:r>
+              <a:rPr lang="en-GB" dirty="0" err="1"/>
+              <a:t>vrednosti</a:t>
+            </a:r>
+            <a:endParaRPr lang="en-GB" dirty="0"/>
+          </a:p>
+          <a:p>
+            <a:pPr lvl="1">
+              <a:spcBef>
+                <a:spcPts val="1200"/>
+              </a:spcBef>
+            </a:pPr>
+            <a:r>
+              <a:rPr lang="en-GB" dirty="0" err="1"/>
+              <a:t>opis</a:t>
+            </a:r>
+            <a:r>
+              <a:rPr lang="en-GB" dirty="0"/>
+              <a:t> </a:t>
+            </a:r>
+            <a:r>
+              <a:rPr lang="en-GB" dirty="0" err="1"/>
+              <a:t>vizuelne</a:t>
+            </a:r>
+            <a:r>
+              <a:rPr lang="en-GB" dirty="0"/>
+              <a:t> </a:t>
+            </a:r>
+            <a:r>
+              <a:rPr lang="en-GB" dirty="0" err="1"/>
+              <a:t>prezentacije</a:t>
+            </a:r>
+            <a:r>
+              <a:rPr lang="en-GB" dirty="0"/>
+              <a:t> je </a:t>
+            </a:r>
+            <a:r>
+              <a:rPr lang="en-GB" dirty="0" err="1"/>
+              <a:t>isprepleten</a:t>
+            </a:r>
+            <a:r>
+              <a:rPr lang="en-GB" dirty="0"/>
+              <a:t> </a:t>
+            </a:r>
+            <a:r>
+              <a:rPr lang="en-GB" dirty="0" err="1"/>
+              <a:t>sa</a:t>
+            </a:r>
+            <a:r>
+              <a:rPr lang="en-GB" dirty="0"/>
+              <a:t> </a:t>
+            </a:r>
+            <a:r>
+              <a:rPr lang="en-GB" dirty="0" err="1"/>
+              <a:t>opisom</a:t>
+            </a:r>
+            <a:r>
+              <a:rPr lang="en-GB" dirty="0"/>
+              <a:t> </a:t>
+            </a:r>
+            <a:r>
+              <a:rPr lang="en-GB" dirty="0" err="1"/>
+              <a:t>njene</a:t>
+            </a:r>
+            <a:r>
+              <a:rPr lang="en-GB" dirty="0"/>
+              <a:t> </a:t>
+            </a:r>
+            <a:r>
+              <a:rPr lang="en-GB" dirty="0" err="1" smtClean="0"/>
+              <a:t>strukture</a:t>
+            </a:r>
+            <a:r>
+              <a:rPr lang="sr-Latn-RS" dirty="0" smtClean="0"/>
+              <a:t/>
+            </a:r>
+            <a:br>
+              <a:rPr lang="sr-Latn-RS" dirty="0" smtClean="0"/>
+            </a:br>
+            <a:r>
+              <a:rPr lang="en-US" sz="1600" b="1" dirty="0">
+                <a:solidFill>
+                  <a:srgbClr val="005828"/>
+                </a:solidFill>
+                <a:latin typeface="Courier New" panose="02070309020205020404" pitchFamily="49" charset="0"/>
+                <a:cs typeface="Courier New" panose="02070309020205020404" pitchFamily="49" charset="0"/>
+              </a:rPr>
+              <a:t>&lt;p style="</a:t>
+            </a:r>
+            <a:r>
+              <a:rPr lang="en-US" sz="1600" b="1" dirty="0" err="1">
+                <a:solidFill>
+                  <a:srgbClr val="005828"/>
+                </a:solidFill>
+                <a:latin typeface="Courier New" panose="02070309020205020404" pitchFamily="49" charset="0"/>
+                <a:cs typeface="Courier New" panose="02070309020205020404" pitchFamily="49" charset="0"/>
+              </a:rPr>
+              <a:t>color:red</a:t>
+            </a:r>
+            <a:r>
+              <a:rPr lang="en-US" sz="1600" b="1" dirty="0">
+                <a:solidFill>
+                  <a:srgbClr val="005828"/>
+                </a:solidFill>
+                <a:latin typeface="Courier New" panose="02070309020205020404" pitchFamily="49" charset="0"/>
+                <a:cs typeface="Courier New" panose="02070309020205020404" pitchFamily="49" charset="0"/>
+              </a:rPr>
+              <a:t>; margin-left:10px;"&gt;</a:t>
+            </a:r>
+            <a:r>
+              <a:rPr lang="en-US" sz="1600" b="1" dirty="0" err="1">
+                <a:solidFill>
+                  <a:srgbClr val="005828"/>
+                </a:solidFill>
+                <a:latin typeface="Courier New" panose="02070309020205020404" pitchFamily="49" charset="0"/>
+                <a:cs typeface="Courier New" panose="02070309020205020404" pitchFamily="49" charset="0"/>
+              </a:rPr>
+              <a:t>Ovo</a:t>
+            </a:r>
+            <a:r>
+              <a:rPr lang="en-US" sz="1600" b="1" dirty="0">
+                <a:solidFill>
+                  <a:srgbClr val="005828"/>
+                </a:solidFill>
+                <a:latin typeface="Courier New" panose="02070309020205020404" pitchFamily="49" charset="0"/>
+                <a:cs typeface="Courier New" panose="02070309020205020404" pitchFamily="49" charset="0"/>
+              </a:rPr>
+              <a:t> je </a:t>
+            </a:r>
+            <a:r>
+              <a:rPr lang="en-US" sz="1600" b="1" dirty="0" err="1">
+                <a:solidFill>
+                  <a:srgbClr val="005828"/>
+                </a:solidFill>
+                <a:latin typeface="Courier New" panose="02070309020205020404" pitchFamily="49" charset="0"/>
+                <a:cs typeface="Courier New" panose="02070309020205020404" pitchFamily="49" charset="0"/>
+              </a:rPr>
+              <a:t>pasus</a:t>
+            </a:r>
+            <a:r>
+              <a:rPr lang="en-US" sz="1600" b="1" dirty="0">
+                <a:solidFill>
+                  <a:srgbClr val="005828"/>
+                </a:solidFill>
+                <a:latin typeface="Courier New" panose="02070309020205020404" pitchFamily="49" charset="0"/>
+                <a:cs typeface="Courier New" panose="02070309020205020404" pitchFamily="49" charset="0"/>
+              </a:rPr>
+              <a:t>&lt;/p&gt;</a:t>
+            </a:r>
+            <a:endParaRPr lang="sr-Cyrl-RS" altLang="en-US" sz="1600" b="1" dirty="0">
+              <a:solidFill>
+                <a:srgbClr val="005828"/>
+              </a:solidFill>
+              <a:latin typeface="Courier New" panose="02070309020205020404" pitchFamily="49" charset="0"/>
+              <a:cs typeface="Courier New" panose="02070309020205020404" pitchFamily="49" charset="0"/>
+            </a:endParaRPr>
+          </a:p>
+          <a:p>
+            <a:pPr marL="0" indent="0">
+              <a:buFont typeface="Wingdings" pitchFamily="2" charset="2"/>
+              <a:buNone/>
+            </a:pPr>
+            <a:endParaRPr lang="sr-Latn-CS" altLang="en-US" sz="1200" dirty="0" smtClean="0"/>
+          </a:p>
+        </p:txBody>
+      </p:sp>
+    </p:spTree>
+    <p:extLst>
+      <p:ext uri="{BB962C8B-B14F-4D97-AF65-F5344CB8AC3E}">
+        <p14:creationId xmlns:p14="http://schemas.microsoft.com/office/powerpoint/2010/main" val="2843036786"/>
+      </p:ext>
+    </p:extLst>
+  </p:cSld>
+  <p:clrMapOvr>
+    <a:masterClrMapping/>
+  </p:clrMapOvr>
+  <p:timing>
+    <p:tnLst>
+      <p:par>
+        <p:cTn id="1" dur="indefinite" restart="never" nodeType="tmRoot"/>
+      </p:par>
+    </p:tnLst>
+  </p:timing>
+</p:sld>
+</file>
+
+<file path=ppt/slides/slide7.xml><?xml version="1.0" encoding="utf-8"?>
+<p:sld xmlns:a="http://schemas.openxmlformats.org/drawingml/2006/main" xmlns:r="http://schemas.openxmlformats.org/officeDocument/2006/relationships" xmlns:p="http://schemas.openxmlformats.org/presentationml/2006/main">
+  <p:cSld>
+    <p:spTree>
+      <p:nvGrpSpPr>
+        <p:cNvPr id="1" name=""/>
+        <p:cNvGrpSpPr/>
+        <p:nvPr/>
+      </p:nvGrpSpPr>
+      <p:grpSpPr>
+        <a:xfrm>
+          <a:off x="0" y="0"/>
+          <a:ext cx="0" cy="0"/>
+          <a:chOff x="0" y="0"/>
+          <a:chExt cx="0" cy="0"/>
+        </a:xfrm>
+      </p:grpSpPr>
+      <p:sp>
+        <p:nvSpPr>
+          <p:cNvPr id="92162" name="Rectangle 2"/>
+          <p:cNvSpPr>
+            <a:spLocks noGrp="1" noChangeArrowheads="1"/>
+          </p:cNvSpPr>
+          <p:nvPr>
+            <p:ph type="title"/>
+          </p:nvPr>
+        </p:nvSpPr>
+        <p:spPr/>
+        <p:txBody>
+          <a:bodyPr/>
+          <a:lstStyle/>
+          <a:p>
+            <a:r>
+              <a:rPr lang="fi-FI" dirty="0" err="1" smtClean="0"/>
+              <a:t>Uklju</a:t>
+            </a:r>
+            <a:r>
+              <a:rPr lang="sr-Latn-RS" dirty="0"/>
+              <a:t>č</a:t>
+            </a:r>
+            <a:r>
+              <a:rPr lang="fi-FI" dirty="0" err="1" smtClean="0"/>
+              <a:t>ivanje</a:t>
+            </a:r>
+            <a:r>
+              <a:rPr lang="fi-FI" dirty="0" smtClean="0"/>
+              <a:t> </a:t>
+            </a:r>
+            <a:r>
+              <a:rPr lang="fi-FI" dirty="0" err="1"/>
+              <a:t>stilskih</a:t>
+            </a:r>
+            <a:r>
+              <a:rPr lang="fi-FI" dirty="0"/>
+              <a:t> </a:t>
+            </a:r>
+            <a:r>
+              <a:rPr lang="fi-FI" dirty="0" err="1"/>
+              <a:t>listova</a:t>
+            </a:r>
+            <a:r>
+              <a:rPr lang="fi-FI" dirty="0"/>
+              <a:t> u HTML </a:t>
+            </a:r>
+            <a:r>
+              <a:rPr lang="fi-FI" dirty="0" err="1" smtClean="0"/>
+              <a:t>dokumente</a:t>
+            </a:r>
+            <a:r>
+              <a:rPr lang="sr-Latn-RS" dirty="0" smtClean="0"/>
+              <a:t> (2)</a:t>
+            </a:r>
+            <a:endParaRPr lang="sr-Latn-RS" dirty="0"/>
+          </a:p>
+        </p:txBody>
+      </p:sp>
+      <p:sp>
+        <p:nvSpPr>
+          <p:cNvPr id="92163" name="Rectangle 3"/>
+          <p:cNvSpPr>
+            <a:spLocks noGrp="1" noChangeArrowheads="1"/>
+          </p:cNvSpPr>
+          <p:nvPr>
+            <p:ph idx="1"/>
+          </p:nvPr>
+        </p:nvSpPr>
+        <p:spPr>
+          <a:xfrm>
+            <a:off x="457200" y="1600200"/>
+            <a:ext cx="8391525" cy="5257800"/>
+          </a:xfrm>
+        </p:spPr>
+        <p:txBody>
+          <a:bodyPr/>
+          <a:lstStyle/>
+          <a:p>
+            <a:pPr marL="0" lvl="0" indent="0">
+              <a:spcBef>
+                <a:spcPts val="1200"/>
+              </a:spcBef>
+              <a:buNone/>
+            </a:pPr>
+            <a:r>
+              <a:rPr lang="en-GB" dirty="0"/>
+              <a:t>Tri </a:t>
+            </a:r>
+            <a:r>
+              <a:rPr lang="en-GB" dirty="0" err="1" smtClean="0"/>
+              <a:t>na</a:t>
+            </a:r>
+            <a:r>
+              <a:rPr lang="sr-Latn-RS" dirty="0"/>
+              <a:t>č</a:t>
+            </a:r>
+            <a:r>
+              <a:rPr lang="en-GB" dirty="0" err="1" smtClean="0"/>
+              <a:t>ina</a:t>
+            </a:r>
+            <a:r>
+              <a:rPr lang="en-GB" dirty="0" smtClean="0"/>
+              <a:t> </a:t>
+            </a:r>
+            <a:r>
+              <a:rPr lang="en-GB" dirty="0" err="1"/>
+              <a:t>za</a:t>
+            </a:r>
+            <a:r>
+              <a:rPr lang="en-GB" dirty="0"/>
+              <a:t> </a:t>
+            </a:r>
+            <a:r>
+              <a:rPr lang="en-GB" dirty="0" err="1" smtClean="0"/>
+              <a:t>uklju</a:t>
+            </a:r>
+            <a:r>
+              <a:rPr lang="sr-Latn-RS" dirty="0" smtClean="0"/>
+              <a:t>č</a:t>
+            </a:r>
+            <a:r>
+              <a:rPr lang="en-GB" dirty="0" err="1" smtClean="0"/>
+              <a:t>ivanje</a:t>
+            </a:r>
+            <a:r>
+              <a:rPr lang="en-GB" dirty="0" smtClean="0"/>
+              <a:t> </a:t>
+            </a:r>
+            <a:r>
+              <a:rPr lang="en-GB" dirty="0"/>
+              <a:t>CSS </a:t>
+            </a:r>
+            <a:r>
+              <a:rPr lang="en-GB" dirty="0" err="1"/>
+              <a:t>opisa</a:t>
+            </a:r>
+            <a:r>
+              <a:rPr lang="en-GB" dirty="0"/>
+              <a:t> u HTML </a:t>
+            </a:r>
+            <a:r>
+              <a:rPr lang="en-GB" dirty="0" err="1" smtClean="0"/>
+              <a:t>dokument</a:t>
+            </a:r>
+            <a:r>
+              <a:rPr lang="sr-Latn-RS" dirty="0" smtClean="0"/>
+              <a:t>:</a:t>
+            </a:r>
+            <a:endParaRPr lang="sr-Cyrl-RS" altLang="en-US" sz="1600" b="1" dirty="0">
+              <a:solidFill>
+                <a:srgbClr val="005828"/>
+              </a:solidFill>
+              <a:latin typeface="Courier New" panose="02070309020205020404" pitchFamily="49" charset="0"/>
+              <a:cs typeface="Courier New" panose="02070309020205020404" pitchFamily="49" charset="0"/>
+            </a:endParaRPr>
+          </a:p>
+          <a:p>
+            <a:pPr marL="457200" lvl="0" indent="-457200">
+              <a:spcBef>
+                <a:spcPts val="1200"/>
+              </a:spcBef>
+              <a:buFont typeface="+mj-lt"/>
+              <a:buAutoNum type="arabicPeriod" startAt="2"/>
+            </a:pPr>
+            <a:r>
+              <a:rPr lang="en-GB" dirty="0" err="1">
+                <a:solidFill>
+                  <a:srgbClr val="000000"/>
+                </a:solidFill>
+              </a:rPr>
+              <a:t>Opisi</a:t>
+            </a:r>
+            <a:r>
+              <a:rPr lang="en-GB" dirty="0">
+                <a:solidFill>
+                  <a:srgbClr val="000000"/>
+                </a:solidFill>
+              </a:rPr>
+              <a:t> </a:t>
+            </a:r>
+            <a:r>
+              <a:rPr lang="en-GB" dirty="0" err="1">
+                <a:solidFill>
+                  <a:srgbClr val="000000"/>
+                </a:solidFill>
+              </a:rPr>
+              <a:t>na</a:t>
+            </a:r>
+            <a:r>
+              <a:rPr lang="en-GB" dirty="0">
+                <a:solidFill>
+                  <a:srgbClr val="000000"/>
+                </a:solidFill>
+              </a:rPr>
+              <a:t> </a:t>
+            </a:r>
+            <a:r>
+              <a:rPr lang="en-GB" dirty="0" err="1">
+                <a:solidFill>
+                  <a:srgbClr val="000000"/>
+                </a:solidFill>
+              </a:rPr>
+              <a:t>nivou</a:t>
+            </a:r>
+            <a:r>
+              <a:rPr lang="en-GB" dirty="0">
+                <a:solidFill>
+                  <a:srgbClr val="000000"/>
+                </a:solidFill>
+              </a:rPr>
+              <a:t> </a:t>
+            </a:r>
+            <a:r>
+              <a:rPr lang="sr-Latn-RS" dirty="0" smtClean="0">
+                <a:solidFill>
+                  <a:srgbClr val="000000"/>
+                </a:solidFill>
+              </a:rPr>
+              <a:t>dokumenta </a:t>
+            </a:r>
+            <a:r>
+              <a:rPr lang="en-GB" dirty="0" smtClean="0">
+                <a:solidFill>
+                  <a:srgbClr val="000000"/>
+                </a:solidFill>
+              </a:rPr>
+              <a:t>(</a:t>
+            </a:r>
+            <a:r>
+              <a:rPr lang="en-GB" dirty="0" err="1" smtClean="0">
+                <a:solidFill>
+                  <a:srgbClr val="000000"/>
+                </a:solidFill>
+              </a:rPr>
+              <a:t>atribut</a:t>
+            </a:r>
+            <a:r>
+              <a:rPr lang="en-GB" dirty="0" smtClean="0">
+                <a:solidFill>
+                  <a:srgbClr val="000000"/>
+                </a:solidFill>
+              </a:rPr>
+              <a:t> </a:t>
+            </a:r>
+            <a:r>
+              <a:rPr lang="en-GB" dirty="0">
+                <a:solidFill>
+                  <a:srgbClr val="009A46"/>
+                </a:solidFill>
+              </a:rPr>
+              <a:t>style</a:t>
+            </a:r>
+            <a:r>
+              <a:rPr lang="en-GB" dirty="0">
+                <a:solidFill>
+                  <a:srgbClr val="000000"/>
+                </a:solidFill>
+              </a:rPr>
+              <a:t>)</a:t>
+            </a:r>
+          </a:p>
+          <a:p>
+            <a:pPr lvl="1">
+              <a:spcBef>
+                <a:spcPts val="1200"/>
+              </a:spcBef>
+            </a:pPr>
+            <a:r>
+              <a:rPr lang="en-GB" dirty="0">
+                <a:solidFill>
+                  <a:srgbClr val="000000"/>
+                </a:solidFill>
+              </a:rPr>
+              <a:t>CSS </a:t>
+            </a:r>
+            <a:r>
+              <a:rPr lang="en-GB" dirty="0" err="1">
+                <a:solidFill>
+                  <a:srgbClr val="000000"/>
+                </a:solidFill>
+              </a:rPr>
+              <a:t>opis</a:t>
+            </a:r>
+            <a:r>
+              <a:rPr lang="en-GB" dirty="0">
+                <a:solidFill>
+                  <a:srgbClr val="000000"/>
+                </a:solidFill>
+              </a:rPr>
+              <a:t> se </a:t>
+            </a:r>
+            <a:r>
+              <a:rPr lang="en-GB" dirty="0" err="1" smtClean="0">
+                <a:solidFill>
+                  <a:srgbClr val="000000"/>
+                </a:solidFill>
+              </a:rPr>
+              <a:t>mo</a:t>
+            </a:r>
+            <a:r>
+              <a:rPr lang="sr-Latn-RS" dirty="0">
+                <a:solidFill>
+                  <a:srgbClr val="000000"/>
+                </a:solidFill>
+              </a:rPr>
+              <a:t>ž</a:t>
+            </a:r>
+            <a:r>
+              <a:rPr lang="en-GB" dirty="0" smtClean="0">
+                <a:solidFill>
+                  <a:srgbClr val="000000"/>
+                </a:solidFill>
+              </a:rPr>
+              <a:t>e </a:t>
+            </a:r>
+            <a:r>
+              <a:rPr lang="en-GB" dirty="0" err="1">
+                <a:solidFill>
+                  <a:srgbClr val="000000"/>
+                </a:solidFill>
+              </a:rPr>
+              <a:t>navesti</a:t>
+            </a:r>
+            <a:r>
+              <a:rPr lang="en-GB" dirty="0">
+                <a:solidFill>
+                  <a:srgbClr val="000000"/>
+                </a:solidFill>
+              </a:rPr>
+              <a:t> u </a:t>
+            </a:r>
+            <a:r>
+              <a:rPr lang="en-GB" dirty="0" err="1">
+                <a:solidFill>
+                  <a:srgbClr val="000000"/>
+                </a:solidFill>
+              </a:rPr>
+              <a:t>zaglavlju</a:t>
+            </a:r>
+            <a:r>
+              <a:rPr lang="en-GB" dirty="0">
+                <a:solidFill>
+                  <a:srgbClr val="000000"/>
+                </a:solidFill>
+              </a:rPr>
+              <a:t> </a:t>
+            </a:r>
+            <a:r>
+              <a:rPr lang="en-GB" dirty="0" err="1">
+                <a:solidFill>
+                  <a:srgbClr val="000000"/>
+                </a:solidFill>
+              </a:rPr>
+              <a:t>dokumenta</a:t>
+            </a:r>
+            <a:r>
+              <a:rPr lang="en-GB" dirty="0">
+                <a:solidFill>
+                  <a:srgbClr val="000000"/>
+                </a:solidFill>
+              </a:rPr>
+              <a:t>, </a:t>
+            </a:r>
+            <a:r>
+              <a:rPr lang="en-GB" dirty="0" err="1">
+                <a:solidFill>
+                  <a:srgbClr val="000000"/>
+                </a:solidFill>
+              </a:rPr>
+              <a:t>kao</a:t>
+            </a:r>
+            <a:r>
+              <a:rPr lang="en-GB" dirty="0">
+                <a:solidFill>
+                  <a:srgbClr val="000000"/>
+                </a:solidFill>
+              </a:rPr>
+              <a:t> </a:t>
+            </a:r>
+            <a:r>
+              <a:rPr lang="en-GB" dirty="0" err="1" smtClean="0">
+                <a:solidFill>
+                  <a:srgbClr val="000000"/>
+                </a:solidFill>
+              </a:rPr>
+              <a:t>sadr</a:t>
+            </a:r>
+            <a:r>
+              <a:rPr lang="sr-Latn-RS" dirty="0">
+                <a:solidFill>
+                  <a:srgbClr val="000000"/>
+                </a:solidFill>
+              </a:rPr>
+              <a:t>ž</a:t>
+            </a:r>
+            <a:r>
+              <a:rPr lang="en-GB" dirty="0" err="1" smtClean="0">
+                <a:solidFill>
+                  <a:srgbClr val="000000"/>
+                </a:solidFill>
+              </a:rPr>
+              <a:t>aj</a:t>
+            </a:r>
+            <a:r>
+              <a:rPr lang="en-GB" dirty="0" smtClean="0">
+                <a:solidFill>
+                  <a:srgbClr val="000000"/>
+                </a:solidFill>
+              </a:rPr>
+              <a:t> </a:t>
+            </a:r>
+            <a:r>
+              <a:rPr lang="en-GB" dirty="0" err="1" smtClean="0">
+                <a:solidFill>
+                  <a:srgbClr val="000000"/>
+                </a:solidFill>
+              </a:rPr>
+              <a:t>elementa</a:t>
+            </a:r>
+            <a:r>
+              <a:rPr lang="sr-Latn-RS" dirty="0" smtClean="0">
+                <a:solidFill>
+                  <a:srgbClr val="000000"/>
+                </a:solidFill>
+              </a:rPr>
+              <a:t> </a:t>
+            </a:r>
+            <a:r>
+              <a:rPr lang="en-GB" dirty="0" smtClean="0">
+                <a:solidFill>
+                  <a:srgbClr val="002060"/>
+                </a:solidFill>
+              </a:rPr>
+              <a:t>style</a:t>
+            </a:r>
+            <a:r>
+              <a:rPr lang="sr-Latn-RS" dirty="0">
+                <a:solidFill>
+                  <a:srgbClr val="000000"/>
+                </a:solidFill>
+              </a:rPr>
+              <a:t/>
+            </a:r>
+            <a:br>
+              <a:rPr lang="sr-Latn-RS" dirty="0">
+                <a:solidFill>
+                  <a:srgbClr val="000000"/>
+                </a:solidFill>
+              </a:rPr>
+            </a:br>
+            <a:r>
+              <a:rPr lang="en-US" sz="1600" b="1" dirty="0">
+                <a:solidFill>
+                  <a:srgbClr val="005828"/>
+                </a:solidFill>
+                <a:latin typeface="Courier New" panose="02070309020205020404" pitchFamily="49" charset="0"/>
+                <a:cs typeface="Courier New" panose="02070309020205020404" pitchFamily="49" charset="0"/>
+              </a:rPr>
+              <a:t>&lt;head</a:t>
+            </a:r>
+            <a:r>
+              <a:rPr lang="en-US" sz="1600" b="1" dirty="0" smtClean="0">
+                <a:solidFill>
+                  <a:srgbClr val="005828"/>
+                </a:solidFill>
+                <a:latin typeface="Courier New" panose="02070309020205020404" pitchFamily="49" charset="0"/>
+                <a:cs typeface="Courier New" panose="02070309020205020404" pitchFamily="49" charset="0"/>
+              </a:rPr>
+              <a:t>&gt;</a:t>
+            </a:r>
+            <a:r>
+              <a:rPr lang="sr-Latn-RS" sz="1600" b="1" dirty="0" smtClean="0">
+                <a:solidFill>
+                  <a:srgbClr val="005828"/>
+                </a:solidFill>
+                <a:latin typeface="Courier New" panose="02070309020205020404" pitchFamily="49" charset="0"/>
+                <a:cs typeface="Courier New" panose="02070309020205020404" pitchFamily="49" charset="0"/>
+              </a:rPr>
+              <a:t/>
+            </a:r>
+            <a:br>
+              <a:rPr lang="sr-Latn-RS" sz="1600" b="1" dirty="0" smtClean="0">
+                <a:solidFill>
+                  <a:srgbClr val="005828"/>
+                </a:solidFill>
+                <a:latin typeface="Courier New" panose="02070309020205020404" pitchFamily="49" charset="0"/>
+                <a:cs typeface="Courier New" panose="02070309020205020404" pitchFamily="49" charset="0"/>
+              </a:rPr>
+            </a:br>
+            <a:r>
+              <a:rPr lang="sr-Latn-RS" sz="1600" b="1" dirty="0" smtClean="0">
+                <a:solidFill>
+                  <a:srgbClr val="005828"/>
+                </a:solidFill>
+                <a:latin typeface="Courier New" panose="02070309020205020404" pitchFamily="49" charset="0"/>
+                <a:cs typeface="Courier New" panose="02070309020205020404" pitchFamily="49" charset="0"/>
+              </a:rPr>
+              <a:t>   </a:t>
+            </a:r>
+            <a:r>
+              <a:rPr lang="en-US" sz="1600" b="1" dirty="0" smtClean="0">
+                <a:solidFill>
+                  <a:srgbClr val="005828"/>
+                </a:solidFill>
+                <a:latin typeface="Courier New" panose="02070309020205020404" pitchFamily="49" charset="0"/>
+                <a:cs typeface="Courier New" panose="02070309020205020404" pitchFamily="49" charset="0"/>
+              </a:rPr>
+              <a:t>...</a:t>
+            </a:r>
+            <a:r>
+              <a:rPr lang="sr-Latn-RS" sz="1600" b="1" dirty="0" smtClean="0">
+                <a:solidFill>
+                  <a:srgbClr val="005828"/>
+                </a:solidFill>
+                <a:latin typeface="Courier New" panose="02070309020205020404" pitchFamily="49" charset="0"/>
+                <a:cs typeface="Courier New" panose="02070309020205020404" pitchFamily="49" charset="0"/>
+              </a:rPr>
+              <a:t/>
+            </a:r>
+            <a:br>
+              <a:rPr lang="sr-Latn-RS" sz="1600" b="1" dirty="0" smtClean="0">
+                <a:solidFill>
+                  <a:srgbClr val="005828"/>
+                </a:solidFill>
+                <a:latin typeface="Courier New" panose="02070309020205020404" pitchFamily="49" charset="0"/>
+                <a:cs typeface="Courier New" panose="02070309020205020404" pitchFamily="49" charset="0"/>
+              </a:rPr>
+            </a:br>
+            <a:r>
+              <a:rPr lang="sr-Latn-RS" sz="1600" b="1" dirty="0" smtClean="0">
+                <a:solidFill>
+                  <a:srgbClr val="005828"/>
+                </a:solidFill>
+                <a:latin typeface="Courier New" panose="02070309020205020404" pitchFamily="49" charset="0"/>
+                <a:cs typeface="Courier New" panose="02070309020205020404" pitchFamily="49" charset="0"/>
+              </a:rPr>
+              <a:t>   </a:t>
+            </a:r>
+            <a:r>
+              <a:rPr lang="en-US" sz="1600" b="1" dirty="0" smtClean="0">
+                <a:solidFill>
+                  <a:srgbClr val="005828"/>
+                </a:solidFill>
+                <a:latin typeface="Courier New" panose="02070309020205020404" pitchFamily="49" charset="0"/>
+                <a:cs typeface="Courier New" panose="02070309020205020404" pitchFamily="49" charset="0"/>
+              </a:rPr>
+              <a:t>&lt;</a:t>
+            </a:r>
+            <a:r>
+              <a:rPr lang="en-US" sz="1600" b="1" dirty="0">
+                <a:solidFill>
+                  <a:srgbClr val="005828"/>
+                </a:solidFill>
+                <a:latin typeface="Courier New" panose="02070309020205020404" pitchFamily="49" charset="0"/>
+                <a:cs typeface="Courier New" panose="02070309020205020404" pitchFamily="49" charset="0"/>
+              </a:rPr>
+              <a:t>style type="text/</a:t>
+            </a:r>
+            <a:r>
+              <a:rPr lang="en-US" sz="1600" b="1" dirty="0" err="1">
+                <a:solidFill>
+                  <a:srgbClr val="005828"/>
+                </a:solidFill>
+                <a:latin typeface="Courier New" panose="02070309020205020404" pitchFamily="49" charset="0"/>
+                <a:cs typeface="Courier New" panose="02070309020205020404" pitchFamily="49" charset="0"/>
+              </a:rPr>
+              <a:t>css</a:t>
+            </a:r>
+            <a:r>
+              <a:rPr lang="en-US" sz="1600" b="1" dirty="0" smtClean="0">
+                <a:solidFill>
+                  <a:srgbClr val="005828"/>
+                </a:solidFill>
+                <a:latin typeface="Courier New" panose="02070309020205020404" pitchFamily="49" charset="0"/>
+                <a:cs typeface="Courier New" panose="02070309020205020404" pitchFamily="49" charset="0"/>
+              </a:rPr>
+              <a:t>"&gt;</a:t>
+            </a:r>
+            <a:r>
+              <a:rPr lang="sr-Latn-RS" sz="1600" b="1" dirty="0" smtClean="0">
+                <a:solidFill>
+                  <a:srgbClr val="005828"/>
+                </a:solidFill>
+                <a:latin typeface="Courier New" panose="02070309020205020404" pitchFamily="49" charset="0"/>
+                <a:cs typeface="Courier New" panose="02070309020205020404" pitchFamily="49" charset="0"/>
+              </a:rPr>
+              <a:t/>
+            </a:r>
+            <a:br>
+              <a:rPr lang="sr-Latn-RS" sz="1600" b="1" dirty="0" smtClean="0">
+                <a:solidFill>
+                  <a:srgbClr val="005828"/>
+                </a:solidFill>
+                <a:latin typeface="Courier New" panose="02070309020205020404" pitchFamily="49" charset="0"/>
+                <a:cs typeface="Courier New" panose="02070309020205020404" pitchFamily="49" charset="0"/>
+              </a:rPr>
+            </a:br>
+            <a:r>
+              <a:rPr lang="sr-Latn-RS" sz="1600" b="1" dirty="0" smtClean="0">
+                <a:solidFill>
+                  <a:srgbClr val="005828"/>
+                </a:solidFill>
+                <a:latin typeface="Courier New" panose="02070309020205020404" pitchFamily="49" charset="0"/>
+                <a:cs typeface="Courier New" panose="02070309020205020404" pitchFamily="49" charset="0"/>
+              </a:rPr>
+              <a:t>      </a:t>
+            </a:r>
+            <a:r>
+              <a:rPr lang="en-US" sz="1600" b="1" dirty="0" smtClean="0">
+                <a:solidFill>
+                  <a:srgbClr val="005828"/>
+                </a:solidFill>
+                <a:latin typeface="Courier New" panose="02070309020205020404" pitchFamily="49" charset="0"/>
+                <a:cs typeface="Courier New" panose="02070309020205020404" pitchFamily="49" charset="0"/>
+              </a:rPr>
+              <a:t>p </a:t>
+            </a:r>
+            <a:r>
+              <a:rPr lang="en-US" sz="1600" b="1" dirty="0">
+                <a:solidFill>
+                  <a:srgbClr val="005828"/>
+                </a:solidFill>
+                <a:latin typeface="Courier New" panose="02070309020205020404" pitchFamily="49" charset="0"/>
+                <a:cs typeface="Courier New" panose="02070309020205020404" pitchFamily="49" charset="0"/>
+              </a:rPr>
+              <a:t>{ color : blue; </a:t>
+            </a:r>
+            <a:r>
+              <a:rPr lang="en-US" sz="1600" b="1" dirty="0" smtClean="0">
+                <a:solidFill>
+                  <a:srgbClr val="005828"/>
+                </a:solidFill>
+                <a:latin typeface="Courier New" panose="02070309020205020404" pitchFamily="49" charset="0"/>
+                <a:cs typeface="Courier New" panose="02070309020205020404" pitchFamily="49" charset="0"/>
+              </a:rPr>
+              <a:t>}</a:t>
+            </a:r>
+            <a:r>
+              <a:rPr lang="sr-Latn-RS" sz="1600" b="1" dirty="0" smtClean="0">
+                <a:solidFill>
+                  <a:srgbClr val="005828"/>
+                </a:solidFill>
+                <a:latin typeface="Courier New" panose="02070309020205020404" pitchFamily="49" charset="0"/>
+                <a:cs typeface="Courier New" panose="02070309020205020404" pitchFamily="49" charset="0"/>
+              </a:rPr>
+              <a:t/>
+            </a:r>
+            <a:br>
+              <a:rPr lang="sr-Latn-RS" sz="1600" b="1" dirty="0" smtClean="0">
+                <a:solidFill>
+                  <a:srgbClr val="005828"/>
+                </a:solidFill>
+                <a:latin typeface="Courier New" panose="02070309020205020404" pitchFamily="49" charset="0"/>
+                <a:cs typeface="Courier New" panose="02070309020205020404" pitchFamily="49" charset="0"/>
+              </a:rPr>
+            </a:br>
+            <a:r>
+              <a:rPr lang="sr-Latn-RS" sz="1600" b="1" dirty="0" smtClean="0">
+                <a:solidFill>
+                  <a:srgbClr val="005828"/>
+                </a:solidFill>
+                <a:latin typeface="Courier New" panose="02070309020205020404" pitchFamily="49" charset="0"/>
+                <a:cs typeface="Courier New" panose="02070309020205020404" pitchFamily="49" charset="0"/>
+              </a:rPr>
+              <a:t>   </a:t>
+            </a:r>
+            <a:r>
+              <a:rPr lang="en-US" sz="1600" b="1" dirty="0" smtClean="0">
+                <a:solidFill>
+                  <a:srgbClr val="005828"/>
+                </a:solidFill>
+                <a:latin typeface="Courier New" panose="02070309020205020404" pitchFamily="49" charset="0"/>
+                <a:cs typeface="Courier New" panose="02070309020205020404" pitchFamily="49" charset="0"/>
+              </a:rPr>
+              <a:t>&lt;/</a:t>
+            </a:r>
+            <a:r>
+              <a:rPr lang="en-US" sz="1600" b="1" dirty="0">
+                <a:solidFill>
+                  <a:srgbClr val="005828"/>
+                </a:solidFill>
+                <a:latin typeface="Courier New" panose="02070309020205020404" pitchFamily="49" charset="0"/>
+                <a:cs typeface="Courier New" panose="02070309020205020404" pitchFamily="49" charset="0"/>
+              </a:rPr>
+              <a:t>style</a:t>
+            </a:r>
+            <a:r>
+              <a:rPr lang="en-US" sz="1600" b="1" dirty="0" smtClean="0">
+                <a:solidFill>
+                  <a:srgbClr val="005828"/>
+                </a:solidFill>
+                <a:latin typeface="Courier New" panose="02070309020205020404" pitchFamily="49" charset="0"/>
+                <a:cs typeface="Courier New" panose="02070309020205020404" pitchFamily="49" charset="0"/>
+              </a:rPr>
+              <a:t>&gt;</a:t>
+            </a:r>
+            <a:r>
+              <a:rPr lang="sr-Latn-RS" sz="1600" b="1" dirty="0" smtClean="0">
+                <a:solidFill>
+                  <a:srgbClr val="005828"/>
+                </a:solidFill>
+                <a:latin typeface="Courier New" panose="02070309020205020404" pitchFamily="49" charset="0"/>
+                <a:cs typeface="Courier New" panose="02070309020205020404" pitchFamily="49" charset="0"/>
+              </a:rPr>
+              <a:t/>
+            </a:r>
+            <a:br>
+              <a:rPr lang="sr-Latn-RS" sz="1600" b="1" dirty="0" smtClean="0">
+                <a:solidFill>
+                  <a:srgbClr val="005828"/>
+                </a:solidFill>
+                <a:latin typeface="Courier New" panose="02070309020205020404" pitchFamily="49" charset="0"/>
+                <a:cs typeface="Courier New" panose="02070309020205020404" pitchFamily="49" charset="0"/>
+              </a:rPr>
+            </a:br>
+            <a:r>
+              <a:rPr lang="sr-Latn-RS" sz="1600" b="1" dirty="0" smtClean="0">
+                <a:solidFill>
+                  <a:srgbClr val="005828"/>
+                </a:solidFill>
+                <a:latin typeface="Courier New" panose="02070309020205020404" pitchFamily="49" charset="0"/>
+                <a:cs typeface="Courier New" panose="02070309020205020404" pitchFamily="49" charset="0"/>
+              </a:rPr>
+              <a:t>   </a:t>
+            </a:r>
+            <a:r>
+              <a:rPr lang="en-US" sz="1600" b="1" dirty="0" smtClean="0">
+                <a:solidFill>
+                  <a:srgbClr val="005828"/>
+                </a:solidFill>
+                <a:latin typeface="Courier New" panose="02070309020205020404" pitchFamily="49" charset="0"/>
+                <a:cs typeface="Courier New" panose="02070309020205020404" pitchFamily="49" charset="0"/>
+              </a:rPr>
+              <a:t>...</a:t>
+            </a:r>
+            <a:r>
+              <a:rPr lang="sr-Latn-RS" sz="1600" b="1" dirty="0" smtClean="0">
+                <a:solidFill>
+                  <a:srgbClr val="005828"/>
+                </a:solidFill>
+                <a:latin typeface="Courier New" panose="02070309020205020404" pitchFamily="49" charset="0"/>
+                <a:cs typeface="Courier New" panose="02070309020205020404" pitchFamily="49" charset="0"/>
+              </a:rPr>
+              <a:t/>
+            </a:r>
+            <a:br>
+              <a:rPr lang="sr-Latn-RS" sz="1600" b="1" dirty="0" smtClean="0">
+                <a:solidFill>
+                  <a:srgbClr val="005828"/>
+                </a:solidFill>
+                <a:latin typeface="Courier New" panose="02070309020205020404" pitchFamily="49" charset="0"/>
+                <a:cs typeface="Courier New" panose="02070309020205020404" pitchFamily="49" charset="0"/>
+              </a:rPr>
+            </a:br>
+            <a:r>
+              <a:rPr lang="en-US" sz="1600" b="1" dirty="0" smtClean="0">
+                <a:solidFill>
+                  <a:srgbClr val="005828"/>
+                </a:solidFill>
+                <a:latin typeface="Courier New" panose="02070309020205020404" pitchFamily="49" charset="0"/>
+                <a:cs typeface="Courier New" panose="02070309020205020404" pitchFamily="49" charset="0"/>
+              </a:rPr>
+              <a:t>&lt;/</a:t>
+            </a:r>
+            <a:r>
+              <a:rPr lang="en-US" sz="1600" b="1" dirty="0">
+                <a:solidFill>
+                  <a:srgbClr val="005828"/>
+                </a:solidFill>
+                <a:latin typeface="Courier New" panose="02070309020205020404" pitchFamily="49" charset="0"/>
+                <a:cs typeface="Courier New" panose="02070309020205020404" pitchFamily="49" charset="0"/>
+              </a:rPr>
+              <a:t>head&gt;</a:t>
+            </a:r>
+            <a:endParaRPr lang="sr-Cyrl-RS" altLang="en-US" sz="1600" b="1" dirty="0">
+              <a:solidFill>
+                <a:srgbClr val="005828"/>
+              </a:solidFill>
+              <a:latin typeface="Courier New" panose="02070309020205020404" pitchFamily="49" charset="0"/>
+              <a:cs typeface="Courier New" panose="02070309020205020404" pitchFamily="49" charset="0"/>
+            </a:endParaRPr>
+          </a:p>
+          <a:p>
+            <a:pPr marL="0" indent="0">
+              <a:buFont typeface="Wingdings" pitchFamily="2" charset="2"/>
+              <a:buNone/>
+            </a:pPr>
+            <a:endParaRPr lang="sr-Latn-CS" altLang="en-US" sz="1200" dirty="0" smtClean="0"/>
+          </a:p>
+        </p:txBody>
+      </p:sp>
+    </p:spTree>
+    <p:extLst>
+      <p:ext uri="{BB962C8B-B14F-4D97-AF65-F5344CB8AC3E}">
+        <p14:creationId xmlns:p14="http://schemas.microsoft.com/office/powerpoint/2010/main" val="4024497162"/>
+      </p:ext>
+    </p:extLst>
+  </p:cSld>
+  <p:clrMapOvr>
+    <a:masterClrMapping/>
+  </p:clrMapOvr>
+  <p:timing>
+    <p:tnLst>
+      <p:par>
+        <p:cTn id="1" dur="indefinite" restart="never" nodeType="tmRoot"/>
+      </p:par>
+    </p:tnLst>
+  </p:timing>
+</p:sld>
+</file>
+
+<file path=ppt/slides/slide8.xml><?xml version="1.0" encoding="utf-8"?>
+<p:sld xmlns:a="http://schemas.openxmlformats.org/drawingml/2006/main" xmlns:r="http://schemas.openxmlformats.org/officeDocument/2006/relationships" xmlns:p="http://schemas.openxmlformats.org/presentationml/2006/main">
+  <p:cSld>
+    <p:spTree>
+      <p:nvGrpSpPr>
+        <p:cNvPr id="1" name=""/>
+        <p:cNvGrpSpPr/>
+        <p:nvPr/>
+      </p:nvGrpSpPr>
+      <p:grpSpPr>
+        <a:xfrm>
+          <a:off x="0" y="0"/>
+          <a:ext cx="0" cy="0"/>
+          <a:chOff x="0" y="0"/>
+          <a:chExt cx="0" cy="0"/>
+        </a:xfrm>
+      </p:grpSpPr>
+      <p:sp>
+        <p:nvSpPr>
+          <p:cNvPr id="92162" name="Rectangle 2"/>
+          <p:cNvSpPr>
+            <a:spLocks noGrp="1" noChangeArrowheads="1"/>
+          </p:cNvSpPr>
+          <p:nvPr>
+            <p:ph type="title"/>
+          </p:nvPr>
+        </p:nvSpPr>
+        <p:spPr/>
+        <p:txBody>
+          <a:bodyPr/>
+          <a:lstStyle/>
+          <a:p>
+            <a:r>
+              <a:rPr lang="fi-FI" dirty="0" err="1" smtClean="0"/>
+              <a:t>Uklju</a:t>
+            </a:r>
+            <a:r>
+              <a:rPr lang="sr-Latn-RS" dirty="0"/>
+              <a:t>č</a:t>
+            </a:r>
+            <a:r>
+              <a:rPr lang="fi-FI" dirty="0" err="1" smtClean="0"/>
+              <a:t>ivanje</a:t>
+            </a:r>
+            <a:r>
+              <a:rPr lang="fi-FI" dirty="0" smtClean="0"/>
+              <a:t> </a:t>
+            </a:r>
+            <a:r>
+              <a:rPr lang="fi-FI" dirty="0" err="1"/>
+              <a:t>stilskih</a:t>
+            </a:r>
+            <a:r>
+              <a:rPr lang="fi-FI" dirty="0"/>
+              <a:t> </a:t>
+            </a:r>
+            <a:r>
+              <a:rPr lang="fi-FI" dirty="0" err="1"/>
+              <a:t>listova</a:t>
+            </a:r>
+            <a:r>
+              <a:rPr lang="fi-FI" dirty="0"/>
+              <a:t> u HTML </a:t>
+            </a:r>
+            <a:r>
+              <a:rPr lang="fi-FI" dirty="0" err="1" smtClean="0"/>
+              <a:t>dokumente</a:t>
+            </a:r>
+            <a:r>
+              <a:rPr lang="sr-Latn-RS" dirty="0" smtClean="0"/>
+              <a:t> (3)</a:t>
+            </a:r>
+            <a:endParaRPr lang="sr-Latn-RS" dirty="0"/>
+          </a:p>
+        </p:txBody>
+      </p:sp>
+      <p:sp>
+        <p:nvSpPr>
+          <p:cNvPr id="92163" name="Rectangle 3"/>
+          <p:cNvSpPr>
+            <a:spLocks noGrp="1" noChangeArrowheads="1"/>
+          </p:cNvSpPr>
+          <p:nvPr>
+            <p:ph idx="1"/>
+          </p:nvPr>
+        </p:nvSpPr>
+        <p:spPr>
+          <a:xfrm>
+            <a:off x="457200" y="1600200"/>
+            <a:ext cx="8391525" cy="5257800"/>
+          </a:xfrm>
+        </p:spPr>
+        <p:txBody>
+          <a:bodyPr/>
+          <a:lstStyle/>
+          <a:p>
+            <a:pPr marL="0" lvl="0" indent="0">
+              <a:spcBef>
+                <a:spcPts val="1200"/>
+              </a:spcBef>
+              <a:buNone/>
+            </a:pPr>
+            <a:r>
+              <a:rPr lang="en-GB" dirty="0"/>
+              <a:t>Tri </a:t>
+            </a:r>
+            <a:r>
+              <a:rPr lang="en-GB" dirty="0" err="1" smtClean="0"/>
+              <a:t>na</a:t>
+            </a:r>
+            <a:r>
+              <a:rPr lang="sr-Latn-RS" dirty="0"/>
+              <a:t>č</a:t>
+            </a:r>
+            <a:r>
+              <a:rPr lang="en-GB" dirty="0" err="1" smtClean="0"/>
+              <a:t>ina</a:t>
+            </a:r>
+            <a:r>
+              <a:rPr lang="en-GB" dirty="0" smtClean="0"/>
+              <a:t> </a:t>
+            </a:r>
+            <a:r>
+              <a:rPr lang="en-GB" dirty="0" err="1"/>
+              <a:t>za</a:t>
+            </a:r>
+            <a:r>
+              <a:rPr lang="en-GB" dirty="0"/>
+              <a:t> </a:t>
+            </a:r>
+            <a:r>
+              <a:rPr lang="en-GB" dirty="0" err="1" smtClean="0"/>
+              <a:t>uklju</a:t>
+            </a:r>
+            <a:r>
+              <a:rPr lang="sr-Latn-RS" dirty="0" smtClean="0"/>
+              <a:t>č</a:t>
+            </a:r>
+            <a:r>
+              <a:rPr lang="en-GB" dirty="0" err="1" smtClean="0"/>
+              <a:t>ivanje</a:t>
+            </a:r>
+            <a:r>
+              <a:rPr lang="en-GB" dirty="0" smtClean="0"/>
+              <a:t> </a:t>
+            </a:r>
+            <a:r>
+              <a:rPr lang="en-GB" dirty="0"/>
+              <a:t>CSS </a:t>
+            </a:r>
+            <a:r>
+              <a:rPr lang="en-GB" dirty="0" err="1"/>
+              <a:t>opisa</a:t>
+            </a:r>
+            <a:r>
+              <a:rPr lang="en-GB" dirty="0"/>
+              <a:t> u HTML </a:t>
+            </a:r>
+            <a:r>
+              <a:rPr lang="en-GB" dirty="0" err="1" smtClean="0"/>
+              <a:t>dokument</a:t>
+            </a:r>
+            <a:r>
+              <a:rPr lang="sr-Latn-RS" dirty="0" smtClean="0"/>
+              <a:t>:</a:t>
+            </a:r>
+            <a:endParaRPr lang="sr-Cyrl-RS" altLang="en-US" sz="1600" b="1" dirty="0">
+              <a:solidFill>
+                <a:srgbClr val="005828"/>
+              </a:solidFill>
+              <a:latin typeface="Courier New" panose="02070309020205020404" pitchFamily="49" charset="0"/>
+              <a:cs typeface="Courier New" panose="02070309020205020404" pitchFamily="49" charset="0"/>
+            </a:endParaRPr>
+          </a:p>
+          <a:p>
+            <a:pPr marL="457200" lvl="0" indent="-457200">
+              <a:spcBef>
+                <a:spcPts val="1200"/>
+              </a:spcBef>
+              <a:buFont typeface="+mj-lt"/>
+              <a:buAutoNum type="arabicPeriod" startAt="3"/>
+            </a:pPr>
+            <a:r>
+              <a:rPr lang="en-GB" dirty="0" err="1" smtClean="0">
+                <a:solidFill>
+                  <a:srgbClr val="000000"/>
+                </a:solidFill>
+              </a:rPr>
+              <a:t>Spolja</a:t>
+            </a:r>
+            <a:r>
+              <a:rPr lang="sr-Latn-RS" dirty="0">
+                <a:solidFill>
+                  <a:srgbClr val="000000"/>
+                </a:solidFill>
+              </a:rPr>
+              <a:t>š</a:t>
+            </a:r>
+            <a:r>
+              <a:rPr lang="en-GB" dirty="0" err="1" smtClean="0">
+                <a:solidFill>
+                  <a:srgbClr val="000000"/>
+                </a:solidFill>
+              </a:rPr>
+              <a:t>nji</a:t>
+            </a:r>
+            <a:r>
+              <a:rPr lang="en-GB" dirty="0" smtClean="0">
+                <a:solidFill>
+                  <a:srgbClr val="000000"/>
+                </a:solidFill>
+              </a:rPr>
+              <a:t> </a:t>
+            </a:r>
+            <a:r>
+              <a:rPr lang="en-GB" dirty="0" err="1">
+                <a:solidFill>
+                  <a:srgbClr val="000000"/>
+                </a:solidFill>
+              </a:rPr>
+              <a:t>opisi</a:t>
+            </a:r>
+            <a:endParaRPr lang="en-GB" dirty="0" smtClean="0">
+              <a:solidFill>
+                <a:srgbClr val="000000"/>
+              </a:solidFill>
+            </a:endParaRPr>
+          </a:p>
+          <a:p>
+            <a:pPr lvl="1">
+              <a:spcBef>
+                <a:spcPts val="1200"/>
+              </a:spcBef>
+            </a:pPr>
+            <a:r>
+              <a:rPr lang="en-GB" dirty="0" err="1">
+                <a:solidFill>
+                  <a:srgbClr val="000000"/>
+                </a:solidFill>
+              </a:rPr>
+              <a:t>Koriste</a:t>
+            </a:r>
+            <a:r>
+              <a:rPr lang="en-GB" dirty="0">
+                <a:solidFill>
+                  <a:srgbClr val="000000"/>
+                </a:solidFill>
+              </a:rPr>
+              <a:t> se </a:t>
+            </a:r>
+            <a:r>
+              <a:rPr lang="en-GB" dirty="0" err="1">
+                <a:solidFill>
+                  <a:srgbClr val="000000"/>
+                </a:solidFill>
+              </a:rPr>
+              <a:t>za</a:t>
+            </a:r>
+            <a:r>
+              <a:rPr lang="en-GB" dirty="0">
+                <a:solidFill>
+                  <a:srgbClr val="000000"/>
+                </a:solidFill>
+              </a:rPr>
+              <a:t> </a:t>
+            </a:r>
+            <a:r>
+              <a:rPr lang="en-GB" dirty="0" err="1">
+                <a:solidFill>
+                  <a:srgbClr val="000000"/>
+                </a:solidFill>
+              </a:rPr>
+              <a:t>stilizaciju</a:t>
+            </a:r>
+            <a:r>
+              <a:rPr lang="en-GB" dirty="0">
+                <a:solidFill>
+                  <a:srgbClr val="000000"/>
+                </a:solidFill>
+              </a:rPr>
+              <a:t> </a:t>
+            </a:r>
+            <a:r>
+              <a:rPr lang="en-GB" dirty="0" err="1" smtClean="0">
+                <a:solidFill>
+                  <a:srgbClr val="000000"/>
+                </a:solidFill>
+              </a:rPr>
+              <a:t>ve</a:t>
+            </a:r>
+            <a:r>
+              <a:rPr lang="sr-Latn-RS" dirty="0">
+                <a:solidFill>
+                  <a:srgbClr val="000000"/>
+                </a:solidFill>
+              </a:rPr>
+              <a:t>ć</a:t>
+            </a:r>
+            <a:r>
+              <a:rPr lang="en-GB" dirty="0" err="1" smtClean="0">
+                <a:solidFill>
+                  <a:srgbClr val="000000"/>
+                </a:solidFill>
+              </a:rPr>
+              <a:t>eg</a:t>
+            </a:r>
+            <a:r>
+              <a:rPr lang="en-GB" dirty="0" smtClean="0">
+                <a:solidFill>
+                  <a:srgbClr val="000000"/>
+                </a:solidFill>
+              </a:rPr>
+              <a:t> </a:t>
+            </a:r>
+            <a:r>
+              <a:rPr lang="en-GB" dirty="0" err="1">
+                <a:solidFill>
+                  <a:srgbClr val="000000"/>
+                </a:solidFill>
+              </a:rPr>
+              <a:t>broja</a:t>
+            </a:r>
+            <a:r>
+              <a:rPr lang="en-GB" dirty="0">
+                <a:solidFill>
+                  <a:srgbClr val="000000"/>
+                </a:solidFill>
+              </a:rPr>
+              <a:t> </a:t>
+            </a:r>
+            <a:r>
+              <a:rPr lang="en-GB" dirty="0" err="1" smtClean="0">
+                <a:solidFill>
+                  <a:srgbClr val="000000"/>
+                </a:solidFill>
+              </a:rPr>
+              <a:t>veb</a:t>
+            </a:r>
+            <a:r>
+              <a:rPr lang="sr-Latn-RS" dirty="0" smtClean="0">
+                <a:solidFill>
+                  <a:srgbClr val="000000"/>
+                </a:solidFill>
+              </a:rPr>
+              <a:t> </a:t>
+            </a:r>
+            <a:r>
+              <a:rPr lang="en-GB" dirty="0" err="1" smtClean="0">
+                <a:solidFill>
+                  <a:srgbClr val="000000"/>
+                </a:solidFill>
+              </a:rPr>
+              <a:t>strana</a:t>
+            </a:r>
+            <a:r>
+              <a:rPr lang="en-GB" dirty="0" smtClean="0">
+                <a:solidFill>
+                  <a:srgbClr val="000000"/>
+                </a:solidFill>
+              </a:rPr>
+              <a:t> </a:t>
+            </a:r>
+            <a:r>
+              <a:rPr lang="en-GB" dirty="0" err="1">
+                <a:solidFill>
+                  <a:srgbClr val="000000"/>
+                </a:solidFill>
+              </a:rPr>
+              <a:t>na</a:t>
+            </a:r>
+            <a:r>
+              <a:rPr lang="en-GB" dirty="0">
+                <a:solidFill>
+                  <a:srgbClr val="000000"/>
+                </a:solidFill>
+              </a:rPr>
+              <a:t> </a:t>
+            </a:r>
+            <a:r>
+              <a:rPr lang="en-GB" dirty="0" err="1">
+                <a:solidFill>
+                  <a:srgbClr val="000000"/>
+                </a:solidFill>
+              </a:rPr>
+              <a:t>isti</a:t>
+            </a:r>
+            <a:r>
+              <a:rPr lang="en-GB" dirty="0">
+                <a:solidFill>
+                  <a:srgbClr val="000000"/>
+                </a:solidFill>
+              </a:rPr>
+              <a:t> </a:t>
+            </a:r>
+            <a:r>
+              <a:rPr lang="en-GB" dirty="0" err="1" smtClean="0">
+                <a:solidFill>
+                  <a:srgbClr val="000000"/>
+                </a:solidFill>
+              </a:rPr>
+              <a:t>na</a:t>
+            </a:r>
+            <a:r>
+              <a:rPr lang="sr-Latn-RS" dirty="0">
+                <a:solidFill>
+                  <a:srgbClr val="000000"/>
+                </a:solidFill>
+              </a:rPr>
+              <a:t>č</a:t>
+            </a:r>
+            <a:r>
+              <a:rPr lang="en-GB" dirty="0" smtClean="0">
+                <a:solidFill>
+                  <a:srgbClr val="000000"/>
+                </a:solidFill>
+              </a:rPr>
+              <a:t>in</a:t>
+            </a:r>
+            <a:endParaRPr lang="en-GB" dirty="0">
+              <a:solidFill>
+                <a:srgbClr val="000000"/>
+              </a:solidFill>
+            </a:endParaRPr>
+          </a:p>
+          <a:p>
+            <a:pPr lvl="1">
+              <a:spcBef>
+                <a:spcPts val="1200"/>
+              </a:spcBef>
+            </a:pPr>
+            <a:r>
+              <a:rPr lang="en-GB" dirty="0" err="1">
+                <a:solidFill>
+                  <a:srgbClr val="000000"/>
+                </a:solidFill>
+              </a:rPr>
+              <a:t>Zapisuju</a:t>
+            </a:r>
+            <a:r>
+              <a:rPr lang="en-GB" dirty="0">
+                <a:solidFill>
+                  <a:srgbClr val="000000"/>
+                </a:solidFill>
+              </a:rPr>
+              <a:t> se u </a:t>
+            </a:r>
+            <a:r>
+              <a:rPr lang="en-GB" dirty="0" err="1">
+                <a:solidFill>
+                  <a:srgbClr val="000000"/>
+                </a:solidFill>
+              </a:rPr>
+              <a:t>vidu</a:t>
+            </a:r>
+            <a:r>
+              <a:rPr lang="en-GB" dirty="0">
+                <a:solidFill>
+                  <a:srgbClr val="000000"/>
+                </a:solidFill>
+              </a:rPr>
+              <a:t> </a:t>
+            </a:r>
+            <a:r>
+              <a:rPr lang="en-GB" dirty="0" err="1">
+                <a:solidFill>
+                  <a:srgbClr val="000000"/>
+                </a:solidFill>
+              </a:rPr>
+              <a:t>tekstualne</a:t>
+            </a:r>
+            <a:r>
+              <a:rPr lang="en-GB" dirty="0">
+                <a:solidFill>
+                  <a:srgbClr val="000000"/>
+                </a:solidFill>
+              </a:rPr>
+              <a:t> </a:t>
+            </a:r>
+            <a:r>
+              <a:rPr lang="en-GB" dirty="0" err="1">
+                <a:solidFill>
+                  <a:srgbClr val="000000"/>
+                </a:solidFill>
+              </a:rPr>
+              <a:t>datoteke</a:t>
+            </a:r>
+            <a:r>
+              <a:rPr lang="en-GB" dirty="0">
+                <a:solidFill>
+                  <a:srgbClr val="000000"/>
+                </a:solidFill>
+              </a:rPr>
+              <a:t> </a:t>
+            </a:r>
+            <a:r>
+              <a:rPr lang="en-GB" dirty="0" err="1">
+                <a:solidFill>
+                  <a:srgbClr val="000000"/>
+                </a:solidFill>
+              </a:rPr>
+              <a:t>sa</a:t>
+            </a:r>
+            <a:r>
+              <a:rPr lang="en-GB" dirty="0">
+                <a:solidFill>
+                  <a:srgbClr val="000000"/>
+                </a:solidFill>
+              </a:rPr>
+              <a:t> </a:t>
+            </a:r>
+            <a:r>
+              <a:rPr lang="en-GB" dirty="0" err="1">
+                <a:solidFill>
+                  <a:srgbClr val="000000"/>
+                </a:solidFill>
+              </a:rPr>
+              <a:t>ekstenzijom</a:t>
+            </a:r>
+            <a:r>
+              <a:rPr lang="en-GB" dirty="0">
+                <a:solidFill>
+                  <a:srgbClr val="000000"/>
+                </a:solidFill>
+              </a:rPr>
+              <a:t> </a:t>
+            </a:r>
+            <a:r>
+              <a:rPr lang="en-GB" dirty="0">
+                <a:solidFill>
+                  <a:srgbClr val="002060"/>
+                </a:solidFill>
+              </a:rPr>
+              <a:t>.</a:t>
+            </a:r>
+            <a:r>
+              <a:rPr lang="en-GB" dirty="0" err="1">
+                <a:solidFill>
+                  <a:srgbClr val="002060"/>
+                </a:solidFill>
+              </a:rPr>
+              <a:t>css</a:t>
+            </a:r>
+            <a:endParaRPr lang="en-GB" dirty="0">
+              <a:solidFill>
+                <a:srgbClr val="002060"/>
+              </a:solidFill>
+            </a:endParaRPr>
+          </a:p>
+          <a:p>
+            <a:pPr lvl="1">
+              <a:spcBef>
+                <a:spcPts val="1200"/>
+              </a:spcBef>
+            </a:pPr>
+            <a:r>
+              <a:rPr lang="en-GB" dirty="0" err="1">
+                <a:solidFill>
+                  <a:srgbClr val="000000"/>
+                </a:solidFill>
+              </a:rPr>
+              <a:t>Pojednostavljuje</a:t>
+            </a:r>
+            <a:r>
+              <a:rPr lang="en-GB" dirty="0">
+                <a:solidFill>
+                  <a:srgbClr val="000000"/>
+                </a:solidFill>
+              </a:rPr>
+              <a:t> </a:t>
+            </a:r>
+            <a:r>
+              <a:rPr lang="en-GB" dirty="0" err="1">
+                <a:solidFill>
+                  <a:srgbClr val="000000"/>
+                </a:solidFill>
+              </a:rPr>
+              <a:t>izmenu</a:t>
+            </a:r>
+            <a:r>
+              <a:rPr lang="en-GB" dirty="0">
+                <a:solidFill>
+                  <a:srgbClr val="000000"/>
+                </a:solidFill>
+              </a:rPr>
+              <a:t> </a:t>
+            </a:r>
+            <a:r>
+              <a:rPr lang="en-GB" dirty="0" err="1">
+                <a:solidFill>
+                  <a:srgbClr val="000000"/>
+                </a:solidFill>
+              </a:rPr>
+              <a:t>vizuelne</a:t>
+            </a:r>
+            <a:r>
+              <a:rPr lang="en-GB" dirty="0">
+                <a:solidFill>
+                  <a:srgbClr val="000000"/>
+                </a:solidFill>
+              </a:rPr>
+              <a:t> </a:t>
+            </a:r>
+            <a:r>
+              <a:rPr lang="en-GB" dirty="0" err="1">
+                <a:solidFill>
+                  <a:srgbClr val="000000"/>
+                </a:solidFill>
+              </a:rPr>
+              <a:t>prezentacije</a:t>
+            </a:r>
+            <a:r>
+              <a:rPr lang="en-GB" dirty="0">
+                <a:solidFill>
+                  <a:srgbClr val="000000"/>
+                </a:solidFill>
+              </a:rPr>
+              <a:t> </a:t>
+            </a:r>
+            <a:r>
+              <a:rPr lang="en-GB" dirty="0" err="1">
+                <a:solidFill>
+                  <a:srgbClr val="000000"/>
+                </a:solidFill>
+              </a:rPr>
+              <a:t>celog</a:t>
+            </a:r>
+            <a:r>
+              <a:rPr lang="en-GB" dirty="0">
+                <a:solidFill>
+                  <a:srgbClr val="000000"/>
+                </a:solidFill>
+              </a:rPr>
+              <a:t> </a:t>
+            </a:r>
+            <a:r>
+              <a:rPr lang="en-GB" dirty="0" err="1" smtClean="0">
+                <a:solidFill>
+                  <a:srgbClr val="000000"/>
+                </a:solidFill>
+              </a:rPr>
+              <a:t>veb</a:t>
+            </a:r>
+            <a:r>
+              <a:rPr lang="sr-Latn-RS" dirty="0" smtClean="0">
+                <a:solidFill>
+                  <a:srgbClr val="000000"/>
+                </a:solidFill>
+              </a:rPr>
+              <a:t> </a:t>
+            </a:r>
+            <a:r>
+              <a:rPr lang="en-GB" dirty="0" err="1" smtClean="0">
+                <a:solidFill>
+                  <a:srgbClr val="000000"/>
+                </a:solidFill>
+              </a:rPr>
+              <a:t>sajta</a:t>
+            </a:r>
+            <a:endParaRPr lang="en-GB" dirty="0">
+              <a:solidFill>
+                <a:srgbClr val="000000"/>
+              </a:solidFill>
+            </a:endParaRPr>
+          </a:p>
+          <a:p>
+            <a:pPr lvl="1">
+              <a:spcBef>
+                <a:spcPts val="1200"/>
+              </a:spcBef>
+            </a:pPr>
+            <a:r>
+              <a:rPr lang="en-GB" dirty="0" err="1" smtClean="0">
+                <a:solidFill>
+                  <a:srgbClr val="000000"/>
+                </a:solidFill>
+              </a:rPr>
+              <a:t>Uklju</a:t>
+            </a:r>
+            <a:r>
+              <a:rPr lang="sr-Latn-RS" dirty="0">
+                <a:solidFill>
+                  <a:srgbClr val="000000"/>
+                </a:solidFill>
+              </a:rPr>
+              <a:t>č</a:t>
+            </a:r>
+            <a:r>
+              <a:rPr lang="en-GB" dirty="0" err="1" smtClean="0">
+                <a:solidFill>
+                  <a:srgbClr val="000000"/>
+                </a:solidFill>
+              </a:rPr>
+              <a:t>uje</a:t>
+            </a:r>
+            <a:r>
+              <a:rPr lang="en-GB" dirty="0" smtClean="0">
+                <a:solidFill>
+                  <a:srgbClr val="000000"/>
+                </a:solidFill>
+              </a:rPr>
+              <a:t> </a:t>
+            </a:r>
+            <a:r>
+              <a:rPr lang="en-GB" dirty="0">
+                <a:solidFill>
+                  <a:srgbClr val="000000"/>
+                </a:solidFill>
+              </a:rPr>
+              <a:t>se </a:t>
+            </a:r>
+            <a:r>
+              <a:rPr lang="en-GB" dirty="0" err="1" smtClean="0">
+                <a:solidFill>
+                  <a:srgbClr val="000000"/>
+                </a:solidFill>
+              </a:rPr>
+              <a:t>kori</a:t>
+            </a:r>
+            <a:r>
+              <a:rPr lang="sr-Latn-RS" dirty="0" err="1" smtClean="0">
+                <a:solidFill>
+                  <a:srgbClr val="000000"/>
+                </a:solidFill>
+              </a:rPr>
+              <a:t>šć</a:t>
+            </a:r>
+            <a:r>
+              <a:rPr lang="en-GB" dirty="0" err="1" smtClean="0">
+                <a:solidFill>
+                  <a:srgbClr val="000000"/>
+                </a:solidFill>
+              </a:rPr>
+              <a:t>enjem</a:t>
+            </a:r>
+            <a:r>
+              <a:rPr lang="en-GB" dirty="0" smtClean="0">
+                <a:solidFill>
+                  <a:srgbClr val="000000"/>
+                </a:solidFill>
+              </a:rPr>
+              <a:t> </a:t>
+            </a:r>
+            <a:r>
+              <a:rPr lang="en-GB" dirty="0" err="1">
+                <a:solidFill>
+                  <a:srgbClr val="000000"/>
+                </a:solidFill>
+              </a:rPr>
+              <a:t>elementa</a:t>
+            </a:r>
+            <a:r>
+              <a:rPr lang="en-GB" dirty="0">
+                <a:solidFill>
+                  <a:srgbClr val="000000"/>
+                </a:solidFill>
+              </a:rPr>
+              <a:t> </a:t>
+            </a:r>
+            <a:r>
+              <a:rPr lang="en-GB" dirty="0">
+                <a:solidFill>
+                  <a:srgbClr val="002060"/>
+                </a:solidFill>
+              </a:rPr>
+              <a:t>link</a:t>
+            </a:r>
+            <a:r>
+              <a:rPr lang="en-GB" dirty="0">
+                <a:solidFill>
+                  <a:srgbClr val="009A46"/>
+                </a:solidFill>
+              </a:rPr>
+              <a:t> </a:t>
+            </a:r>
+            <a:r>
+              <a:rPr lang="en-GB" dirty="0">
+                <a:solidFill>
+                  <a:srgbClr val="000000"/>
+                </a:solidFill>
+              </a:rPr>
+              <a:t>u </a:t>
+            </a:r>
+            <a:r>
+              <a:rPr lang="en-GB" dirty="0" err="1">
+                <a:solidFill>
+                  <a:srgbClr val="000000"/>
+                </a:solidFill>
+              </a:rPr>
+              <a:t>zaglavlju</a:t>
+            </a:r>
+            <a:r>
+              <a:rPr lang="en-GB" dirty="0">
+                <a:solidFill>
+                  <a:srgbClr val="000000"/>
+                </a:solidFill>
+              </a:rPr>
+              <a:t> </a:t>
+            </a:r>
+            <a:r>
+              <a:rPr lang="en-GB" dirty="0" err="1">
+                <a:solidFill>
+                  <a:srgbClr val="000000"/>
+                </a:solidFill>
+              </a:rPr>
+              <a:t>dokumenta</a:t>
+            </a:r>
+            <a:r>
+              <a:rPr lang="en-GB" dirty="0" smtClean="0">
+                <a:solidFill>
+                  <a:srgbClr val="000000"/>
+                </a:solidFill>
+              </a:rPr>
+              <a:t>,</a:t>
+            </a:r>
+            <a:r>
+              <a:rPr lang="sr-Latn-RS" dirty="0" smtClean="0">
+                <a:solidFill>
+                  <a:srgbClr val="000000"/>
+                </a:solidFill>
+              </a:rPr>
+              <a:t> </a:t>
+            </a:r>
+            <a:r>
+              <a:rPr lang="en-GB" dirty="0" err="1" smtClean="0">
+                <a:solidFill>
+                  <a:srgbClr val="000000"/>
+                </a:solidFill>
+              </a:rPr>
+              <a:t>navo</a:t>
+            </a:r>
+            <a:r>
+              <a:rPr lang="sr-Latn-RS" dirty="0" smtClean="0">
+                <a:solidFill>
+                  <a:srgbClr val="000000"/>
+                </a:solidFill>
+              </a:rPr>
+              <a:t>đ</a:t>
+            </a:r>
+            <a:r>
+              <a:rPr lang="en-GB" dirty="0" smtClean="0">
+                <a:solidFill>
+                  <a:srgbClr val="000000"/>
+                </a:solidFill>
+              </a:rPr>
+              <a:t></a:t>
+            </a:r>
+            <a:r>
+              <a:rPr lang="en-GB" dirty="0" err="1">
+                <a:solidFill>
+                  <a:srgbClr val="000000"/>
+                </a:solidFill>
+              </a:rPr>
+              <a:t>enjem</a:t>
+            </a:r>
+            <a:r>
+              <a:rPr lang="en-GB" dirty="0">
+                <a:solidFill>
+                  <a:srgbClr val="000000"/>
+                </a:solidFill>
+              </a:rPr>
+              <a:t> </a:t>
+            </a:r>
+            <a:r>
+              <a:rPr lang="en-GB" dirty="0" err="1">
+                <a:solidFill>
+                  <a:srgbClr val="000000"/>
+                </a:solidFill>
+              </a:rPr>
+              <a:t>atributa</a:t>
+            </a:r>
+            <a:r>
+              <a:rPr lang="en-GB" dirty="0">
+                <a:solidFill>
+                  <a:srgbClr val="000000"/>
+                </a:solidFill>
+              </a:rPr>
+              <a:t> </a:t>
+            </a:r>
+            <a:r>
+              <a:rPr lang="en-GB" dirty="0" err="1">
+                <a:solidFill>
+                  <a:srgbClr val="009A46"/>
+                </a:solidFill>
+              </a:rPr>
+              <a:t>rel</a:t>
+            </a:r>
+            <a:r>
+              <a:rPr lang="en-GB" dirty="0">
+                <a:solidFill>
+                  <a:srgbClr val="009A46"/>
+                </a:solidFill>
+              </a:rPr>
+              <a:t> </a:t>
+            </a:r>
+            <a:r>
+              <a:rPr lang="en-GB" dirty="0" err="1">
+                <a:solidFill>
+                  <a:srgbClr val="000000"/>
+                </a:solidFill>
+              </a:rPr>
+              <a:t>sa</a:t>
+            </a:r>
+            <a:r>
+              <a:rPr lang="en-GB" dirty="0">
+                <a:solidFill>
+                  <a:srgbClr val="000000"/>
+                </a:solidFill>
+              </a:rPr>
+              <a:t> </a:t>
+            </a:r>
+            <a:r>
+              <a:rPr lang="en-GB" dirty="0" err="1" smtClean="0">
+                <a:solidFill>
+                  <a:srgbClr val="000000"/>
+                </a:solidFill>
+              </a:rPr>
+              <a:t>vredno</a:t>
+            </a:r>
+            <a:r>
+              <a:rPr lang="sr-Latn-RS" dirty="0" err="1" smtClean="0">
+                <a:solidFill>
+                  <a:srgbClr val="000000"/>
+                </a:solidFill>
+              </a:rPr>
+              <a:t>šć</a:t>
+            </a:r>
+            <a:r>
+              <a:rPr lang="en-GB" dirty="0" smtClean="0">
+                <a:solidFill>
+                  <a:srgbClr val="000000"/>
+                </a:solidFill>
+              </a:rPr>
+              <a:t>u </a:t>
+            </a:r>
+            <a:r>
+              <a:rPr lang="en-GB" dirty="0">
+                <a:solidFill>
+                  <a:srgbClr val="009A46"/>
+                </a:solidFill>
+              </a:rPr>
+              <a:t>stylesheet</a:t>
+            </a:r>
+            <a:r>
+              <a:rPr lang="sr-Latn-RS" dirty="0" smtClean="0">
+                <a:solidFill>
+                  <a:srgbClr val="000000"/>
+                </a:solidFill>
+              </a:rPr>
+              <a:t/>
+            </a:r>
+            <a:br>
+              <a:rPr lang="sr-Latn-RS" dirty="0" smtClean="0">
+                <a:solidFill>
+                  <a:srgbClr val="000000"/>
+                </a:solidFill>
+              </a:rPr>
+            </a:br>
+            <a:r>
+              <a:rPr lang="en-US" sz="1600" b="1" dirty="0">
+                <a:solidFill>
+                  <a:srgbClr val="005828"/>
+                </a:solidFill>
+                <a:latin typeface="Courier New" panose="02070309020205020404" pitchFamily="49" charset="0"/>
+                <a:cs typeface="Courier New" panose="02070309020205020404" pitchFamily="49" charset="0"/>
+              </a:rPr>
+              <a:t>&lt;link </a:t>
+            </a:r>
+            <a:r>
+              <a:rPr lang="en-US" sz="1600" b="1" dirty="0" err="1">
+                <a:solidFill>
+                  <a:srgbClr val="005828"/>
+                </a:solidFill>
+                <a:latin typeface="Courier New" panose="02070309020205020404" pitchFamily="49" charset="0"/>
+                <a:cs typeface="Courier New" panose="02070309020205020404" pitchFamily="49" charset="0"/>
+              </a:rPr>
+              <a:t>rel</a:t>
+            </a:r>
+            <a:r>
+              <a:rPr lang="en-US" sz="1600" b="1" dirty="0">
+                <a:solidFill>
+                  <a:srgbClr val="005828"/>
+                </a:solidFill>
+                <a:latin typeface="Courier New" panose="02070309020205020404" pitchFamily="49" charset="0"/>
+                <a:cs typeface="Courier New" panose="02070309020205020404" pitchFamily="49" charset="0"/>
+              </a:rPr>
+              <a:t>="stylesheet" type="text/</a:t>
+            </a:r>
+            <a:r>
+              <a:rPr lang="en-US" sz="1600" b="1" dirty="0" err="1">
+                <a:solidFill>
+                  <a:srgbClr val="005828"/>
+                </a:solidFill>
+                <a:latin typeface="Courier New" panose="02070309020205020404" pitchFamily="49" charset="0"/>
+                <a:cs typeface="Courier New" panose="02070309020205020404" pitchFamily="49" charset="0"/>
+              </a:rPr>
+              <a:t>css</a:t>
+            </a:r>
+            <a:r>
+              <a:rPr lang="en-US" sz="1600" b="1" dirty="0">
+                <a:solidFill>
+                  <a:srgbClr val="005828"/>
+                </a:solidFill>
+                <a:latin typeface="Courier New" panose="02070309020205020404" pitchFamily="49" charset="0"/>
+                <a:cs typeface="Courier New" panose="02070309020205020404" pitchFamily="49" charset="0"/>
+              </a:rPr>
+              <a:t>" </a:t>
+            </a:r>
+            <a:r>
+              <a:rPr lang="en-US" sz="1600" b="1" dirty="0" err="1">
+                <a:solidFill>
+                  <a:srgbClr val="005828"/>
+                </a:solidFill>
+                <a:latin typeface="Courier New" panose="02070309020205020404" pitchFamily="49" charset="0"/>
+                <a:cs typeface="Courier New" panose="02070309020205020404" pitchFamily="49" charset="0"/>
+              </a:rPr>
+              <a:t>href</a:t>
+            </a:r>
+            <a:r>
+              <a:rPr lang="en-US" sz="1600" b="1" dirty="0">
+                <a:solidFill>
+                  <a:srgbClr val="005828"/>
+                </a:solidFill>
+                <a:latin typeface="Courier New" panose="02070309020205020404" pitchFamily="49" charset="0"/>
+                <a:cs typeface="Courier New" panose="02070309020205020404" pitchFamily="49" charset="0"/>
+              </a:rPr>
+              <a:t>="stil.css" /&gt;</a:t>
+            </a:r>
+            <a:endParaRPr lang="sr-Cyrl-RS" altLang="en-US" sz="1600" b="1" dirty="0" smtClean="0">
+              <a:solidFill>
+                <a:srgbClr val="005828"/>
+              </a:solidFill>
+              <a:latin typeface="Courier New" panose="02070309020205020404" pitchFamily="49" charset="0"/>
+              <a:cs typeface="Courier New" panose="02070309020205020404" pitchFamily="49" charset="0"/>
+            </a:endParaRPr>
+          </a:p>
+          <a:p>
+            <a:pPr lvl="1">
+              <a:spcBef>
+                <a:spcPts val="1200"/>
+              </a:spcBef>
+            </a:pPr>
+            <a:r>
+              <a:rPr lang="en-GB" dirty="0" err="1">
+                <a:solidFill>
+                  <a:srgbClr val="000000"/>
+                </a:solidFill>
+              </a:rPr>
+              <a:t>Jezik</a:t>
+            </a:r>
+            <a:r>
+              <a:rPr lang="en-GB" dirty="0">
+                <a:solidFill>
+                  <a:srgbClr val="000000"/>
+                </a:solidFill>
+              </a:rPr>
+              <a:t> CSS </a:t>
+            </a:r>
+            <a:r>
+              <a:rPr lang="en-GB" dirty="0" err="1">
+                <a:solidFill>
+                  <a:srgbClr val="000000"/>
+                </a:solidFill>
+              </a:rPr>
+              <a:t>dozvoljava</a:t>
+            </a:r>
+            <a:r>
+              <a:rPr lang="en-GB" dirty="0">
+                <a:solidFill>
+                  <a:srgbClr val="000000"/>
+                </a:solidFill>
+              </a:rPr>
+              <a:t> </a:t>
+            </a:r>
+            <a:r>
+              <a:rPr lang="en-GB" dirty="0" err="1">
+                <a:solidFill>
+                  <a:srgbClr val="000000"/>
+                </a:solidFill>
+              </a:rPr>
+              <a:t>uvoz</a:t>
+            </a:r>
+            <a:r>
+              <a:rPr lang="en-GB" dirty="0">
+                <a:solidFill>
+                  <a:srgbClr val="000000"/>
+                </a:solidFill>
+              </a:rPr>
+              <a:t> </a:t>
+            </a:r>
+            <a:r>
+              <a:rPr lang="en-GB" dirty="0" err="1">
+                <a:solidFill>
+                  <a:srgbClr val="000000"/>
+                </a:solidFill>
+              </a:rPr>
+              <a:t>nekog</a:t>
+            </a:r>
+            <a:r>
+              <a:rPr lang="en-GB" dirty="0">
+                <a:solidFill>
+                  <a:srgbClr val="000000"/>
+                </a:solidFill>
+              </a:rPr>
+              <a:t> </a:t>
+            </a:r>
+            <a:r>
+              <a:rPr lang="en-GB" dirty="0" err="1">
+                <a:solidFill>
+                  <a:srgbClr val="000000"/>
+                </a:solidFill>
+              </a:rPr>
+              <a:t>drugog</a:t>
+            </a:r>
+            <a:r>
+              <a:rPr lang="en-GB" dirty="0">
+                <a:solidFill>
+                  <a:srgbClr val="000000"/>
+                </a:solidFill>
+              </a:rPr>
+              <a:t> </a:t>
+            </a:r>
+            <a:r>
+              <a:rPr lang="en-GB" dirty="0" err="1">
+                <a:solidFill>
+                  <a:srgbClr val="000000"/>
+                </a:solidFill>
+              </a:rPr>
+              <a:t>stilskog</a:t>
+            </a:r>
+            <a:r>
+              <a:rPr lang="en-GB" dirty="0">
+                <a:solidFill>
+                  <a:srgbClr val="000000"/>
+                </a:solidFill>
+              </a:rPr>
+              <a:t> </a:t>
+            </a:r>
+            <a:r>
+              <a:rPr lang="en-GB" dirty="0" err="1">
+                <a:solidFill>
+                  <a:srgbClr val="000000"/>
+                </a:solidFill>
+              </a:rPr>
+              <a:t>lista</a:t>
+            </a:r>
+            <a:r>
+              <a:rPr lang="en-GB" dirty="0">
+                <a:solidFill>
+                  <a:srgbClr val="000000"/>
+                </a:solidFill>
+              </a:rPr>
+              <a:t> u </a:t>
+            </a:r>
+            <a:r>
+              <a:rPr lang="en-GB" dirty="0" err="1">
+                <a:solidFill>
+                  <a:srgbClr val="000000"/>
+                </a:solidFill>
+              </a:rPr>
+              <a:t>dati</a:t>
+            </a:r>
+            <a:r>
+              <a:rPr lang="en-GB" dirty="0">
+                <a:solidFill>
+                  <a:srgbClr val="000000"/>
+                </a:solidFill>
+              </a:rPr>
+              <a:t> </a:t>
+            </a:r>
+            <a:r>
+              <a:rPr lang="en-GB" dirty="0" err="1">
+                <a:solidFill>
+                  <a:srgbClr val="000000"/>
+                </a:solidFill>
+              </a:rPr>
+              <a:t>stilski</a:t>
+            </a:r>
+            <a:r>
+              <a:rPr lang="en-GB" dirty="0">
+                <a:solidFill>
+                  <a:srgbClr val="000000"/>
+                </a:solidFill>
+              </a:rPr>
+              <a:t> list</a:t>
+            </a:r>
+            <a:r>
+              <a:rPr lang="en-GB" dirty="0" smtClean="0">
+                <a:solidFill>
+                  <a:srgbClr val="000000"/>
+                </a:solidFill>
+              </a:rPr>
+              <a:t>,</a:t>
+            </a:r>
+            <a:r>
+              <a:rPr lang="sr-Latn-RS" dirty="0" smtClean="0">
+                <a:solidFill>
+                  <a:srgbClr val="000000"/>
+                </a:solidFill>
+              </a:rPr>
+              <a:t> </a:t>
+            </a:r>
+            <a:r>
+              <a:rPr lang="en-GB" dirty="0" err="1" smtClean="0">
+                <a:solidFill>
+                  <a:srgbClr val="000000"/>
+                </a:solidFill>
+              </a:rPr>
+              <a:t>kor</a:t>
+            </a:r>
+            <a:r>
+              <a:rPr lang="sr-Latn-RS" dirty="0" err="1" smtClean="0">
+                <a:solidFill>
+                  <a:srgbClr val="000000"/>
+                </a:solidFill>
+              </a:rPr>
+              <a:t>šć</a:t>
+            </a:r>
+            <a:r>
+              <a:rPr lang="en-GB" dirty="0" err="1" smtClean="0">
+                <a:solidFill>
+                  <a:srgbClr val="000000"/>
+                </a:solidFill>
+              </a:rPr>
+              <a:t>enjem</a:t>
+            </a:r>
+            <a:r>
+              <a:rPr lang="en-GB" dirty="0" smtClean="0">
+                <a:solidFill>
+                  <a:srgbClr val="000000"/>
+                </a:solidFill>
+              </a:rPr>
+              <a:t> </a:t>
+            </a:r>
+            <a:r>
+              <a:rPr lang="en-GB" dirty="0" err="1">
+                <a:solidFill>
+                  <a:srgbClr val="000000"/>
+                </a:solidFill>
+              </a:rPr>
+              <a:t>direktive</a:t>
+            </a:r>
+            <a:r>
+              <a:rPr lang="en-GB" dirty="0">
+                <a:solidFill>
+                  <a:srgbClr val="000000"/>
+                </a:solidFill>
+              </a:rPr>
+              <a:t> </a:t>
+            </a:r>
+            <a:r>
+              <a:rPr lang="en-GB" dirty="0">
+                <a:solidFill>
+                  <a:srgbClr val="002060"/>
+                </a:solidFill>
+              </a:rPr>
+              <a:t>@import</a:t>
+            </a:r>
+            <a:r>
+              <a:rPr lang="sr-Latn-RS" dirty="0">
+                <a:solidFill>
+                  <a:srgbClr val="000000"/>
+                </a:solidFill>
+              </a:rPr>
+              <a:t/>
+            </a:r>
+            <a:br>
+              <a:rPr lang="sr-Latn-RS" dirty="0">
+                <a:solidFill>
+                  <a:srgbClr val="000000"/>
+                </a:solidFill>
+              </a:rPr>
+            </a:br>
+            <a:r>
+              <a:rPr lang="en-US" sz="1600" b="1" dirty="0">
+                <a:solidFill>
+                  <a:srgbClr val="005828"/>
+                </a:solidFill>
+                <a:latin typeface="Courier New" panose="02070309020205020404" pitchFamily="49" charset="0"/>
+                <a:cs typeface="Courier New" panose="02070309020205020404" pitchFamily="49" charset="0"/>
+              </a:rPr>
+              <a:t>&lt;style type="text/</a:t>
+            </a:r>
+            <a:r>
+              <a:rPr lang="en-US" sz="1600" b="1" dirty="0" err="1">
+                <a:solidFill>
+                  <a:srgbClr val="005828"/>
+                </a:solidFill>
+                <a:latin typeface="Courier New" panose="02070309020205020404" pitchFamily="49" charset="0"/>
+                <a:cs typeface="Courier New" panose="02070309020205020404" pitchFamily="49" charset="0"/>
+              </a:rPr>
+              <a:t>css</a:t>
+            </a:r>
+            <a:r>
+              <a:rPr lang="en-US" sz="1600" b="1" dirty="0">
+                <a:solidFill>
+                  <a:srgbClr val="005828"/>
+                </a:solidFill>
+                <a:latin typeface="Courier New" panose="02070309020205020404" pitchFamily="49" charset="0"/>
+                <a:cs typeface="Courier New" panose="02070309020205020404" pitchFamily="49" charset="0"/>
+              </a:rPr>
+              <a:t>"&gt; @import </a:t>
+            </a:r>
+            <a:r>
+              <a:rPr lang="en-US" sz="1600" b="1" dirty="0" err="1">
+                <a:solidFill>
+                  <a:srgbClr val="005828"/>
+                </a:solidFill>
+                <a:latin typeface="Courier New" panose="02070309020205020404" pitchFamily="49" charset="0"/>
+                <a:cs typeface="Courier New" panose="02070309020205020404" pitchFamily="49" charset="0"/>
+              </a:rPr>
+              <a:t>url</a:t>
+            </a:r>
+            <a:r>
+              <a:rPr lang="en-US" sz="1600" b="1" dirty="0">
+                <a:solidFill>
+                  <a:srgbClr val="005828"/>
+                </a:solidFill>
+                <a:latin typeface="Courier New" panose="02070309020205020404" pitchFamily="49" charset="0"/>
+                <a:cs typeface="Courier New" panose="02070309020205020404" pitchFamily="49" charset="0"/>
+              </a:rPr>
+              <a:t>("stil.css"); &lt;/style&gt;</a:t>
+            </a:r>
+            <a:endParaRPr lang="sr-Cyrl-RS" altLang="en-US" sz="1600" b="1" dirty="0">
+              <a:solidFill>
+                <a:srgbClr val="005828"/>
+              </a:solidFill>
+              <a:latin typeface="Courier New" panose="02070309020205020404" pitchFamily="49" charset="0"/>
+              <a:cs typeface="Courier New" panose="02070309020205020404" pitchFamily="49" charset="0"/>
+            </a:endParaRPr>
+          </a:p>
+          <a:p>
+            <a:pPr marL="0" lvl="0" indent="0">
+              <a:buNone/>
+            </a:pPr>
+            <a:endParaRPr lang="sr-Latn-CS" altLang="en-US" sz="1200" dirty="0">
+              <a:solidFill>
+                <a:srgbClr val="000000"/>
+              </a:solidFill>
+            </a:endParaRPr>
+          </a:p>
+          <a:p>
+            <a:pPr marL="0" indent="0">
+              <a:buFont typeface="Wingdings" pitchFamily="2" charset="2"/>
+              <a:buNone/>
+            </a:pPr>
+            <a:endParaRPr lang="sr-Latn-CS" altLang="en-US" sz="1200" dirty="0" smtClean="0"/>
+          </a:p>
+        </p:txBody>
+      </p:sp>
+    </p:spTree>
+    <p:extLst>
+      <p:ext uri="{BB962C8B-B14F-4D97-AF65-F5344CB8AC3E}">
+        <p14:creationId xmlns:p14="http://schemas.microsoft.com/office/powerpoint/2010/main" val="4053113590"/>
+      </p:ext>
+    </p:extLst>
+  </p:cSld>
+  <p:clrMapOvr>
+    <a:masterClrMapping/>
+  </p:clrMapOvr>
+  <p:timing>
+    <p:tnLst>
+      <p:par>
+        <p:cTn id="1" dur="indefinite" restart="never" nodeType="tmRoot"/>
+      </p:par>
+    </p:tnLst>
+  </p:timing>
+</p:sld>
+</file>
+
+<file path=ppt/slides/slide9.xml><?xml version="1.0" encoding="utf-8"?>
+<p:sld xmlns:a="http://schemas.openxmlformats.org/drawingml/2006/main" xmlns:r="http://schemas.openxmlformats.org/officeDocument/2006/relationships" xmlns:p="http://schemas.openxmlformats.org/presentationml/2006/main">
+  <p:cSld>
+    <p:spTree>
+      <p:nvGrpSpPr>
+        <p:cNvPr id="1" name=""/>
+        <p:cNvGrpSpPr/>
+        <p:nvPr/>
+      </p:nvGrpSpPr>
+      <p:grpSpPr>
+        <a:xfrm>
+          <a:off x="0" y="0"/>
+          <a:ext cx="0" cy="0"/>
+          <a:chOff x="0" y="0"/>
+          <a:chExt cx="0" cy="0"/>
+        </a:xfrm>
+      </p:grpSpPr>
+      <p:sp>
+        <p:nvSpPr>
+          <p:cNvPr id="92162" name="Rectangle 2"/>
+          <p:cNvSpPr>
+            <a:spLocks noGrp="1" noChangeArrowheads="1"/>
+          </p:cNvSpPr>
+          <p:nvPr>
+            <p:ph type="title"/>
+          </p:nvPr>
+        </p:nvSpPr>
+        <p:spPr/>
+        <p:txBody>
+          <a:bodyPr/>
+          <a:lstStyle/>
+          <a:p>
+            <a:r>
+              <a:rPr lang="fi-FI" dirty="0" err="1" smtClean="0"/>
+              <a:t>Nasle</a:t>
+            </a:r>
+            <a:r>
+              <a:rPr lang="sr-Latn-RS" dirty="0" smtClean="0"/>
+              <a:t>đ</a:t>
+            </a:r>
+            <a:r>
+              <a:rPr lang="fi-FI" dirty="0" err="1" smtClean="0"/>
+              <a:t></a:t>
+            </a:r>
+            <a:r>
+              <a:rPr lang="fi-FI" dirty="0" err="1"/>
+              <a:t>ivanje</a:t>
+            </a:r>
+            <a:r>
+              <a:rPr lang="fi-FI" dirty="0"/>
+              <a:t> </a:t>
+            </a:r>
+            <a:r>
+              <a:rPr lang="fi-FI" dirty="0" err="1"/>
+              <a:t>stilskih</a:t>
+            </a:r>
+            <a:r>
+              <a:rPr lang="fi-FI" dirty="0"/>
+              <a:t> </a:t>
+            </a:r>
+            <a:r>
+              <a:rPr lang="fi-FI" dirty="0" err="1"/>
+              <a:t>listova</a:t>
+            </a:r>
+            <a:endParaRPr lang="sr-Latn-RS" dirty="0"/>
+          </a:p>
+        </p:txBody>
+      </p:sp>
+      <p:sp>
+        <p:nvSpPr>
+          <p:cNvPr id="92163" name="Rectangle 3"/>
+          <p:cNvSpPr>
+            <a:spLocks noGrp="1" noChangeArrowheads="1"/>
+          </p:cNvSpPr>
+          <p:nvPr>
+            <p:ph idx="1"/>
+          </p:nvPr>
+        </p:nvSpPr>
+        <p:spPr>
+          <a:xfrm>
+            <a:off x="457200" y="1600200"/>
+            <a:ext cx="8391525" cy="5257800"/>
+          </a:xfrm>
+        </p:spPr>
+        <p:txBody>
+          <a:bodyPr/>
+          <a:lstStyle/>
+          <a:p>
+            <a:pPr lvl="0">
+              <a:spcBef>
+                <a:spcPts val="1200"/>
+              </a:spcBef>
+            </a:pPr>
+            <a:r>
+              <a:rPr lang="en-GB" dirty="0" err="1"/>
+              <a:t>Za</a:t>
+            </a:r>
+            <a:r>
+              <a:rPr lang="en-GB" dirty="0"/>
+              <a:t> </a:t>
+            </a:r>
+            <a:r>
+              <a:rPr lang="en-GB" dirty="0" err="1"/>
+              <a:t>neka</a:t>
+            </a:r>
+            <a:r>
+              <a:rPr lang="en-GB" dirty="0"/>
+              <a:t> </a:t>
+            </a:r>
+            <a:r>
+              <a:rPr lang="en-GB" dirty="0" err="1"/>
+              <a:t>svojstva</a:t>
+            </a:r>
+            <a:r>
+              <a:rPr lang="en-GB" dirty="0"/>
+              <a:t> </a:t>
+            </a:r>
+            <a:r>
+              <a:rPr lang="en-GB" dirty="0" err="1" smtClean="0"/>
+              <a:t>va</a:t>
+            </a:r>
+            <a:r>
+              <a:rPr lang="sr-Latn-RS" dirty="0"/>
+              <a:t>ž</a:t>
+            </a:r>
+            <a:r>
+              <a:rPr lang="en-GB" dirty="0" err="1" smtClean="0"/>
+              <a:t>i</a:t>
+            </a:r>
+            <a:r>
+              <a:rPr lang="en-GB" dirty="0" smtClean="0"/>
+              <a:t> da</a:t>
+            </a:r>
+            <a:r>
+              <a:rPr lang="sr-Latn-RS" dirty="0" smtClean="0"/>
+              <a:t>,</a:t>
+            </a:r>
+            <a:r>
+              <a:rPr lang="en-GB" dirty="0" smtClean="0"/>
+              <a:t> </a:t>
+            </a:r>
+            <a:r>
+              <a:rPr lang="en-GB" dirty="0" err="1"/>
+              <a:t>ako</a:t>
+            </a:r>
+            <a:r>
+              <a:rPr lang="en-GB" dirty="0"/>
+              <a:t> </a:t>
+            </a:r>
+            <a:r>
+              <a:rPr lang="en-GB" dirty="0" err="1"/>
+              <a:t>elementu</a:t>
+            </a:r>
+            <a:r>
+              <a:rPr lang="en-GB" dirty="0"/>
+              <a:t> </a:t>
+            </a:r>
+            <a:r>
+              <a:rPr lang="en-GB" dirty="0" err="1" smtClean="0"/>
+              <a:t>pridru</a:t>
+            </a:r>
+            <a:r>
+              <a:rPr lang="sr-Latn-RS" dirty="0"/>
+              <a:t>ž</a:t>
+            </a:r>
+            <a:r>
+              <a:rPr lang="en-GB" dirty="0" err="1" smtClean="0"/>
+              <a:t>imo</a:t>
+            </a:r>
+            <a:r>
+              <a:rPr lang="en-GB" dirty="0" smtClean="0"/>
+              <a:t> </a:t>
+            </a:r>
+            <a:r>
+              <a:rPr lang="en-GB" dirty="0" err="1"/>
+              <a:t>neku</a:t>
+            </a:r>
+            <a:r>
+              <a:rPr lang="en-GB" dirty="0"/>
+              <a:t> </a:t>
+            </a:r>
+            <a:r>
+              <a:rPr lang="en-GB" dirty="0" err="1" smtClean="0"/>
+              <a:t>deklaraciju</a:t>
+            </a:r>
+            <a:r>
+              <a:rPr lang="sr-Latn-RS" dirty="0" smtClean="0"/>
+              <a:t> </a:t>
+            </a:r>
+            <a:r>
+              <a:rPr lang="en-GB" dirty="0" err="1" smtClean="0"/>
+              <a:t>stila</a:t>
+            </a:r>
+            <a:r>
+              <a:rPr lang="en-GB" dirty="0"/>
+              <a:t>, </a:t>
+            </a:r>
+            <a:r>
+              <a:rPr lang="en-GB" dirty="0" err="1"/>
+              <a:t>nju</a:t>
+            </a:r>
+            <a:r>
+              <a:rPr lang="en-GB" dirty="0"/>
+              <a:t> </a:t>
+            </a:r>
+            <a:r>
+              <a:rPr lang="en-GB" dirty="0" err="1"/>
+              <a:t>automatski</a:t>
+            </a:r>
+            <a:r>
+              <a:rPr lang="en-GB" dirty="0"/>
+              <a:t> </a:t>
+            </a:r>
+            <a:r>
+              <a:rPr lang="en-GB" dirty="0" err="1"/>
+              <a:t>nasle</a:t>
+            </a:r>
+            <a:r>
+              <a:rPr lang="en-GB" dirty="0" smtClean="0"/>
+              <a:t></a:t>
+            </a:r>
+            <a:r>
+              <a:rPr lang="sr-Latn-RS" dirty="0" smtClean="0"/>
+              <a:t>đ</a:t>
+            </a:r>
+            <a:r>
+              <a:rPr lang="en-GB" dirty="0" err="1" smtClean="0"/>
+              <a:t>uju</a:t>
+            </a:r>
+            <a:r>
+              <a:rPr lang="en-GB" dirty="0" smtClean="0"/>
+              <a:t> </a:t>
+            </a:r>
+            <a:r>
+              <a:rPr lang="en-GB" dirty="0" err="1"/>
+              <a:t>svi</a:t>
+            </a:r>
+            <a:r>
+              <a:rPr lang="en-GB" dirty="0"/>
+              <a:t> </a:t>
+            </a:r>
+            <a:r>
+              <a:rPr lang="en-GB" dirty="0" err="1"/>
+              <a:t>elementi</a:t>
+            </a:r>
+            <a:r>
+              <a:rPr lang="en-GB" dirty="0"/>
+              <a:t> </a:t>
+            </a:r>
+            <a:r>
+              <a:rPr lang="en-GB" dirty="0" err="1" smtClean="0"/>
+              <a:t>sadr</a:t>
+            </a:r>
+            <a:r>
+              <a:rPr lang="sr-Latn-RS" dirty="0"/>
+              <a:t>ž</a:t>
+            </a:r>
+            <a:r>
+              <a:rPr lang="en-GB" dirty="0" err="1" smtClean="0"/>
+              <a:t>ani</a:t>
+            </a:r>
+            <a:r>
+              <a:rPr lang="en-GB" dirty="0" smtClean="0"/>
+              <a:t> </a:t>
+            </a:r>
+            <a:r>
+              <a:rPr lang="en-GB" dirty="0"/>
+              <a:t>u tom </a:t>
+            </a:r>
+            <a:r>
+              <a:rPr lang="en-GB" dirty="0" err="1" smtClean="0"/>
+              <a:t>elementu</a:t>
+            </a:r>
+            <a:r>
+              <a:rPr lang="sr-Latn-RS" dirty="0" smtClean="0"/>
+              <a:t/>
+            </a:r>
+            <a:br>
+              <a:rPr lang="sr-Latn-RS" dirty="0" smtClean="0"/>
+            </a:br>
+            <a:r>
+              <a:rPr lang="pt-BR" sz="1600" b="1" dirty="0" err="1">
+                <a:solidFill>
+                  <a:srgbClr val="005828"/>
+                </a:solidFill>
+                <a:latin typeface="Courier New" panose="02070309020205020404" pitchFamily="49" charset="0"/>
+                <a:cs typeface="Courier New" panose="02070309020205020404" pitchFamily="49" charset="0"/>
+              </a:rPr>
+              <a:t>body</a:t>
+            </a:r>
+            <a:r>
+              <a:rPr lang="pt-BR" sz="1600" b="1" dirty="0">
+                <a:solidFill>
+                  <a:srgbClr val="005828"/>
+                </a:solidFill>
+                <a:latin typeface="Courier New" panose="02070309020205020404" pitchFamily="49" charset="0"/>
+                <a:cs typeface="Courier New" panose="02070309020205020404" pitchFamily="49" charset="0"/>
+              </a:rPr>
+              <a:t> { color : </a:t>
+            </a:r>
+            <a:r>
+              <a:rPr lang="pt-BR" sz="1600" b="1" dirty="0" err="1">
+                <a:solidFill>
+                  <a:srgbClr val="005828"/>
+                </a:solidFill>
+                <a:latin typeface="Courier New" panose="02070309020205020404" pitchFamily="49" charset="0"/>
+                <a:cs typeface="Courier New" panose="02070309020205020404" pitchFamily="49" charset="0"/>
+              </a:rPr>
+              <a:t>red</a:t>
+            </a:r>
+            <a:r>
+              <a:rPr lang="pt-BR" sz="1600" b="1" dirty="0">
+                <a:solidFill>
+                  <a:srgbClr val="005828"/>
+                </a:solidFill>
+                <a:latin typeface="Courier New" panose="02070309020205020404" pitchFamily="49" charset="0"/>
+                <a:cs typeface="Courier New" panose="02070309020205020404" pitchFamily="49" charset="0"/>
+              </a:rPr>
+              <a:t>; }</a:t>
+            </a:r>
+            <a:endParaRPr lang="en-GB" sz="1600" b="1" dirty="0">
+              <a:solidFill>
+                <a:srgbClr val="005828"/>
+              </a:solidFill>
+              <a:latin typeface="Courier New" panose="02070309020205020404" pitchFamily="49" charset="0"/>
+              <a:cs typeface="Courier New" panose="02070309020205020404" pitchFamily="49" charset="0"/>
+            </a:endParaRPr>
+          </a:p>
+          <a:p>
+            <a:pPr lvl="0">
+              <a:spcBef>
+                <a:spcPts val="1200"/>
+              </a:spcBef>
+            </a:pPr>
+            <a:r>
+              <a:rPr lang="it-IT" dirty="0" err="1"/>
+              <a:t>Nasle</a:t>
+            </a:r>
+            <a:r>
+              <a:rPr lang="it-IT" dirty="0" smtClean="0"/>
+              <a:t></a:t>
+            </a:r>
+            <a:r>
+              <a:rPr lang="sr-Latn-RS" dirty="0" smtClean="0"/>
+              <a:t>đ</a:t>
+            </a:r>
+            <a:r>
+              <a:rPr lang="it-IT" dirty="0" err="1" smtClean="0"/>
+              <a:t>eno</a:t>
+            </a:r>
+            <a:r>
+              <a:rPr lang="it-IT" dirty="0" smtClean="0"/>
+              <a:t> </a:t>
+            </a:r>
+            <a:r>
+              <a:rPr lang="it-IT" dirty="0" err="1"/>
+              <a:t>svojstvo</a:t>
+            </a:r>
+            <a:r>
+              <a:rPr lang="it-IT" dirty="0"/>
+              <a:t> se </a:t>
+            </a:r>
+            <a:r>
+              <a:rPr lang="it-IT" dirty="0" err="1" smtClean="0"/>
+              <a:t>mo</a:t>
+            </a:r>
+            <a:r>
+              <a:rPr lang="sr-Latn-RS" dirty="0"/>
+              <a:t>ž</a:t>
+            </a:r>
+            <a:r>
+              <a:rPr lang="it-IT" dirty="0" smtClean="0"/>
+              <a:t>e </a:t>
+            </a:r>
+            <a:r>
+              <a:rPr lang="it-IT" dirty="0" err="1"/>
+              <a:t>promeniti</a:t>
+            </a:r>
+            <a:r>
+              <a:rPr lang="sr-Latn-RS" dirty="0" smtClean="0"/>
+              <a:t/>
+            </a:r>
+            <a:br>
+              <a:rPr lang="sr-Latn-RS" dirty="0" smtClean="0"/>
+            </a:br>
+            <a:r>
+              <a:rPr lang="en-GB" sz="1600" b="1" dirty="0">
+                <a:solidFill>
+                  <a:srgbClr val="005828"/>
+                </a:solidFill>
+                <a:latin typeface="Courier New" panose="02070309020205020404" pitchFamily="49" charset="0"/>
+                <a:cs typeface="Courier New" panose="02070309020205020404" pitchFamily="49" charset="0"/>
+              </a:rPr>
+              <a:t>p { </a:t>
+            </a:r>
+            <a:r>
+              <a:rPr lang="en-GB" sz="1600" b="1" dirty="0" err="1">
+                <a:solidFill>
+                  <a:srgbClr val="005828"/>
+                </a:solidFill>
+                <a:latin typeface="Courier New" panose="02070309020205020404" pitchFamily="49" charset="0"/>
+                <a:cs typeface="Courier New" panose="02070309020205020404" pitchFamily="49" charset="0"/>
+              </a:rPr>
+              <a:t>color</a:t>
+            </a:r>
+            <a:r>
+              <a:rPr lang="en-GB" sz="1600" b="1" dirty="0">
+                <a:solidFill>
+                  <a:srgbClr val="005828"/>
+                </a:solidFill>
+                <a:latin typeface="Courier New" panose="02070309020205020404" pitchFamily="49" charset="0"/>
+                <a:cs typeface="Courier New" panose="02070309020205020404" pitchFamily="49" charset="0"/>
+              </a:rPr>
+              <a:t> : blue; }</a:t>
+            </a:r>
+            <a:endParaRPr lang="sr-Cyrl-RS" altLang="en-US" sz="1600" b="1" dirty="0">
+              <a:solidFill>
+                <a:srgbClr val="005828"/>
+              </a:solidFill>
+              <a:latin typeface="Courier New" panose="02070309020205020404" pitchFamily="49" charset="0"/>
+              <a:cs typeface="Courier New" panose="02070309020205020404" pitchFamily="49" charset="0"/>
+            </a:endParaRPr>
+          </a:p>
+          <a:p>
+            <a:pPr lvl="0">
+              <a:spcBef>
+                <a:spcPts val="1200"/>
+              </a:spcBef>
+            </a:pPr>
+            <a:r>
+              <a:rPr lang="fi-FI" dirty="0" err="1">
+                <a:solidFill>
+                  <a:srgbClr val="000000"/>
+                </a:solidFill>
+              </a:rPr>
+              <a:t>Neka</a:t>
+            </a:r>
+            <a:r>
+              <a:rPr lang="fi-FI" dirty="0">
+                <a:solidFill>
+                  <a:srgbClr val="000000"/>
+                </a:solidFill>
+              </a:rPr>
+              <a:t> </a:t>
+            </a:r>
+            <a:r>
+              <a:rPr lang="fi-FI" dirty="0" err="1">
+                <a:solidFill>
+                  <a:srgbClr val="000000"/>
+                </a:solidFill>
+              </a:rPr>
+              <a:t>svojstva</a:t>
+            </a:r>
+            <a:r>
+              <a:rPr lang="fi-FI" dirty="0">
+                <a:solidFill>
+                  <a:srgbClr val="000000"/>
+                </a:solidFill>
+              </a:rPr>
+              <a:t> se ne </a:t>
+            </a:r>
+            <a:r>
+              <a:rPr lang="fi-FI" dirty="0" err="1" smtClean="0">
+                <a:solidFill>
+                  <a:srgbClr val="000000"/>
+                </a:solidFill>
+              </a:rPr>
+              <a:t>nasle</a:t>
+            </a:r>
+            <a:r>
+              <a:rPr lang="sr-Latn-RS" dirty="0" smtClean="0">
+                <a:solidFill>
+                  <a:srgbClr val="000000"/>
+                </a:solidFill>
+              </a:rPr>
+              <a:t>đ</a:t>
+            </a:r>
+            <a:r>
+              <a:rPr lang="fi-FI" dirty="0" err="1" smtClean="0">
+                <a:solidFill>
+                  <a:srgbClr val="000000"/>
+                </a:solidFill>
+              </a:rPr>
+              <a:t></a:t>
+            </a:r>
+            <a:r>
+              <a:rPr lang="fi-FI" dirty="0" err="1">
+                <a:solidFill>
+                  <a:srgbClr val="000000"/>
+                </a:solidFill>
+              </a:rPr>
+              <a:t>uju</a:t>
+            </a:r>
+            <a:r>
+              <a:rPr lang="sr-Latn-RS" dirty="0">
+                <a:solidFill>
+                  <a:srgbClr val="000000"/>
+                </a:solidFill>
+              </a:rPr>
+              <a:t/>
+            </a:r>
+            <a:br>
+              <a:rPr lang="sr-Latn-RS" dirty="0">
+                <a:solidFill>
+                  <a:srgbClr val="000000"/>
+                </a:solidFill>
+              </a:rPr>
+            </a:br>
+            <a:r>
+              <a:rPr lang="en-GB" sz="1600" b="1" dirty="0">
+                <a:solidFill>
+                  <a:srgbClr val="005828"/>
+                </a:solidFill>
+                <a:latin typeface="Courier New" panose="02070309020205020404" pitchFamily="49" charset="0"/>
+                <a:cs typeface="Courier New" panose="02070309020205020404" pitchFamily="49" charset="0"/>
+              </a:rPr>
+              <a:t>body { margin : 20px; }</a:t>
+            </a:r>
+            <a:endParaRPr lang="sr-Cyrl-RS" altLang="en-US" sz="1600" b="1" dirty="0">
+              <a:solidFill>
+                <a:srgbClr val="005828"/>
+              </a:solidFill>
+              <a:latin typeface="Courier New" panose="02070309020205020404" pitchFamily="49" charset="0"/>
+              <a:cs typeface="Courier New" panose="02070309020205020404" pitchFamily="49" charset="0"/>
+            </a:endParaRPr>
+          </a:p>
+          <a:p>
+            <a:pPr marL="0" lvl="0" indent="0">
+              <a:buNone/>
+            </a:pPr>
+            <a:endParaRPr lang="sr-Latn-CS" altLang="en-US" sz="1200" dirty="0">
+              <a:solidFill>
+                <a:srgbClr val="000000"/>
+              </a:solidFill>
+            </a:endParaRPr>
+          </a:p>
+          <a:p>
+            <a:pPr marL="0" indent="0">
+              <a:buFont typeface="Wingdings" pitchFamily="2" charset="2"/>
+              <a:buNone/>
+            </a:pPr>
+            <a:endParaRPr lang="sr-Latn-CS" altLang="en-US" sz="1200" dirty="0" smtClean="0"/>
+          </a:p>
+          <a:p>
+            <a:pPr marL="0" indent="0">
+              <a:buFont typeface="Wingdings" pitchFamily="2" charset="2"/>
+              <a:buNone/>
+            </a:pPr>
+            <a:endParaRPr lang="sr-Latn-CS" altLang="en-US" dirty="0" smtClean="0"/>
+          </a:p>
+        </p:txBody>
+      </p:sp>
+    </p:spTree>
+    <p:extLst>
+      <p:ext uri="{BB962C8B-B14F-4D97-AF65-F5344CB8AC3E}">
+        <p14:creationId xmlns:p14="http://schemas.microsoft.com/office/powerpoint/2010/main" val="65195392"/>
       </p:ext>
     </p:extLst>
   </p:cSld>

--- a/predavanja/prezentacije/UVIT04-01-CSS.pptx
+++ b/predavanja/prezentacije/UVIT04-01-CSS.pptx
@@ -234,7 +234,7 @@
           <a:p>
             <a:fld id="{6B3683FA-0560-4266-A2CA-8A7D404C35FD}" type="datetimeFigureOut">
               <a:rPr lang="en-US" smtClean="0"/>
-              <a:t>10/17/2018</a:t>
+              <a:t>10/19/2018</a:t>
             </a:fld>
             <a:endParaRPr lang="en-US"/>
           </a:p>
@@ -5025,23 +5025,7 @@
                   <a:srgbClr val="000000"/>
                 </a:solidFill>
               </a:rPr>
-              <a:t>u ovom </a:t>
-            </a:r>
-            <a:r>
-              <a:rPr lang="sr-Latn-CS" dirty="0">
-                <a:solidFill>
-                  <a:srgbClr val="000000"/>
-                </a:solidFill>
-              </a:rPr>
-              <a:t>k</a:t>
-            </a:r>
-            <a:r>
-              <a:rPr lang="sr-Latn-CS" dirty="0">
-                <a:solidFill>
-                  <a:srgbClr val="000000"/>
-                </a:solidFill>
-              </a:rPr>
-              <a:t>ontekstu </a:t>
+              <a:t>u ovom kontekstu </a:t>
             </a:r>
             <a:r>
               <a:rPr lang="sr-Latn-RS" dirty="0" smtClean="0">
@@ -6202,11 +6186,7 @@
           <a:p>
             <a:r>
               <a:rPr lang="sr-Latn-RS" altLang="en-US" dirty="0" smtClean="0"/>
-              <a:t>Prezentacija </a:t>
-            </a:r>
-            <a:r>
-              <a:rPr lang="sr-Latn-RS" altLang="en-US" dirty="0" smtClean="0"/>
-              <a:t>iz predmeta </a:t>
+              <a:t>Prezentacija iz predmeta </a:t>
             </a:r>
             <a:r>
               <a:rPr lang="en-US" altLang="en-US" dirty="0"/>
@@ -7543,17 +7523,7 @@
                 <a:latin typeface="Courier New" panose="02070309020205020404" pitchFamily="49" charset="0"/>
                 <a:cs typeface="Courier New" panose="02070309020205020404" pitchFamily="49" charset="0"/>
               </a:rPr>
-              <a:t>: Arial</a:t>
-            </a:r>
-            <a:r>
-              <a:rPr lang="en-GB" sz="1600" b="1" dirty="0">
-                <a:solidFill>
-                  <a:srgbClr val="005828"/>
-                </a:solidFill>
-                <a:latin typeface="Courier New" panose="02070309020205020404" pitchFamily="49" charset="0"/>
-                <a:cs typeface="Courier New" panose="02070309020205020404" pitchFamily="49" charset="0"/>
-              </a:rPr>
-              <a:t>;</a:t>
+              <a:t>: Arial;</a:t>
             </a:r>
             <a:r>
               <a:rPr lang="sr-Latn-RS" sz="1600" b="1" dirty="0">
@@ -7602,17 +7572,7 @@
                 <a:latin typeface="Courier New" panose="02070309020205020404" pitchFamily="49" charset="0"/>
                 <a:cs typeface="Courier New" panose="02070309020205020404" pitchFamily="49" charset="0"/>
               </a:rPr>
-              <a:t>: 20px</a:t>
-            </a:r>
-            <a:r>
-              <a:rPr lang="en-GB" sz="1600" b="1" dirty="0">
-                <a:solidFill>
-                  <a:srgbClr val="005828"/>
-                </a:solidFill>
-                <a:latin typeface="Courier New" panose="02070309020205020404" pitchFamily="49" charset="0"/>
-                <a:cs typeface="Courier New" panose="02070309020205020404" pitchFamily="49" charset="0"/>
-              </a:rPr>
-              <a:t>;</a:t>
+              <a:t>: 20px;</a:t>
             </a:r>
             <a:r>
               <a:rPr lang="sr-Latn-RS" sz="1600" b="1" dirty="0">
@@ -7864,25 +7824,8 @@
                 <a:latin typeface="Courier New" panose="02070309020205020404" pitchFamily="49" charset="0"/>
                 <a:cs typeface="Courier New" panose="02070309020205020404" pitchFamily="49" charset="0"/>
               </a:rPr>
-              <a:t> ';' </a:t>
-            </a:r>
-            <a:r>
-              <a:rPr lang="en-GB" sz="1600" b="1" dirty="0">
-                <a:solidFill>
-                  <a:srgbClr val="005828"/>
-                </a:solidFill>
-                <a:latin typeface="Courier New" panose="02070309020205020404" pitchFamily="49" charset="0"/>
-                <a:cs typeface="Courier New" panose="02070309020205020404" pitchFamily="49" charset="0"/>
-              </a:rPr>
-              <a:t>}</a:t>
-            </a:r>
-            <a:endParaRPr lang="en-GB" sz="1600" b="1" dirty="0">
-              <a:solidFill>
-                <a:srgbClr val="005828"/>
-              </a:solidFill>
-              <a:latin typeface="Courier New" panose="02070309020205020404" pitchFamily="49" charset="0"/>
-              <a:cs typeface="Courier New" panose="02070309020205020404" pitchFamily="49" charset="0"/>
-            </a:endParaRPr>
+              <a:t> ';' }</a:t>
+            </a:r>
           </a:p>
           <a:p>
             <a:pPr lvl="0">
